--- a/poster/poster.pptx
+++ b/poster/poster.pptx
@@ -48631,35 +48631,11 @@
           <a:p>
             <a:r>
               <a:rPr lang="en-GB" b="1" dirty="0" smtClean="0"/>
-              <a:t>Convolutional Neural Networks (CNNs)</a:t>
-            </a:r>
-          </a:p>
-          <a:p>
-            <a:endParaRPr lang="en-GB" b="1" dirty="0"/>
-          </a:p>
-          <a:p>
-            <a:pPr marL="171450" indent="-171450">
-              <a:buFont typeface="Arial"/>
-              <a:buChar char="•"/>
-            </a:pPr>
-            <a:r>
-              <a:rPr lang="en-GB" dirty="0" smtClean="0"/>
-              <a:t>General: </a:t>
-            </a:r>
-            <a:r>
-              <a:rPr lang="en-GB" dirty="0"/>
-              <a:t>Object Recognition </a:t>
-            </a:r>
-            <a:endParaRPr lang="en-GB" dirty="0" smtClean="0"/>
-          </a:p>
-          <a:p>
-            <a:r>
-              <a:rPr lang="en-GB" dirty="0"/>
-              <a:t> </a:t>
-            </a:r>
-            <a:r>
-              <a:rPr lang="en-GB" dirty="0" smtClean="0"/>
-              <a:t>    as a Classification Problem</a:t>
+              <a:t>Deep Convolutional </a:t>
+            </a:r>
+            <a:r>
+              <a:rPr lang="en-GB" b="1" dirty="0" smtClean="0"/>
+              <a:t>Neural Networks </a:t>
             </a:r>
           </a:p>
           <a:p>
@@ -48671,13 +48647,353 @@
             <a:endParaRPr lang="en-GB" b="1" dirty="0"/>
           </a:p>
           <a:p>
+            <a:r>
+              <a:rPr lang="en-GB" dirty="0" smtClean="0"/>
+              <a:t>General: </a:t>
+            </a:r>
+            <a:endParaRPr lang="en-GB" dirty="0" smtClean="0"/>
+          </a:p>
+          <a:p>
+            <a:pPr>
+              <a:lnSpc>
+                <a:spcPct val="50000"/>
+              </a:lnSpc>
+            </a:pPr>
+            <a:endParaRPr lang="en-GB" dirty="0" smtClean="0"/>
+          </a:p>
+          <a:p>
+            <a:pPr marL="228600" indent="-228600">
+              <a:buFont typeface="+mj-lt"/>
+              <a:buAutoNum type="arabicPeriod"/>
+            </a:pPr>
+            <a:r>
+              <a:rPr lang="en-GB" dirty="0" smtClean="0"/>
+              <a:t>Object </a:t>
+            </a:r>
+            <a:r>
+              <a:rPr lang="en-GB" dirty="0"/>
+              <a:t>Recognition </a:t>
+            </a:r>
+            <a:endParaRPr lang="en-GB" dirty="0" smtClean="0"/>
+          </a:p>
+          <a:p>
+            <a:r>
+              <a:rPr lang="en-GB" dirty="0"/>
+              <a:t> </a:t>
+            </a:r>
+            <a:r>
+              <a:rPr lang="en-GB" dirty="0" smtClean="0"/>
+              <a:t>   </a:t>
+            </a:r>
+            <a:r>
+              <a:rPr lang="en-GB" dirty="0" smtClean="0"/>
+              <a:t>  </a:t>
+            </a:r>
+            <a:r>
+              <a:rPr lang="en-GB" dirty="0" smtClean="0"/>
+              <a:t>as a Classification </a:t>
+            </a:r>
+            <a:r>
+              <a:rPr lang="en-GB" dirty="0" smtClean="0"/>
+              <a:t>Problem</a:t>
+            </a:r>
+          </a:p>
+          <a:p>
+            <a:pPr>
+              <a:lnSpc>
+                <a:spcPct val="50000"/>
+              </a:lnSpc>
+            </a:pPr>
+            <a:endParaRPr lang="en-GB" dirty="0"/>
+          </a:p>
+          <a:p>
+            <a:r>
+              <a:rPr lang="en-GB" dirty="0" smtClean="0"/>
+              <a:t>2.   Non-linearize system and get more </a:t>
+            </a:r>
+          </a:p>
+          <a:p>
+            <a:r>
+              <a:rPr lang="en-GB" dirty="0" smtClean="0"/>
+              <a:t>      parameters through getting </a:t>
+            </a:r>
+            <a:r>
+              <a:rPr lang="en-GB" i="1" dirty="0" smtClean="0"/>
+              <a:t>deeper:</a:t>
+            </a:r>
+          </a:p>
+          <a:p>
+            <a:endParaRPr lang="en-GB" i="1" dirty="0"/>
+          </a:p>
+          <a:p>
+            <a:endParaRPr lang="en-GB" dirty="0" smtClean="0"/>
+          </a:p>
+          <a:p>
+            <a:r>
+              <a:rPr lang="en-GB" i="1" dirty="0"/>
+              <a:t>	</a:t>
+            </a:r>
+            <a:endParaRPr lang="en-GB" i="1" dirty="0" smtClean="0"/>
+          </a:p>
+          <a:p>
+            <a:endParaRPr lang="en-GB" dirty="0"/>
+          </a:p>
+          <a:p>
+            <a:endParaRPr lang="en-GB" dirty="0" smtClean="0"/>
+          </a:p>
+          <a:p>
+            <a:endParaRPr lang="en-GB" dirty="0"/>
+          </a:p>
+          <a:p>
+            <a:endParaRPr lang="en-GB" dirty="0" smtClean="0"/>
+          </a:p>
+          <a:p>
+            <a:endParaRPr lang="en-GB" dirty="0" smtClean="0"/>
+          </a:p>
+          <a:p>
+            <a:pPr marL="228600" indent="-228600">
+              <a:buAutoNum type="arabicPeriod" startAt="3"/>
+            </a:pPr>
+            <a:r>
+              <a:rPr lang="en-GB" dirty="0" smtClean="0"/>
+              <a:t>Instead of matrix </a:t>
+            </a:r>
+            <a:r>
+              <a:rPr lang="en-GB" dirty="0"/>
+              <a:t>m</a:t>
+            </a:r>
+            <a:r>
+              <a:rPr lang="en-GB" dirty="0" smtClean="0"/>
+              <a:t>ultiplication of our Input, we deepen our network</a:t>
+            </a:r>
+          </a:p>
+          <a:p>
+            <a:r>
+              <a:rPr lang="en-GB" dirty="0" smtClean="0"/>
+              <a:t>       by using </a:t>
+            </a:r>
+            <a:r>
+              <a:rPr lang="en-GB" i="1" dirty="0" smtClean="0"/>
+              <a:t>convolutions and </a:t>
+            </a:r>
+            <a:r>
+              <a:rPr lang="en-GB" i="1" dirty="0"/>
+              <a:t>max-poolin</a:t>
+            </a:r>
+            <a:r>
+              <a:rPr lang="en-GB" dirty="0"/>
+              <a:t>g which </a:t>
+            </a:r>
+            <a:r>
+              <a:rPr lang="en-GB" dirty="0" smtClean="0"/>
+              <a:t>make use </a:t>
+            </a:r>
+            <a:r>
+              <a:rPr lang="en-GB" dirty="0"/>
+              <a:t>of </a:t>
+            </a:r>
+            <a:r>
+              <a:rPr lang="en-GB" dirty="0" smtClean="0"/>
+              <a:t>the</a:t>
+            </a:r>
+            <a:r>
+              <a:rPr lang="en-GB" i="1" dirty="0" smtClean="0"/>
+              <a:t>                       </a:t>
+            </a:r>
+          </a:p>
+          <a:p>
+            <a:r>
+              <a:rPr lang="en-GB" i="1" dirty="0"/>
+              <a:t> </a:t>
+            </a:r>
+            <a:r>
+              <a:rPr lang="en-GB" i="1" dirty="0" smtClean="0"/>
+              <a:t>      </a:t>
+            </a:r>
+            <a:r>
+              <a:rPr lang="en-GB" dirty="0" smtClean="0"/>
+              <a:t>spatial </a:t>
+            </a:r>
+            <a:r>
+              <a:rPr lang="en-GB" dirty="0"/>
+              <a:t>information of 3D </a:t>
+            </a:r>
+            <a:r>
+              <a:rPr lang="en-GB" dirty="0" smtClean="0"/>
+              <a:t>data.</a:t>
+            </a:r>
+            <a:endParaRPr lang="en-GB" dirty="0"/>
+          </a:p>
+          <a:p>
+            <a:endParaRPr lang="en-GB" i="1" dirty="0"/>
+          </a:p>
+          <a:p>
+            <a:endParaRPr lang="en-GB" i="1" dirty="0"/>
+          </a:p>
+          <a:p>
+            <a:endParaRPr lang="en-GB" i="1" dirty="0" smtClean="0"/>
+          </a:p>
+          <a:p>
+            <a:endParaRPr lang="en-GB" i="1" dirty="0"/>
+          </a:p>
+          <a:p>
+            <a:endParaRPr lang="en-GB" i="1" dirty="0" smtClean="0"/>
+          </a:p>
+          <a:p>
+            <a:endParaRPr lang="en-GB" i="1" dirty="0"/>
+          </a:p>
+          <a:p>
+            <a:endParaRPr lang="en-GB" i="1" dirty="0" smtClean="0"/>
+          </a:p>
+          <a:p>
+            <a:endParaRPr lang="en-GB" i="1" dirty="0"/>
+          </a:p>
+          <a:p>
+            <a:endParaRPr lang="en-GB" i="1" dirty="0"/>
+          </a:p>
+          <a:p>
+            <a:endParaRPr lang="en-GB" dirty="0" smtClean="0"/>
+          </a:p>
+          <a:p>
+            <a:r>
+              <a:rPr lang="en-GB" sz="800" dirty="0" smtClean="0"/>
+              <a:t>      Convolution: Shrink/Blur                                    Max Pooling: Non-linear down-sampling</a:t>
+            </a:r>
+            <a:endParaRPr lang="en-GB" sz="800" i="1" dirty="0"/>
+          </a:p>
+          <a:p>
+            <a:endParaRPr lang="en-GB" b="1" dirty="0" smtClean="0"/>
+          </a:p>
+          <a:p>
+            <a:endParaRPr lang="en-GB" b="1" dirty="0"/>
+          </a:p>
+          <a:p>
+            <a:r>
+              <a:rPr lang="en-GB" dirty="0" smtClean="0"/>
+              <a:t>    </a:t>
+            </a:r>
+            <a:endParaRPr lang="en-GB" dirty="0" smtClean="0"/>
+          </a:p>
+          <a:p>
+            <a:pPr>
+              <a:lnSpc>
+                <a:spcPct val="50000"/>
+              </a:lnSpc>
+            </a:pPr>
+            <a:r>
+              <a:rPr lang="en-GB" dirty="0" smtClean="0"/>
+              <a:t> </a:t>
+            </a:r>
+            <a:endParaRPr lang="en-GB" dirty="0"/>
+          </a:p>
+          <a:p>
+            <a:pPr marL="171450" indent="-171450">
+              <a:lnSpc>
+                <a:spcPct val="50000"/>
+              </a:lnSpc>
+              <a:buFont typeface="Arial"/>
+              <a:buChar char="•"/>
+            </a:pPr>
+            <a:r>
+              <a:rPr lang="en-GB" dirty="0" smtClean="0"/>
+              <a:t>Result in </a:t>
+            </a:r>
+            <a:r>
+              <a:rPr lang="en-GB" dirty="0" err="1" smtClean="0"/>
+              <a:t>VoxNet</a:t>
+            </a:r>
+            <a:r>
+              <a:rPr lang="en-GB" dirty="0" smtClean="0"/>
+              <a:t> Case: </a:t>
+            </a:r>
+          </a:p>
+          <a:p>
+            <a:pPr>
+              <a:lnSpc>
+                <a:spcPct val="50000"/>
+              </a:lnSpc>
+            </a:pPr>
+            <a:endParaRPr lang="en-GB" dirty="0"/>
+          </a:p>
+          <a:p>
+            <a:pPr>
+              <a:lnSpc>
+                <a:spcPct val="50000"/>
+              </a:lnSpc>
+            </a:pPr>
+            <a:r>
+              <a:rPr lang="en-GB" dirty="0"/>
+              <a:t> </a:t>
+            </a:r>
+            <a:r>
+              <a:rPr lang="en-GB" dirty="0" smtClean="0"/>
+              <a:t>    </a:t>
+            </a:r>
+            <a:r>
+              <a:rPr lang="en-GB" dirty="0" smtClean="0"/>
+              <a:t>CNN </a:t>
+            </a:r>
+            <a:r>
+              <a:rPr lang="en-GB" dirty="0" smtClean="0"/>
+              <a:t>of ~ 900t </a:t>
+            </a:r>
+            <a:r>
+              <a:rPr lang="en-GB" dirty="0" smtClean="0"/>
+              <a:t>parameters</a:t>
+            </a:r>
+          </a:p>
+          <a:p>
+            <a:pPr>
+              <a:lnSpc>
+                <a:spcPct val="50000"/>
+              </a:lnSpc>
+            </a:pPr>
+            <a:endParaRPr lang="en-GB" b="1" dirty="0" smtClean="0"/>
+          </a:p>
+          <a:p>
+            <a:pPr>
+              <a:lnSpc>
+                <a:spcPct val="50000"/>
+              </a:lnSpc>
+            </a:pPr>
+            <a:endParaRPr lang="en-GB" b="1" dirty="0"/>
+          </a:p>
+          <a:p>
+            <a:pPr>
+              <a:lnSpc>
+                <a:spcPct val="50000"/>
+              </a:lnSpc>
+            </a:pPr>
+            <a:endParaRPr lang="en-GB" b="1" dirty="0" smtClean="0"/>
+          </a:p>
+          <a:p>
+            <a:pPr>
+              <a:lnSpc>
+                <a:spcPct val="50000"/>
+              </a:lnSpc>
+            </a:pPr>
+            <a:endParaRPr lang="en-GB" b="1" dirty="0" smtClean="0"/>
+          </a:p>
+          <a:p>
+            <a:endParaRPr lang="en-GB" b="1" dirty="0" smtClean="0"/>
+          </a:p>
+          <a:p>
+            <a:r>
+              <a:rPr lang="en-GB" i="1" dirty="0" smtClean="0"/>
+              <a:t>Contributed:</a:t>
+            </a:r>
+          </a:p>
+          <a:p>
+            <a:endParaRPr lang="en-GB" dirty="0" smtClean="0"/>
+          </a:p>
+          <a:p>
             <a:pPr marL="171450" indent="-171450">
               <a:buFont typeface="Arial"/>
               <a:buChar char="•"/>
             </a:pPr>
             <a:r>
               <a:rPr lang="en-GB" dirty="0" smtClean="0"/>
-              <a:t>Deepen Network through</a:t>
+              <a:t>Reimplementation of  </a:t>
             </a:r>
           </a:p>
           <a:p>
@@ -48687,7 +49003,7 @@
             </a:r>
             <a:r>
               <a:rPr lang="en-GB" dirty="0" smtClean="0"/>
-              <a:t>    convolutional layers and </a:t>
+              <a:t>    Convolutional Neural Network </a:t>
             </a:r>
           </a:p>
           <a:p>
@@ -48697,13 +49013,35 @@
             </a:r>
             <a:r>
               <a:rPr lang="en-GB" dirty="0" smtClean="0"/>
-              <a:t>    max-pooling which make</a:t>
+              <a:t>    Model with </a:t>
+            </a:r>
+            <a:r>
+              <a:rPr lang="en-GB" dirty="0" err="1" smtClean="0"/>
+              <a:t>Keras</a:t>
+            </a:r>
+            <a:r>
+              <a:rPr lang="en-GB" dirty="0" smtClean="0"/>
+              <a:t> in Python,</a:t>
             </a:r>
           </a:p>
           <a:p>
             <a:r>
+              <a:rPr lang="en-GB" dirty="0"/>
+              <a:t> </a:t>
+            </a:r>
+            <a:r>
               <a:rPr lang="en-GB" dirty="0" smtClean="0"/>
-              <a:t>     use of the spatial information</a:t>
+              <a:t>    supports rotation e.g. different</a:t>
+            </a:r>
+          </a:p>
+          <a:p>
+            <a:r>
+              <a:rPr lang="en-GB" dirty="0"/>
+              <a:t> </a:t>
+            </a:r>
+            <a:r>
+              <a:rPr lang="en-GB" dirty="0" smtClean="0"/>
+              <a:t>    views of same object</a:t>
             </a:r>
           </a:p>
           <a:p>
@@ -48720,196 +49058,7 @@
                 <a:spcPct val="50000"/>
               </a:lnSpc>
             </a:pPr>
-            <a:r>
-              <a:rPr lang="en-GB" dirty="0" smtClean="0"/>
-              <a:t> </a:t>
-            </a:r>
-            <a:endParaRPr lang="en-GB" dirty="0"/>
-          </a:p>
-          <a:p>
-            <a:pPr marL="171450" indent="-171450">
-              <a:lnSpc>
-                <a:spcPct val="50000"/>
-              </a:lnSpc>
-              <a:buFont typeface="Arial"/>
-              <a:buChar char="•"/>
-            </a:pPr>
-            <a:r>
-              <a:rPr lang="en-GB" dirty="0" smtClean="0"/>
-              <a:t>Result: CNN of ~ 900t parameters</a:t>
-            </a:r>
-          </a:p>
-          <a:p>
-            <a:pPr marL="171450" indent="-171450">
-              <a:lnSpc>
-                <a:spcPct val="50000"/>
-              </a:lnSpc>
-              <a:buFont typeface="Arial"/>
-              <a:buChar char="•"/>
-            </a:pPr>
-            <a:endParaRPr lang="en-GB" b="1" dirty="0" smtClean="0"/>
-          </a:p>
-          <a:p>
-            <a:pPr marL="171450" indent="-171450">
-              <a:buFont typeface="Arial"/>
-              <a:buChar char="•"/>
-            </a:pPr>
-            <a:endParaRPr lang="en-GB" dirty="0"/>
-          </a:p>
-          <a:p>
-            <a:endParaRPr lang="en-GB" b="1" dirty="0" smtClean="0"/>
-          </a:p>
-          <a:p>
-            <a:endParaRPr lang="en-GB" b="1" dirty="0"/>
-          </a:p>
-          <a:p>
-            <a:endParaRPr lang="en-GB" b="1" dirty="0" smtClean="0"/>
-          </a:p>
-          <a:p>
-            <a:r>
-              <a:rPr lang="en-GB" b="1" dirty="0" smtClean="0"/>
-              <a:t>EXPLAIN MORE CNN + WHAT WE DID????</a:t>
-            </a:r>
-            <a:endParaRPr lang="en-GB" b="1" dirty="0"/>
-          </a:p>
-          <a:p>
-            <a:endParaRPr lang="en-GB" b="1" dirty="0" smtClean="0"/>
-          </a:p>
-          <a:p>
-            <a:endParaRPr lang="en-GB" b="1" dirty="0"/>
-          </a:p>
-          <a:p>
-            <a:endParaRPr lang="en-GB" b="1" dirty="0" smtClean="0"/>
-          </a:p>
-          <a:p>
-            <a:endParaRPr lang="en-GB" b="1" dirty="0"/>
-          </a:p>
-          <a:p>
-            <a:endParaRPr lang="en-GB" b="1" dirty="0" smtClean="0"/>
-          </a:p>
-          <a:p>
-            <a:endParaRPr lang="en-GB" b="1" dirty="0"/>
-          </a:p>
-          <a:p>
-            <a:endParaRPr lang="en-GB" b="1" dirty="0" smtClean="0"/>
-          </a:p>
-          <a:p>
-            <a:endParaRPr lang="en-GB" b="1" dirty="0"/>
-          </a:p>
-          <a:p>
-            <a:endParaRPr lang="en-GB" b="1" dirty="0" smtClean="0"/>
-          </a:p>
-          <a:p>
-            <a:endParaRPr lang="en-GB" b="1" dirty="0"/>
-          </a:p>
-          <a:p>
-            <a:endParaRPr lang="en-GB" b="1" dirty="0" smtClean="0"/>
-          </a:p>
-          <a:p>
-            <a:endParaRPr lang="en-GB" b="1" dirty="0"/>
-          </a:p>
-          <a:p>
-            <a:endParaRPr lang="en-GB" b="1" dirty="0" smtClean="0"/>
-          </a:p>
-          <a:p>
-            <a:endParaRPr lang="en-GB" b="1" dirty="0"/>
-          </a:p>
-          <a:p>
-            <a:endParaRPr lang="en-GB" b="1" dirty="0" smtClean="0"/>
-          </a:p>
-          <a:p>
-            <a:endParaRPr lang="en-GB" b="1" dirty="0"/>
-          </a:p>
-          <a:p>
-            <a:endParaRPr lang="en-GB" b="1" dirty="0" smtClean="0"/>
-          </a:p>
-          <a:p>
-            <a:endParaRPr lang="en-GB" b="1" dirty="0" smtClean="0"/>
-          </a:p>
-          <a:p>
-            <a:endParaRPr lang="en-GB" b="1" dirty="0"/>
-          </a:p>
-          <a:p>
-            <a:endParaRPr lang="en-GB" b="1" dirty="0" smtClean="0"/>
-          </a:p>
-          <a:p>
-            <a:endParaRPr lang="en-GB" b="1" dirty="0"/>
-          </a:p>
-          <a:p>
-            <a:endParaRPr lang="en-GB" b="1" dirty="0" smtClean="0"/>
-          </a:p>
-          <a:p>
-            <a:endParaRPr lang="en-GB" b="1" dirty="0"/>
-          </a:p>
-          <a:p>
-            <a:endParaRPr lang="en-GB" b="1" dirty="0" smtClean="0"/>
-          </a:p>
-          <a:p>
-            <a:r>
-              <a:rPr lang="en-GB" i="1" dirty="0" smtClean="0"/>
-              <a:t>Contributed:</a:t>
-            </a:r>
-          </a:p>
-          <a:p>
             <a:endParaRPr lang="en-GB" dirty="0" smtClean="0"/>
-          </a:p>
-          <a:p>
-            <a:pPr marL="171450" indent="-171450">
-              <a:buFont typeface="Arial"/>
-              <a:buChar char="•"/>
-            </a:pPr>
-            <a:r>
-              <a:rPr lang="en-GB" dirty="0" smtClean="0"/>
-              <a:t>Reimplementation of  </a:t>
-            </a:r>
-          </a:p>
-          <a:p>
-            <a:r>
-              <a:rPr lang="en-GB" dirty="0"/>
-              <a:t> </a:t>
-            </a:r>
-            <a:r>
-              <a:rPr lang="en-GB" dirty="0" smtClean="0"/>
-              <a:t>    Convolutional Neural Network </a:t>
-            </a:r>
-          </a:p>
-          <a:p>
-            <a:r>
-              <a:rPr lang="en-GB" dirty="0"/>
-              <a:t> </a:t>
-            </a:r>
-            <a:r>
-              <a:rPr lang="en-GB" dirty="0" smtClean="0"/>
-              <a:t>    Model with </a:t>
-            </a:r>
-            <a:r>
-              <a:rPr lang="en-GB" dirty="0" err="1" smtClean="0"/>
-              <a:t>Keras</a:t>
-            </a:r>
-            <a:r>
-              <a:rPr lang="en-GB" dirty="0" smtClean="0"/>
-              <a:t> in Python,</a:t>
-            </a:r>
-          </a:p>
-          <a:p>
-            <a:r>
-              <a:rPr lang="en-GB" dirty="0"/>
-              <a:t> </a:t>
-            </a:r>
-            <a:r>
-              <a:rPr lang="en-GB" dirty="0" smtClean="0"/>
-              <a:t>    supports rotation e.g. different</a:t>
-            </a:r>
-          </a:p>
-          <a:p>
-            <a:r>
-              <a:rPr lang="en-GB" dirty="0"/>
-              <a:t> </a:t>
-            </a:r>
-            <a:r>
-              <a:rPr lang="en-GB" dirty="0" smtClean="0"/>
-              <a:t>   views of same object</a:t>
-            </a:r>
           </a:p>
           <a:p>
             <a:pPr>
@@ -49646,7 +49795,7 @@
         </p:nvSpPr>
         <p:spPr>
           <a:xfrm>
-            <a:off x="5526720" y="11449694"/>
+            <a:off x="5526720" y="11413690"/>
             <a:ext cx="4716463" cy="468052"/>
           </a:xfrm>
           <a:prstGeom prst="rect">
@@ -49828,329 +49977,6 @@
       </p:sp>
       <p:sp>
         <p:nvSpPr>
-          <p:cNvPr id="51" name="Textplatzhalter 3"/>
-          <p:cNvSpPr txBox="1">
-            <a:spLocks/>
-          </p:cNvSpPr>
-          <p:nvPr/>
-        </p:nvSpPr>
-        <p:spPr>
-          <a:xfrm>
-            <a:off x="5511156" y="11917746"/>
-            <a:ext cx="4731395" cy="972108"/>
-          </a:xfrm>
-          <a:prstGeom prst="rect">
-            <a:avLst/>
-          </a:prstGeom>
-          <a:solidFill>
-            <a:schemeClr val="accent6"/>
-          </a:solidFill>
-        </p:spPr>
-        <p:txBody>
-          <a:bodyPr vert="horz" lIns="324000" tIns="216000" rIns="324000" bIns="324000" rtlCol="0">
-            <a:noAutofit/>
-          </a:bodyPr>
-          <a:lstStyle>
-            <a:lvl1pPr marL="0" indent="0" algn="l" defTabSz="1475110" rtl="0" eaLnBrk="1" latinLnBrk="0" hangingPunct="1">
-              <a:lnSpc>
-                <a:spcPts val="1200"/>
-              </a:lnSpc>
-              <a:spcBef>
-                <a:spcPts val="0"/>
-              </a:spcBef>
-              <a:buFont typeface="Arial" panose="020B0604020202020204" pitchFamily="34" charset="0"/>
-              <a:buNone/>
-              <a:defRPr sz="1000" kern="1200">
-                <a:solidFill>
-                  <a:schemeClr val="accent1"/>
-                </a:solidFill>
-                <a:latin typeface="+mn-lt"/>
-                <a:ea typeface="+mn-ea"/>
-                <a:cs typeface="+mn-cs"/>
-              </a:defRPr>
-            </a:lvl1pPr>
-            <a:lvl2pPr marL="180975" indent="-180975" algn="l" defTabSz="1475110" rtl="0" eaLnBrk="1" latinLnBrk="0" hangingPunct="1">
-              <a:lnSpc>
-                <a:spcPts val="1200"/>
-              </a:lnSpc>
-              <a:spcBef>
-                <a:spcPts val="0"/>
-              </a:spcBef>
-              <a:buFont typeface="Arial" panose="020B0604020202020204" pitchFamily="34" charset="0"/>
-              <a:buChar char="–"/>
-              <a:defRPr sz="1000" kern="1200">
-                <a:solidFill>
-                  <a:schemeClr val="accent1"/>
-                </a:solidFill>
-                <a:latin typeface="+mn-lt"/>
-                <a:ea typeface="+mn-ea"/>
-                <a:cs typeface="+mn-cs"/>
-              </a:defRPr>
-            </a:lvl2pPr>
-            <a:lvl3pPr marL="357188" indent="-180975" algn="l" defTabSz="1475110" rtl="0" eaLnBrk="1" latinLnBrk="0" hangingPunct="1">
-              <a:lnSpc>
-                <a:spcPts val="1200"/>
-              </a:lnSpc>
-              <a:spcBef>
-                <a:spcPts val="0"/>
-              </a:spcBef>
-              <a:buFont typeface="Symbol" panose="05050102010706020507" pitchFamily="18" charset="2"/>
-              <a:buChar char="-"/>
-              <a:defRPr sz="1000" kern="1200">
-                <a:solidFill>
-                  <a:schemeClr val="accent1"/>
-                </a:solidFill>
-                <a:latin typeface="+mn-lt"/>
-                <a:ea typeface="+mn-ea"/>
-                <a:cs typeface="+mn-cs"/>
-              </a:defRPr>
-            </a:lvl3pPr>
-            <a:lvl4pPr marL="541338" indent="-182563" algn="l" defTabSz="1475110" rtl="0" eaLnBrk="1" latinLnBrk="0" hangingPunct="1">
-              <a:lnSpc>
-                <a:spcPts val="1200"/>
-              </a:lnSpc>
-              <a:spcBef>
-                <a:spcPts val="0"/>
-              </a:spcBef>
-              <a:buFont typeface="Arial" panose="020B0604020202020204" pitchFamily="34" charset="0"/>
-              <a:buChar char="–"/>
-              <a:defRPr sz="1000" kern="1200">
-                <a:solidFill>
-                  <a:schemeClr val="accent1"/>
-                </a:solidFill>
-                <a:latin typeface="+mn-lt"/>
-                <a:ea typeface="+mn-ea"/>
-                <a:cs typeface="+mn-cs"/>
-              </a:defRPr>
-            </a:lvl4pPr>
-            <a:lvl5pPr marL="714375" indent="-180975" algn="l" defTabSz="1475110" rtl="0" eaLnBrk="1" latinLnBrk="0" hangingPunct="1">
-              <a:lnSpc>
-                <a:spcPts val="1200"/>
-              </a:lnSpc>
-              <a:spcBef>
-                <a:spcPts val="0"/>
-              </a:spcBef>
-              <a:buFont typeface="Symbol" panose="05050102010706020507" pitchFamily="18" charset="2"/>
-              <a:buChar char="-"/>
-              <a:tabLst/>
-              <a:defRPr sz="1000" kern="1200">
-                <a:solidFill>
-                  <a:schemeClr val="accent1"/>
-                </a:solidFill>
-                <a:latin typeface="+mn-lt"/>
-                <a:ea typeface="+mn-ea"/>
-                <a:cs typeface="+mn-cs"/>
-              </a:defRPr>
-            </a:lvl5pPr>
-            <a:lvl6pPr marL="4056553" indent="-368778" algn="l" defTabSz="1475110" rtl="0" eaLnBrk="1" latinLnBrk="0" hangingPunct="1">
-              <a:spcBef>
-                <a:spcPct val="20000"/>
-              </a:spcBef>
-              <a:buFont typeface="Arial" panose="020B0604020202020204" pitchFamily="34" charset="0"/>
-              <a:buChar char="•"/>
-              <a:defRPr sz="3200" kern="1200">
-                <a:solidFill>
-                  <a:schemeClr val="tx1"/>
-                </a:solidFill>
-                <a:latin typeface="+mn-lt"/>
-                <a:ea typeface="+mn-ea"/>
-                <a:cs typeface="+mn-cs"/>
-              </a:defRPr>
-            </a:lvl6pPr>
-            <a:lvl7pPr marL="4794108" indent="-368778" algn="l" defTabSz="1475110" rtl="0" eaLnBrk="1" latinLnBrk="0" hangingPunct="1">
-              <a:spcBef>
-                <a:spcPct val="20000"/>
-              </a:spcBef>
-              <a:buFont typeface="Arial" panose="020B0604020202020204" pitchFamily="34" charset="0"/>
-              <a:buChar char="•"/>
-              <a:defRPr sz="3200" kern="1200">
-                <a:solidFill>
-                  <a:schemeClr val="tx1"/>
-                </a:solidFill>
-                <a:latin typeface="+mn-lt"/>
-                <a:ea typeface="+mn-ea"/>
-                <a:cs typeface="+mn-cs"/>
-              </a:defRPr>
-            </a:lvl7pPr>
-            <a:lvl8pPr marL="5531663" indent="-368778" algn="l" defTabSz="1475110" rtl="0" eaLnBrk="1" latinLnBrk="0" hangingPunct="1">
-              <a:spcBef>
-                <a:spcPct val="20000"/>
-              </a:spcBef>
-              <a:buFont typeface="Arial" panose="020B0604020202020204" pitchFamily="34" charset="0"/>
-              <a:buChar char="•"/>
-              <a:defRPr sz="3200" kern="1200">
-                <a:solidFill>
-                  <a:schemeClr val="tx1"/>
-                </a:solidFill>
-                <a:latin typeface="+mn-lt"/>
-                <a:ea typeface="+mn-ea"/>
-                <a:cs typeface="+mn-cs"/>
-              </a:defRPr>
-            </a:lvl8pPr>
-            <a:lvl9pPr marL="6269218" indent="-368778" algn="l" defTabSz="1475110" rtl="0" eaLnBrk="1" latinLnBrk="0" hangingPunct="1">
-              <a:spcBef>
-                <a:spcPct val="20000"/>
-              </a:spcBef>
-              <a:buFont typeface="Arial" panose="020B0604020202020204" pitchFamily="34" charset="0"/>
-              <a:buChar char="•"/>
-              <a:defRPr sz="3200" kern="1200">
-                <a:solidFill>
-                  <a:schemeClr val="tx1"/>
-                </a:solidFill>
-                <a:latin typeface="+mn-lt"/>
-                <a:ea typeface="+mn-ea"/>
-                <a:cs typeface="+mn-cs"/>
-              </a:defRPr>
-            </a:lvl9pPr>
-          </a:lstStyle>
-          <a:p>
-            <a:pPr marL="171450" indent="-171450">
-              <a:buFont typeface="Arial"/>
-              <a:buChar char="•"/>
-            </a:pPr>
-            <a:r>
-              <a:rPr lang="de-CH" dirty="0" err="1" smtClean="0"/>
-              <a:t>Succesfully</a:t>
-            </a:r>
-            <a:r>
-              <a:rPr lang="de-CH" dirty="0" smtClean="0"/>
-              <a:t> </a:t>
-            </a:r>
-            <a:r>
-              <a:rPr lang="de-CH" dirty="0" err="1" smtClean="0"/>
-              <a:t>reimplemention</a:t>
-            </a:r>
-            <a:r>
-              <a:rPr lang="de-CH" dirty="0" smtClean="0"/>
-              <a:t> </a:t>
-            </a:r>
-            <a:r>
-              <a:rPr lang="de-CH" dirty="0" err="1" smtClean="0"/>
-              <a:t>of</a:t>
-            </a:r>
-            <a:r>
-              <a:rPr lang="de-CH" dirty="0" smtClean="0"/>
-              <a:t> </a:t>
-            </a:r>
-            <a:r>
-              <a:rPr lang="de-CH" dirty="0" err="1" smtClean="0"/>
-              <a:t>Voxnet</a:t>
-            </a:r>
-            <a:r>
-              <a:rPr lang="de-CH" dirty="0" smtClean="0"/>
-              <a:t> [1] in Python </a:t>
-            </a:r>
-            <a:r>
-              <a:rPr lang="de-CH" dirty="0" err="1" smtClean="0"/>
-              <a:t>with</a:t>
-            </a:r>
-            <a:r>
-              <a:rPr lang="de-CH" dirty="0" smtClean="0"/>
-              <a:t> </a:t>
-            </a:r>
-            <a:r>
-              <a:rPr lang="de-CH" dirty="0" err="1" smtClean="0"/>
-              <a:t>Deep</a:t>
-            </a:r>
-            <a:r>
-              <a:rPr lang="de-CH" dirty="0" smtClean="0"/>
-              <a:t> Learning Library </a:t>
-            </a:r>
-            <a:r>
-              <a:rPr lang="de-CH" i="1" dirty="0" err="1" smtClean="0"/>
-              <a:t>Keras</a:t>
-            </a:r>
-            <a:r>
-              <a:rPr lang="de-CH" dirty="0" smtClean="0"/>
-              <a:t> für </a:t>
-            </a:r>
-            <a:r>
-              <a:rPr lang="de-CH" i="1" dirty="0" smtClean="0"/>
-              <a:t>Theano</a:t>
-            </a:r>
-            <a:r>
-              <a:rPr lang="de-CH" dirty="0" smtClean="0"/>
-              <a:t> </a:t>
-            </a:r>
-            <a:r>
-              <a:rPr lang="de-CH" dirty="0" err="1" smtClean="0"/>
-              <a:t>and</a:t>
-            </a:r>
-            <a:r>
-              <a:rPr lang="de-CH" dirty="0" smtClean="0"/>
-              <a:t> </a:t>
-            </a:r>
-            <a:r>
-              <a:rPr lang="de-CH" i="1" dirty="0" err="1" smtClean="0"/>
-              <a:t>Tensorflow</a:t>
-            </a:r>
-            <a:endParaRPr lang="de-CH" i="1" dirty="0" smtClean="0"/>
-          </a:p>
-          <a:p>
-            <a:pPr marL="171450" indent="-171450">
-              <a:lnSpc>
-                <a:spcPct val="50000"/>
-              </a:lnSpc>
-              <a:buFont typeface="Arial"/>
-              <a:buChar char="•"/>
-            </a:pPr>
-            <a:endParaRPr lang="de-CH" dirty="0"/>
-          </a:p>
-          <a:p>
-            <a:pPr marL="171450" indent="-171450">
-              <a:buFont typeface="Arial"/>
-              <a:buChar char="•"/>
-            </a:pPr>
-            <a:r>
-              <a:rPr lang="de-CH" dirty="0" err="1" smtClean="0"/>
-              <a:t>Accuracy</a:t>
-            </a:r>
-            <a:r>
-              <a:rPr lang="de-CH" dirty="0" smtClean="0"/>
-              <a:t> </a:t>
-            </a:r>
-            <a:r>
-              <a:rPr lang="de-CH" dirty="0" err="1" smtClean="0"/>
-              <a:t>results</a:t>
-            </a:r>
-            <a:r>
-              <a:rPr lang="de-CH" dirty="0" smtClean="0"/>
-              <a:t> </a:t>
-            </a:r>
-            <a:r>
-              <a:rPr lang="de-CH" dirty="0" err="1" smtClean="0"/>
-              <a:t>coincide</a:t>
-            </a:r>
-            <a:r>
-              <a:rPr lang="de-CH" dirty="0" smtClean="0"/>
-              <a:t> </a:t>
-            </a:r>
-            <a:r>
-              <a:rPr lang="de-CH" dirty="0" err="1" smtClean="0"/>
-              <a:t>with</a:t>
-            </a:r>
-            <a:r>
-              <a:rPr lang="de-CH" dirty="0" smtClean="0"/>
-              <a:t> original </a:t>
-            </a:r>
-            <a:r>
-              <a:rPr lang="de-CH" dirty="0" err="1" smtClean="0"/>
-              <a:t>authors</a:t>
-            </a:r>
-            <a:r>
-              <a:rPr lang="de-CH" dirty="0" smtClean="0"/>
-              <a:t> </a:t>
-            </a:r>
-            <a:r>
-              <a:rPr lang="de-CH" dirty="0" err="1" smtClean="0"/>
-              <a:t>approach</a:t>
-            </a:r>
-            <a:endParaRPr lang="de-CH" dirty="0"/>
-          </a:p>
-        </p:txBody>
-      </p:sp>
-      <p:sp>
-        <p:nvSpPr>
           <p:cNvPr id="52" name="Textplatzhalter 2"/>
           <p:cNvSpPr txBox="1">
             <a:spLocks/>
@@ -50159,7 +49985,7 @@
         </p:nvSpPr>
         <p:spPr>
           <a:xfrm>
-            <a:off x="5526087" y="12923054"/>
+            <a:off x="5526087" y="12853850"/>
             <a:ext cx="4716463" cy="468052"/>
           </a:xfrm>
           <a:prstGeom prst="rect">
@@ -52613,8 +52439,8 @@
         </p:blipFill>
         <p:spPr>
           <a:xfrm>
-            <a:off x="2682404" y="11269674"/>
-            <a:ext cx="2490890" cy="3313125"/>
+            <a:off x="2682404" y="11326360"/>
+            <a:ext cx="2448272" cy="3256439"/>
           </a:xfrm>
           <a:prstGeom prst="rect">
             <a:avLst/>
@@ -52660,13 +52486,13 @@
           <p:nvPr>
             <p:extLst>
               <p:ext uri="{D42A27DB-BD31-4B8C-83A1-F6EECF244321}">
-                <p14:modId xmlns:p14="http://schemas.microsoft.com/office/powerpoint/2010/main" val="3684641675"/>
+                <p14:modId xmlns:p14="http://schemas.microsoft.com/office/powerpoint/2010/main" val="3529637921"/>
               </p:ext>
             </p:extLst>
           </p:nvPr>
         </p:nvGraphicFramePr>
         <p:xfrm>
-          <a:off x="6211428" y="9983308"/>
+          <a:off x="6246800" y="9937526"/>
           <a:ext cx="3240360" cy="1219200"/>
         </p:xfrm>
         <a:graphic>
@@ -53362,8 +53188,575 @@
         </p:blipFill>
         <p:spPr>
           <a:xfrm>
-            <a:off x="2790416" y="6769174"/>
-            <a:ext cx="2260874" cy="1304269"/>
+            <a:off x="3248756" y="6589155"/>
+            <a:ext cx="1809912" cy="1044115"/>
+          </a:xfrm>
+          <a:prstGeom prst="rect">
+            <a:avLst/>
+          </a:prstGeom>
+        </p:spPr>
+      </p:pic>
+      <p:sp>
+        <p:nvSpPr>
+          <p:cNvPr id="24" name="Textplatzhalter 3"/>
+          <p:cNvSpPr txBox="1">
+            <a:spLocks/>
+          </p:cNvSpPr>
+          <p:nvPr/>
+        </p:nvSpPr>
+        <p:spPr>
+          <a:xfrm>
+            <a:off x="5526782" y="12061762"/>
+            <a:ext cx="4716462" cy="866901"/>
+          </a:xfrm>
+          <a:prstGeom prst="rect">
+            <a:avLst/>
+          </a:prstGeom>
+          <a:solidFill>
+            <a:schemeClr val="accent2"/>
+          </a:solidFill>
+        </p:spPr>
+        <p:txBody>
+          <a:bodyPr vert="horz" lIns="324000" tIns="144000" rIns="324000" bIns="324000" rtlCol="0">
+            <a:noAutofit/>
+          </a:bodyPr>
+          <a:lstStyle>
+            <a:lvl1pPr marL="0" indent="0" algn="l" defTabSz="1475110" rtl="0" eaLnBrk="1" latinLnBrk="0" hangingPunct="1">
+              <a:lnSpc>
+                <a:spcPts val="1200"/>
+              </a:lnSpc>
+              <a:spcBef>
+                <a:spcPts val="0"/>
+              </a:spcBef>
+              <a:buFont typeface="Arial" panose="020B0604020202020204" pitchFamily="34" charset="0"/>
+              <a:buNone/>
+              <a:defRPr sz="1000" kern="1200">
+                <a:solidFill>
+                  <a:schemeClr val="accent1"/>
+                </a:solidFill>
+                <a:latin typeface="+mn-lt"/>
+                <a:ea typeface="+mn-ea"/>
+                <a:cs typeface="+mn-cs"/>
+              </a:defRPr>
+            </a:lvl1pPr>
+            <a:lvl2pPr marL="180975" indent="-180975" algn="l" defTabSz="1475110" rtl="0" eaLnBrk="1" latinLnBrk="0" hangingPunct="1">
+              <a:lnSpc>
+                <a:spcPts val="1200"/>
+              </a:lnSpc>
+              <a:spcBef>
+                <a:spcPts val="0"/>
+              </a:spcBef>
+              <a:buFont typeface="Arial" panose="020B0604020202020204" pitchFamily="34" charset="0"/>
+              <a:buChar char="–"/>
+              <a:defRPr sz="1000" kern="1200">
+                <a:solidFill>
+                  <a:schemeClr val="accent1"/>
+                </a:solidFill>
+                <a:latin typeface="+mn-lt"/>
+                <a:ea typeface="+mn-ea"/>
+                <a:cs typeface="+mn-cs"/>
+              </a:defRPr>
+            </a:lvl2pPr>
+            <a:lvl3pPr marL="357188" indent="-180975" algn="l" defTabSz="1475110" rtl="0" eaLnBrk="1" latinLnBrk="0" hangingPunct="1">
+              <a:lnSpc>
+                <a:spcPts val="1200"/>
+              </a:lnSpc>
+              <a:spcBef>
+                <a:spcPts val="0"/>
+              </a:spcBef>
+              <a:buFont typeface="Symbol" panose="05050102010706020507" pitchFamily="18" charset="2"/>
+              <a:buChar char="-"/>
+              <a:defRPr sz="1000" kern="1200">
+                <a:solidFill>
+                  <a:schemeClr val="accent1"/>
+                </a:solidFill>
+                <a:latin typeface="+mn-lt"/>
+                <a:ea typeface="+mn-ea"/>
+                <a:cs typeface="+mn-cs"/>
+              </a:defRPr>
+            </a:lvl3pPr>
+            <a:lvl4pPr marL="541338" indent="-182563" algn="l" defTabSz="1475110" rtl="0" eaLnBrk="1" latinLnBrk="0" hangingPunct="1">
+              <a:lnSpc>
+                <a:spcPts val="1200"/>
+              </a:lnSpc>
+              <a:spcBef>
+                <a:spcPts val="0"/>
+              </a:spcBef>
+              <a:buFont typeface="Arial" panose="020B0604020202020204" pitchFamily="34" charset="0"/>
+              <a:buChar char="–"/>
+              <a:defRPr sz="1000" kern="1200">
+                <a:solidFill>
+                  <a:schemeClr val="accent1"/>
+                </a:solidFill>
+                <a:latin typeface="+mn-lt"/>
+                <a:ea typeface="+mn-ea"/>
+                <a:cs typeface="+mn-cs"/>
+              </a:defRPr>
+            </a:lvl4pPr>
+            <a:lvl5pPr marL="714375" indent="-180975" algn="l" defTabSz="1475110" rtl="0" eaLnBrk="1" latinLnBrk="0" hangingPunct="1">
+              <a:lnSpc>
+                <a:spcPts val="1200"/>
+              </a:lnSpc>
+              <a:spcBef>
+                <a:spcPts val="0"/>
+              </a:spcBef>
+              <a:buFont typeface="Symbol" panose="05050102010706020507" pitchFamily="18" charset="2"/>
+              <a:buChar char="-"/>
+              <a:tabLst/>
+              <a:defRPr sz="1000" kern="1200">
+                <a:solidFill>
+                  <a:schemeClr val="accent1"/>
+                </a:solidFill>
+                <a:latin typeface="+mn-lt"/>
+                <a:ea typeface="+mn-ea"/>
+                <a:cs typeface="+mn-cs"/>
+              </a:defRPr>
+            </a:lvl5pPr>
+            <a:lvl6pPr marL="4056553" indent="-368778" algn="l" defTabSz="1475110" rtl="0" eaLnBrk="1" latinLnBrk="0" hangingPunct="1">
+              <a:spcBef>
+                <a:spcPct val="20000"/>
+              </a:spcBef>
+              <a:buFont typeface="Arial" panose="020B0604020202020204" pitchFamily="34" charset="0"/>
+              <a:buChar char="•"/>
+              <a:defRPr sz="3200" kern="1200">
+                <a:solidFill>
+                  <a:schemeClr val="tx1"/>
+                </a:solidFill>
+                <a:latin typeface="+mn-lt"/>
+                <a:ea typeface="+mn-ea"/>
+                <a:cs typeface="+mn-cs"/>
+              </a:defRPr>
+            </a:lvl6pPr>
+            <a:lvl7pPr marL="4794108" indent="-368778" algn="l" defTabSz="1475110" rtl="0" eaLnBrk="1" latinLnBrk="0" hangingPunct="1">
+              <a:spcBef>
+                <a:spcPct val="20000"/>
+              </a:spcBef>
+              <a:buFont typeface="Arial" panose="020B0604020202020204" pitchFamily="34" charset="0"/>
+              <a:buChar char="•"/>
+              <a:defRPr sz="3200" kern="1200">
+                <a:solidFill>
+                  <a:schemeClr val="tx1"/>
+                </a:solidFill>
+                <a:latin typeface="+mn-lt"/>
+                <a:ea typeface="+mn-ea"/>
+                <a:cs typeface="+mn-cs"/>
+              </a:defRPr>
+            </a:lvl7pPr>
+            <a:lvl8pPr marL="5531663" indent="-368778" algn="l" defTabSz="1475110" rtl="0" eaLnBrk="1" latinLnBrk="0" hangingPunct="1">
+              <a:spcBef>
+                <a:spcPct val="20000"/>
+              </a:spcBef>
+              <a:buFont typeface="Arial" panose="020B0604020202020204" pitchFamily="34" charset="0"/>
+              <a:buChar char="•"/>
+              <a:defRPr sz="3200" kern="1200">
+                <a:solidFill>
+                  <a:schemeClr val="tx1"/>
+                </a:solidFill>
+                <a:latin typeface="+mn-lt"/>
+                <a:ea typeface="+mn-ea"/>
+                <a:cs typeface="+mn-cs"/>
+              </a:defRPr>
+            </a:lvl8pPr>
+            <a:lvl9pPr marL="6269218" indent="-368778" algn="l" defTabSz="1475110" rtl="0" eaLnBrk="1" latinLnBrk="0" hangingPunct="1">
+              <a:spcBef>
+                <a:spcPct val="20000"/>
+              </a:spcBef>
+              <a:buFont typeface="Arial" panose="020B0604020202020204" pitchFamily="34" charset="0"/>
+              <a:buChar char="•"/>
+              <a:defRPr sz="3200" kern="1200">
+                <a:solidFill>
+                  <a:schemeClr val="tx1"/>
+                </a:solidFill>
+                <a:latin typeface="+mn-lt"/>
+                <a:ea typeface="+mn-ea"/>
+                <a:cs typeface="+mn-cs"/>
+              </a:defRPr>
+            </a:lvl9pPr>
+          </a:lstStyle>
+          <a:p>
+            <a:pPr marL="171450" indent="-171450">
+              <a:buFont typeface="Arial"/>
+              <a:buChar char="•"/>
+            </a:pPr>
+            <a:r>
+              <a:rPr lang="de-CH" dirty="0" err="1"/>
+              <a:t>Succesfully</a:t>
+            </a:r>
+            <a:r>
+              <a:rPr lang="de-CH" dirty="0"/>
+              <a:t> </a:t>
+            </a:r>
+            <a:r>
+              <a:rPr lang="de-CH" dirty="0" err="1"/>
+              <a:t>reimplemention</a:t>
+            </a:r>
+            <a:r>
+              <a:rPr lang="de-CH" dirty="0"/>
+              <a:t> </a:t>
+            </a:r>
+            <a:r>
+              <a:rPr lang="de-CH" dirty="0" err="1"/>
+              <a:t>of</a:t>
+            </a:r>
+            <a:r>
+              <a:rPr lang="de-CH" dirty="0"/>
+              <a:t> </a:t>
+            </a:r>
+            <a:r>
+              <a:rPr lang="de-CH" dirty="0" err="1"/>
+              <a:t>Voxnet</a:t>
+            </a:r>
+            <a:r>
+              <a:rPr lang="de-CH" dirty="0"/>
+              <a:t> [1] in Python </a:t>
+            </a:r>
+            <a:r>
+              <a:rPr lang="de-CH" dirty="0" err="1"/>
+              <a:t>with</a:t>
+            </a:r>
+            <a:r>
+              <a:rPr lang="de-CH" dirty="0"/>
+              <a:t> </a:t>
+            </a:r>
+            <a:r>
+              <a:rPr lang="de-CH" dirty="0" err="1"/>
+              <a:t>Deep</a:t>
+            </a:r>
+            <a:r>
+              <a:rPr lang="de-CH" dirty="0"/>
+              <a:t> Learning Library </a:t>
+            </a:r>
+            <a:r>
+              <a:rPr lang="de-CH" dirty="0" err="1"/>
+              <a:t>Keras</a:t>
+            </a:r>
+            <a:r>
+              <a:rPr lang="de-CH" dirty="0"/>
+              <a:t> </a:t>
+            </a:r>
+            <a:r>
+              <a:rPr lang="de-CH" dirty="0" err="1" smtClean="0"/>
+              <a:t>for</a:t>
+            </a:r>
+            <a:r>
+              <a:rPr lang="de-CH" dirty="0" smtClean="0"/>
+              <a:t> </a:t>
+            </a:r>
+            <a:r>
+              <a:rPr lang="de-CH" dirty="0"/>
+              <a:t>Theano </a:t>
+            </a:r>
+            <a:r>
+              <a:rPr lang="de-CH" dirty="0" err="1"/>
+              <a:t>and</a:t>
+            </a:r>
+            <a:r>
+              <a:rPr lang="de-CH" dirty="0"/>
+              <a:t> </a:t>
+            </a:r>
+            <a:r>
+              <a:rPr lang="de-CH" dirty="0" err="1"/>
+              <a:t>Tensorflow</a:t>
+            </a:r>
+            <a:endParaRPr lang="de-CH" dirty="0"/>
+          </a:p>
+          <a:p>
+            <a:pPr marL="171450" indent="-171450">
+              <a:lnSpc>
+                <a:spcPct val="50000"/>
+              </a:lnSpc>
+              <a:buFont typeface="Arial"/>
+              <a:buChar char="•"/>
+            </a:pPr>
+            <a:endParaRPr lang="de-CH" dirty="0"/>
+          </a:p>
+          <a:p>
+            <a:pPr marL="171450" indent="-171450">
+              <a:buFont typeface="Arial"/>
+              <a:buChar char="•"/>
+            </a:pPr>
+            <a:r>
+              <a:rPr lang="de-CH" dirty="0" err="1"/>
+              <a:t>Accuracy</a:t>
+            </a:r>
+            <a:r>
+              <a:rPr lang="de-CH" dirty="0"/>
+              <a:t> </a:t>
+            </a:r>
+            <a:r>
+              <a:rPr lang="de-CH" dirty="0" err="1"/>
+              <a:t>results</a:t>
+            </a:r>
+            <a:r>
+              <a:rPr lang="de-CH" dirty="0"/>
+              <a:t> </a:t>
+            </a:r>
+            <a:r>
+              <a:rPr lang="de-CH" dirty="0" err="1"/>
+              <a:t>coincide</a:t>
+            </a:r>
+            <a:r>
+              <a:rPr lang="de-CH" dirty="0"/>
+              <a:t> </a:t>
+            </a:r>
+            <a:r>
+              <a:rPr lang="de-CH" dirty="0" err="1"/>
+              <a:t>with</a:t>
+            </a:r>
+            <a:r>
+              <a:rPr lang="de-CH" dirty="0"/>
+              <a:t> original </a:t>
+            </a:r>
+            <a:r>
+              <a:rPr lang="de-CH" dirty="0" err="1"/>
+              <a:t>authors</a:t>
+            </a:r>
+            <a:r>
+              <a:rPr lang="de-CH" dirty="0"/>
+              <a:t> </a:t>
+            </a:r>
+            <a:r>
+              <a:rPr lang="de-CH" dirty="0" err="1"/>
+              <a:t>approach</a:t>
+            </a:r>
+            <a:endParaRPr lang="de-CH" dirty="0"/>
+          </a:p>
+        </p:txBody>
+      </p:sp>
+      <p:pic>
+        <p:nvPicPr>
+          <p:cNvPr id="3" name="Bild 2" descr="Screen Shot 2016-05-24 at 18.10.55.png"/>
+          <p:cNvPicPr>
+            <a:picLocks noChangeAspect="1"/>
+          </p:cNvPicPr>
+          <p:nvPr/>
+        </p:nvPicPr>
+        <p:blipFill>
+          <a:blip r:embed="rId7">
+            <a:extLst>
+              <a:ext uri="{28A0092B-C50C-407E-A947-70E740481C1C}">
+                <a14:useLocalDpi xmlns:a14="http://schemas.microsoft.com/office/drawing/2010/main" val="0"/>
+              </a:ext>
+            </a:extLst>
+          </a:blip>
+          <a:stretch>
+            <a:fillRect/>
+          </a:stretch>
+        </p:blipFill>
+        <p:spPr>
+          <a:xfrm>
+            <a:off x="1242244" y="8029314"/>
+            <a:ext cx="3276364" cy="468052"/>
+          </a:xfrm>
+          <a:prstGeom prst="rect">
+            <a:avLst/>
+          </a:prstGeom>
+        </p:spPr>
+      </p:pic>
+      <p:pic>
+        <p:nvPicPr>
+          <p:cNvPr id="7" name="Bild 6" descr="Screen Shot 2016-05-24 at 18.17.44.png"/>
+          <p:cNvPicPr>
+            <a:picLocks noChangeAspect="1"/>
+          </p:cNvPicPr>
+          <p:nvPr/>
+        </p:nvPicPr>
+        <p:blipFill>
+          <a:blip r:embed="rId8">
+            <a:extLst>
+              <a:ext uri="{28A0092B-C50C-407E-A947-70E740481C1C}">
+                <a14:useLocalDpi xmlns:a14="http://schemas.microsoft.com/office/drawing/2010/main" val="0"/>
+              </a:ext>
+            </a:extLst>
+          </a:blip>
+          <a:stretch>
+            <a:fillRect/>
+          </a:stretch>
+        </p:blipFill>
+        <p:spPr>
+          <a:xfrm>
+            <a:off x="1962324" y="8556353"/>
+            <a:ext cx="2050988" cy="229045"/>
+          </a:xfrm>
+          <a:prstGeom prst="rect">
+            <a:avLst/>
+          </a:prstGeom>
+        </p:spPr>
+      </p:pic>
+      <p:pic>
+        <p:nvPicPr>
+          <p:cNvPr id="10" name="Bild 9" descr="Screen Shot 2016-05-24 at 18.24.13.png"/>
+          <p:cNvPicPr>
+            <a:picLocks noChangeAspect="1"/>
+          </p:cNvPicPr>
+          <p:nvPr/>
+        </p:nvPicPr>
+        <p:blipFill>
+          <a:blip r:embed="rId9">
+            <a:extLst>
+              <a:ext uri="{28A0092B-C50C-407E-A947-70E740481C1C}">
+                <a14:useLocalDpi xmlns:a14="http://schemas.microsoft.com/office/drawing/2010/main" val="0"/>
+              </a:ext>
+            </a:extLst>
+          </a:blip>
+          <a:stretch>
+            <a:fillRect/>
+          </a:stretch>
+        </p:blipFill>
+        <p:spPr>
+          <a:xfrm>
+            <a:off x="2356537" y="8461362"/>
+            <a:ext cx="109843" cy="144016"/>
+          </a:xfrm>
+          <a:prstGeom prst="rect">
+            <a:avLst/>
+          </a:prstGeom>
+        </p:spPr>
+      </p:pic>
+      <p:pic>
+        <p:nvPicPr>
+          <p:cNvPr id="29" name="Bild 28" descr="Screen Shot 2016-05-24 at 18.24.13.png"/>
+          <p:cNvPicPr>
+            <a:picLocks noChangeAspect="1"/>
+          </p:cNvPicPr>
+          <p:nvPr/>
+        </p:nvPicPr>
+        <p:blipFill>
+          <a:blip r:embed="rId9">
+            <a:extLst>
+              <a:ext uri="{28A0092B-C50C-407E-A947-70E740481C1C}">
+                <a14:useLocalDpi xmlns:a14="http://schemas.microsoft.com/office/drawing/2010/main" val="0"/>
+              </a:ext>
+            </a:extLst>
+          </a:blip>
+          <a:stretch>
+            <a:fillRect/>
+          </a:stretch>
+        </p:blipFill>
+        <p:spPr>
+          <a:xfrm>
+            <a:off x="3436657" y="8461362"/>
+            <a:ext cx="109843" cy="144016"/>
+          </a:xfrm>
+          <a:prstGeom prst="rect">
+            <a:avLst/>
+          </a:prstGeom>
+        </p:spPr>
+      </p:pic>
+      <p:grpSp>
+        <p:nvGrpSpPr>
+          <p:cNvPr id="17" name="Gruppierung 16"/>
+          <p:cNvGrpSpPr/>
+          <p:nvPr/>
+        </p:nvGrpSpPr>
+        <p:grpSpPr>
+          <a:xfrm>
+            <a:off x="688144" y="9611875"/>
+            <a:ext cx="1994260" cy="1225751"/>
+            <a:chOff x="3546500" y="8702515"/>
+            <a:chExt cx="6854800" cy="4394103"/>
+          </a:xfrm>
+        </p:grpSpPr>
+        <p:pic>
+          <p:nvPicPr>
+            <p:cNvPr id="15" name="Bild 14" descr="Screen Shot 2016-05-24 at 18.59.26.png"/>
+            <p:cNvPicPr>
+              <a:picLocks noChangeAspect="1"/>
+            </p:cNvPicPr>
+            <p:nvPr/>
+          </p:nvPicPr>
+          <p:blipFill>
+            <a:blip r:embed="rId10">
+              <a:extLst>
+                <a:ext uri="{28A0092B-C50C-407E-A947-70E740481C1C}">
+                  <a14:useLocalDpi xmlns:a14="http://schemas.microsoft.com/office/drawing/2010/main" val="0"/>
+                </a:ext>
+              </a:extLst>
+            </a:blip>
+            <a:stretch>
+              <a:fillRect/>
+            </a:stretch>
+          </p:blipFill>
+          <p:spPr>
+            <a:xfrm>
+              <a:off x="3546500" y="8702515"/>
+              <a:ext cx="6854800" cy="4394103"/>
+            </a:xfrm>
+            <a:prstGeom prst="rect">
+              <a:avLst/>
+            </a:prstGeom>
+          </p:spPr>
+        </p:pic>
+        <p:sp>
+          <p:nvSpPr>
+            <p:cNvPr id="16" name="Rechteck 15"/>
+            <p:cNvSpPr/>
+            <p:nvPr/>
+          </p:nvSpPr>
+          <p:spPr>
+            <a:xfrm>
+              <a:off x="3546500" y="8749394"/>
+              <a:ext cx="756084" cy="540060"/>
+            </a:xfrm>
+            <a:prstGeom prst="rect">
+              <a:avLst/>
+            </a:prstGeom>
+            <a:solidFill>
+              <a:schemeClr val="tx1"/>
+            </a:solidFill>
+            <a:ln>
+              <a:noFill/>
+            </a:ln>
+            <a:effectLst/>
+          </p:spPr>
+          <p:style>
+            <a:lnRef idx="1">
+              <a:schemeClr val="accent1"/>
+            </a:lnRef>
+            <a:fillRef idx="3">
+              <a:schemeClr val="accent1"/>
+            </a:fillRef>
+            <a:effectRef idx="2">
+              <a:schemeClr val="accent1"/>
+            </a:effectRef>
+            <a:fontRef idx="minor">
+              <a:schemeClr val="lt1"/>
+            </a:fontRef>
+          </p:style>
+          <p:txBody>
+            <a:bodyPr rtlCol="0" anchor="ctr"/>
+            <a:lstStyle/>
+            <a:p>
+              <a:pPr algn="ctr"/>
+              <a:endParaRPr lang="de-DE"/>
+            </a:p>
+          </p:txBody>
+        </p:sp>
+      </p:grpSp>
+      <p:pic>
+        <p:nvPicPr>
+          <p:cNvPr id="21" name="Bild 20" descr="Screen Shot 2016-05-24 at 19.05.44.png"/>
+          <p:cNvPicPr>
+            <a:picLocks noChangeAspect="1"/>
+          </p:cNvPicPr>
+          <p:nvPr/>
+        </p:nvPicPr>
+        <p:blipFill>
+          <a:blip r:embed="rId11">
+            <a:extLst>
+              <a:ext uri="{28A0092B-C50C-407E-A947-70E740481C1C}">
+                <a14:useLocalDpi xmlns:a14="http://schemas.microsoft.com/office/drawing/2010/main" val="0"/>
+              </a:ext>
+            </a:extLst>
+          </a:blip>
+          <a:stretch>
+            <a:fillRect/>
+          </a:stretch>
+        </p:blipFill>
+        <p:spPr>
+          <a:xfrm>
+            <a:off x="3053050" y="9469474"/>
+            <a:ext cx="1861602" cy="1475520"/>
           </a:xfrm>
           <a:prstGeom prst="rect">
             <a:avLst/>

--- a/poster/poster.pptx
+++ b/poster/poster.pptx
@@ -117,6 +117,72 @@
       </a:defRPr>
     </a:lvl9pPr>
   </p:defaultTextStyle>
+  <p:extLst>
+    <p:ext uri="{EFAFB233-063F-42B5-8137-9DF3F51BA10A}">
+      <p15:sldGuideLst xmlns:p15="http://schemas.microsoft.com/office/powerpoint/2012/main">
+        <p15:guide id="1" orient="horz" pos="771">
+          <p15:clr>
+            <a:srgbClr val="A4A3A4"/>
+          </p15:clr>
+        </p15:guide>
+        <p15:guide id="2" orient="horz" pos="2767">
+          <p15:clr>
+            <a:srgbClr val="A4A3A4"/>
+          </p15:clr>
+        </p15:guide>
+        <p15:guide id="3" orient="horz" pos="8891">
+          <p15:clr>
+            <a:srgbClr val="A4A3A4"/>
+          </p15:clr>
+        </p15:guide>
+        <p15:guide id="4" orient="horz" pos="2881">
+          <p15:clr>
+            <a:srgbClr val="A4A3A4"/>
+          </p15:clr>
+        </p15:guide>
+        <p15:guide id="5" pos="3255">
+          <p15:clr>
+            <a:srgbClr val="A4A3A4"/>
+          </p15:clr>
+        </p15:guide>
+        <p15:guide id="6" pos="6452">
+          <p15:clr>
+            <a:srgbClr val="A4A3A4"/>
+          </p15:clr>
+        </p15:guide>
+        <p15:guide id="7" pos="3481">
+          <p15:clr>
+            <a:srgbClr val="A4A3A4"/>
+          </p15:clr>
+        </p15:guide>
+        <p15:guide id="8" pos="284">
+          <p15:clr>
+            <a:srgbClr val="A4A3A4"/>
+          </p15:clr>
+        </p15:guide>
+        <p15:guide id="9" pos="2189">
+          <p15:clr>
+            <a:srgbClr val="A4A3A4"/>
+          </p15:clr>
+        </p15:guide>
+        <p15:guide id="10" pos="2415">
+          <p15:clr>
+            <a:srgbClr val="A4A3A4"/>
+          </p15:clr>
+        </p15:guide>
+        <p15:guide id="11" pos="4321">
+          <p15:clr>
+            <a:srgbClr val="A4A3A4"/>
+          </p15:clr>
+        </p15:guide>
+        <p15:guide id="12" pos="4547">
+          <p15:clr>
+            <a:srgbClr val="A4A3A4"/>
+          </p15:clr>
+        </p15:guide>
+      </p15:sldGuideLst>
+    </p:ext>
+  </p:extLst>
 </p:presentation>
 </file>
 
@@ -503,7 +569,7 @@
   <p:timing>
     <p:tnLst>
       <p:par>
-        <p:cTn xmlns:p14="http://schemas.microsoft.com/office/powerpoint/2010/main" id="1" dur="indefinite" restart="never" nodeType="tmRoot"/>
+        <p:cTn id="1" dur="indefinite" restart="never" nodeType="tmRoot"/>
       </p:par>
     </p:tnLst>
   </p:timing>
@@ -2523,7 +2589,7 @@
   <p:timing>
     <p:tnLst>
       <p:par>
-        <p:cTn xmlns:p14="http://schemas.microsoft.com/office/powerpoint/2010/main" id="1" dur="indefinite" restart="never" nodeType="tmRoot"/>
+        <p:cTn id="1" dur="indefinite" restart="never" nodeType="tmRoot"/>
       </p:par>
     </p:tnLst>
   </p:timing>
@@ -3201,7 +3267,7 @@
   <p:timing>
     <p:tnLst>
       <p:par>
-        <p:cTn xmlns:p14="http://schemas.microsoft.com/office/powerpoint/2010/main" id="1" dur="indefinite" restart="never" nodeType="tmRoot"/>
+        <p:cTn id="1" dur="indefinite" restart="never" nodeType="tmRoot"/>
       </p:par>
     </p:tnLst>
   </p:timing>
@@ -3879,7 +3945,7 @@
   <p:timing>
     <p:tnLst>
       <p:par>
-        <p:cTn xmlns:p14="http://schemas.microsoft.com/office/powerpoint/2010/main" id="1" dur="indefinite" restart="never" nodeType="tmRoot"/>
+        <p:cTn id="1" dur="indefinite" restart="never" nodeType="tmRoot"/>
       </p:par>
     </p:tnLst>
   </p:timing>
@@ -4595,7 +4661,7 @@
   <p:timing>
     <p:tnLst>
       <p:par>
-        <p:cTn xmlns:p14="http://schemas.microsoft.com/office/powerpoint/2010/main" id="1" dur="indefinite" restart="never" nodeType="tmRoot"/>
+        <p:cTn id="1" dur="indefinite" restart="never" nodeType="tmRoot"/>
       </p:par>
     </p:tnLst>
   </p:timing>
@@ -7957,7 +8023,7 @@
   <p:timing>
     <p:tnLst>
       <p:par>
-        <p:cTn xmlns:p14="http://schemas.microsoft.com/office/powerpoint/2010/main" id="1" dur="indefinite" restart="never" nodeType="tmRoot"/>
+        <p:cTn id="1" dur="indefinite" restart="never" nodeType="tmRoot"/>
       </p:par>
     </p:tnLst>
   </p:timing>
@@ -11820,7 +11886,7 @@
   <p:timing>
     <p:tnLst>
       <p:par>
-        <p:cTn xmlns:p14="http://schemas.microsoft.com/office/powerpoint/2010/main" id="1" dur="indefinite" restart="never" nodeType="tmRoot"/>
+        <p:cTn id="1" dur="indefinite" restart="never" nodeType="tmRoot"/>
       </p:par>
     </p:tnLst>
   </p:timing>
@@ -14610,7 +14676,7 @@
   <p:timing>
     <p:tnLst>
       <p:par>
-        <p:cTn xmlns:p14="http://schemas.microsoft.com/office/powerpoint/2010/main" id="1" dur="indefinite" restart="never" nodeType="tmRoot"/>
+        <p:cTn id="1" dur="indefinite" restart="never" nodeType="tmRoot"/>
       </p:par>
     </p:tnLst>
   </p:timing>
@@ -17400,7 +17466,7 @@
   <p:timing>
     <p:tnLst>
       <p:par>
-        <p:cTn xmlns:p14="http://schemas.microsoft.com/office/powerpoint/2010/main" id="1" dur="indefinite" restart="never" nodeType="tmRoot"/>
+        <p:cTn id="1" dur="indefinite" restart="never" nodeType="tmRoot"/>
       </p:par>
     </p:tnLst>
   </p:timing>
@@ -20190,7 +20256,7 @@
   <p:timing>
     <p:tnLst>
       <p:par>
-        <p:cTn xmlns:p14="http://schemas.microsoft.com/office/powerpoint/2010/main" id="1" dur="indefinite" restart="never" nodeType="tmRoot"/>
+        <p:cTn id="1" dur="indefinite" restart="never" nodeType="tmRoot"/>
       </p:par>
     </p:tnLst>
   </p:timing>
@@ -22980,7 +23046,7 @@
   <p:timing>
     <p:tnLst>
       <p:par>
-        <p:cTn xmlns:p14="http://schemas.microsoft.com/office/powerpoint/2010/main" id="1" dur="indefinite" restart="never" nodeType="tmRoot"/>
+        <p:cTn id="1" dur="indefinite" restart="never" nodeType="tmRoot"/>
       </p:par>
     </p:tnLst>
   </p:timing>
@@ -25770,7 +25836,7 @@
   <p:timing>
     <p:tnLst>
       <p:par>
-        <p:cTn xmlns:p14="http://schemas.microsoft.com/office/powerpoint/2010/main" id="1" dur="indefinite" restart="never" nodeType="tmRoot"/>
+        <p:cTn id="1" dur="indefinite" restart="never" nodeType="tmRoot"/>
       </p:par>
     </p:tnLst>
   </p:timing>
@@ -28560,7 +28626,7 @@
   <p:timing>
     <p:tnLst>
       <p:par>
-        <p:cTn xmlns:p14="http://schemas.microsoft.com/office/powerpoint/2010/main" id="1" dur="indefinite" restart="never" nodeType="tmRoot"/>
+        <p:cTn id="1" dur="indefinite" restart="never" nodeType="tmRoot"/>
       </p:par>
     </p:tnLst>
   </p:timing>
@@ -31350,7 +31416,7 @@
   <p:timing>
     <p:tnLst>
       <p:par>
-        <p:cTn xmlns:p14="http://schemas.microsoft.com/office/powerpoint/2010/main" id="1" dur="indefinite" restart="never" nodeType="tmRoot"/>
+        <p:cTn id="1" dur="indefinite" restart="never" nodeType="tmRoot"/>
       </p:par>
     </p:tnLst>
   </p:timing>
@@ -34140,7 +34206,7 @@
   <p:timing>
     <p:tnLst>
       <p:par>
-        <p:cTn xmlns:p14="http://schemas.microsoft.com/office/powerpoint/2010/main" id="1" dur="indefinite" restart="never" nodeType="tmRoot"/>
+        <p:cTn id="1" dur="indefinite" restart="never" nodeType="tmRoot"/>
       </p:par>
     </p:tnLst>
   </p:timing>
@@ -36930,7 +36996,7 @@
   <p:timing>
     <p:tnLst>
       <p:par>
-        <p:cTn xmlns:p14="http://schemas.microsoft.com/office/powerpoint/2010/main" id="1" dur="indefinite" restart="never" nodeType="tmRoot"/>
+        <p:cTn id="1" dur="indefinite" restart="never" nodeType="tmRoot"/>
       </p:par>
     </p:tnLst>
   </p:timing>
@@ -39720,7 +39786,7 @@
   <p:timing>
     <p:tnLst>
       <p:par>
-        <p:cTn xmlns:p14="http://schemas.microsoft.com/office/powerpoint/2010/main" id="1" dur="indefinite" restart="never" nodeType="tmRoot"/>
+        <p:cTn id="1" dur="indefinite" restart="never" nodeType="tmRoot"/>
       </p:par>
     </p:tnLst>
   </p:timing>
@@ -42510,7 +42576,7 @@
   <p:timing>
     <p:tnLst>
       <p:par>
-        <p:cTn xmlns:p14="http://schemas.microsoft.com/office/powerpoint/2010/main" id="1" dur="indefinite" restart="never" nodeType="tmRoot"/>
+        <p:cTn id="1" dur="indefinite" restart="never" nodeType="tmRoot"/>
       </p:par>
     </p:tnLst>
   </p:timing>
@@ -45300,7 +45366,7 @@
   <p:timing>
     <p:tnLst>
       <p:par>
-        <p:cTn xmlns:p14="http://schemas.microsoft.com/office/powerpoint/2010/main" id="1" dur="indefinite" restart="never" nodeType="tmRoot"/>
+        <p:cTn id="1" dur="indefinite" restart="never" nodeType="tmRoot"/>
       </p:par>
     </p:tnLst>
   </p:timing>
@@ -48090,7 +48156,7 @@
   <p:timing>
     <p:tnLst>
       <p:par>
-        <p:cTn xmlns:p14="http://schemas.microsoft.com/office/powerpoint/2010/main" id="1" dur="indefinite" restart="never" nodeType="tmRoot"/>
+        <p:cTn id="1" dur="indefinite" restart="never" nodeType="tmRoot"/>
       </p:par>
     </p:tnLst>
   </p:timing>
@@ -48562,12 +48628,12 @@
           </a:lstStyle>
           <a:p>
             <a:r>
-              <a:rPr lang="en-GB" b="1" dirty="0" smtClean="0"/>
+              <a:rPr lang="en-GB" sz="1200" b="1" dirty="0" smtClean="0"/>
               <a:t>Input Data / Preparation</a:t>
             </a:r>
           </a:p>
           <a:p>
-            <a:endParaRPr lang="en-GB" dirty="0" smtClean="0"/>
+            <a:endParaRPr lang="en-GB" sz="1100" dirty="0" smtClean="0"/>
           </a:p>
           <a:p>
             <a:pPr marL="171450" indent="-171450">
@@ -48575,23 +48641,34 @@
               <a:buChar char="•"/>
             </a:pPr>
             <a:r>
-              <a:rPr lang="en-GB" dirty="0" smtClean="0"/>
-              <a:t>Data: ModelNet10/40 - CAD Models of </a:t>
+              <a:rPr lang="en-GB" sz="1100" dirty="0"/>
+              <a:t>ModelNet10/40 </a:t>
+            </a:r>
+            <a:r>
+              <a:rPr lang="en-GB" sz="1100" dirty="0" smtClean="0"/>
+              <a:t>dataset </a:t>
+            </a:r>
+            <a:r>
+              <a:rPr lang="en-GB" sz="1100" dirty="0" smtClean="0"/>
+              <a:t>- 3D CAD models </a:t>
+            </a:r>
+            <a:br>
+              <a:rPr lang="en-GB" sz="1100" dirty="0" smtClean="0"/>
+            </a:br>
+            <a:r>
+              <a:rPr lang="en-GB" sz="1100" dirty="0" smtClean="0"/>
+              <a:t>of 10/40 common object categories with </a:t>
+            </a:r>
+            <a:br>
+              <a:rPr lang="en-GB" sz="1100" dirty="0" smtClean="0"/>
+            </a:br>
+            <a:r>
+              <a:rPr lang="en-GB" sz="1100" dirty="0" smtClean="0"/>
+              <a:t>100 unique models each (.mat files)</a:t>
             </a:r>
           </a:p>
           <a:p>
-            <a:r>
-              <a:rPr lang="en-GB" dirty="0" smtClean="0"/>
-              <a:t>     10/40 Object categories (.mat files)</a:t>
-            </a:r>
-          </a:p>
-          <a:p>
-            <a:pPr>
-              <a:lnSpc>
-                <a:spcPct val="50000"/>
-              </a:lnSpc>
-            </a:pPr>
-            <a:endParaRPr lang="en-GB" dirty="0" smtClean="0"/>
+            <a:endParaRPr lang="en-GB" sz="1100" dirty="0" smtClean="0"/>
           </a:p>
           <a:p>
             <a:pPr marL="171450" indent="-171450">
@@ -48599,31 +48676,58 @@
               <a:buChar char="•"/>
             </a:pPr>
             <a:r>
-              <a:rPr lang="en-GB" dirty="0" smtClean="0"/>
-              <a:t>Given: For every object, a 30 x 30 Voxel Grid and 2.5D view point data every 30°</a:t>
-            </a:r>
-          </a:p>
-          <a:p>
-            <a:pPr>
-              <a:lnSpc>
-                <a:spcPct val="50000"/>
-              </a:lnSpc>
-            </a:pPr>
-            <a:endParaRPr lang="en-GB" dirty="0" smtClean="0"/>
+              <a:rPr lang="en-GB" sz="1100" dirty="0" smtClean="0"/>
+              <a:t>A 3D shape is represented as 32 x 32 x 32 voxel grid (Fig. 2). </a:t>
+            </a:r>
           </a:p>
           <a:p>
             <a:pPr marL="171450" indent="-171450">
               <a:buFont typeface="Arial"/>
               <a:buChar char="•"/>
             </a:pPr>
-            <a:r>
-              <a:rPr lang="en-GB" i="1" dirty="0" smtClean="0"/>
-              <a:t>Contributed</a:t>
-            </a:r>
-            <a:r>
-              <a:rPr lang="en-GB" dirty="0" smtClean="0"/>
-              <a:t>: Created train &amp; test set from given .mat files – save as highly compressed hdf5 binary data format</a:t>
-            </a:r>
+            <a:endParaRPr lang="en-GB" sz="1100" dirty="0" smtClean="0"/>
+          </a:p>
+          <a:p>
+            <a:pPr marL="171450" indent="-171450">
+              <a:buFont typeface="Arial"/>
+              <a:buChar char="•"/>
+            </a:pPr>
+            <a:r>
+              <a:rPr lang="en-GB" sz="1100" i="1" dirty="0" smtClean="0"/>
+              <a:t>Contribution</a:t>
+            </a:r>
+            <a:r>
+              <a:rPr lang="en-GB" sz="1100" dirty="0" smtClean="0"/>
+              <a:t>: Converted multiple .</a:t>
+            </a:r>
+            <a:r>
+              <a:rPr lang="en-GB" sz="1100" dirty="0" smtClean="0"/>
+              <a:t>mat </a:t>
+            </a:r>
+            <a:r>
+              <a:rPr lang="en-GB" sz="1100" dirty="0"/>
+              <a:t>files </a:t>
+            </a:r>
+            <a:r>
+              <a:rPr lang="en-GB" sz="1100" dirty="0" smtClean="0"/>
+              <a:t>to a single </a:t>
+            </a:r>
+            <a:r>
+              <a:rPr lang="en-GB" sz="1100" dirty="0"/>
+              <a:t>highly compressed hdf5 </a:t>
+            </a:r>
+            <a:r>
+              <a:rPr lang="en-GB" sz="1100" dirty="0" smtClean="0"/>
+              <a:t>file for </a:t>
+            </a:r>
+            <a:r>
+              <a:rPr lang="en-GB" sz="1100" smtClean="0"/>
+              <a:t>easy usage</a:t>
+            </a:r>
+            <a:endParaRPr lang="en-GB" sz="1100" dirty="0" smtClean="0"/>
+          </a:p>
+          <a:p>
+            <a:endParaRPr lang="en-GB" dirty="0" smtClean="0"/>
           </a:p>
           <a:p>
             <a:endParaRPr lang="en-GB" dirty="0"/>
@@ -48631,11 +48735,7 @@
           <a:p>
             <a:r>
               <a:rPr lang="en-GB" b="1" dirty="0" smtClean="0"/>
-              <a:t>Deep Convolutional </a:t>
-            </a:r>
-            <a:r>
-              <a:rPr lang="en-GB" b="1" dirty="0" smtClean="0"/>
-              <a:t>Neural Networks </a:t>
+              <a:t>Deep Convolutional Neural Networks </a:t>
             </a:r>
           </a:p>
           <a:p>
@@ -48651,7 +48751,6 @@
               <a:rPr lang="en-GB" dirty="0" smtClean="0"/>
               <a:t>General: </a:t>
             </a:r>
-            <a:endParaRPr lang="en-GB" dirty="0" smtClean="0"/>
           </a:p>
           <a:p>
             <a:pPr>
@@ -48683,19 +48782,7 @@
             </a:r>
             <a:r>
               <a:rPr lang="en-GB" dirty="0" smtClean="0"/>
-              <a:t>   </a:t>
-            </a:r>
-            <a:r>
-              <a:rPr lang="en-GB" dirty="0" smtClean="0"/>
-              <a:t>  </a:t>
-            </a:r>
-            <a:r>
-              <a:rPr lang="en-GB" dirty="0" smtClean="0"/>
-              <a:t>as a Classification </a:t>
-            </a:r>
-            <a:r>
-              <a:rPr lang="en-GB" dirty="0" smtClean="0"/>
-              <a:t>Problem</a:t>
+              <a:t>     as a Classification Problem</a:t>
             </a:r>
           </a:p>
           <a:p>
@@ -48872,7 +48959,6 @@
               <a:rPr lang="en-GB" dirty="0" smtClean="0"/>
               <a:t>    </a:t>
             </a:r>
-            <a:endParaRPr lang="en-GB" dirty="0" smtClean="0"/>
           </a:p>
           <a:p>
             <a:pPr>
@@ -48927,19 +49013,7 @@
             </a:r>
             <a:r>
               <a:rPr lang="en-GB" dirty="0" smtClean="0"/>
-              <a:t>    </a:t>
-            </a:r>
-            <a:r>
-              <a:rPr lang="en-GB" dirty="0" smtClean="0"/>
-              <a:t>CNN </a:t>
-            </a:r>
-            <a:r>
-              <a:rPr lang="en-GB" dirty="0" smtClean="0"/>
-              <a:t>of ~ 900t </a:t>
-            </a:r>
-            <a:r>
-              <a:rPr lang="en-GB" dirty="0" smtClean="0"/>
-              <a:t>parameters</a:t>
+              <a:t>    CNN of ~ 900t parameters</a:t>
             </a:r>
           </a:p>
           <a:p>
@@ -52047,28 +52121,46 @@
           <a:p>
             <a:r>
               <a:rPr lang="de-CH" dirty="0"/>
-              <a:t>2	</a:t>
-            </a:r>
-            <a:r>
-              <a:rPr lang="de-CH" dirty="0" err="1"/>
-              <a:t>Method</a:t>
-            </a:r>
-            <a:r>
-              <a:rPr lang="de-CH" dirty="0"/>
-              <a:t> </a:t>
-            </a:r>
-            <a:r>
-              <a:rPr lang="de-CH" dirty="0" err="1"/>
-              <a:t>o</a:t>
-            </a:r>
-            <a:r>
-              <a:rPr lang="de-CH" dirty="0" err="1" smtClean="0"/>
-              <a:t>verview</a:t>
+              <a:t>2	Method </a:t>
+            </a:r>
+            <a:r>
+              <a:rPr lang="de-CH" dirty="0" smtClean="0"/>
+              <a:t>Overview</a:t>
             </a:r>
             <a:endParaRPr lang="de-CH" dirty="0"/>
           </a:p>
         </p:txBody>
       </p:sp>
+      <p:pic>
+        <p:nvPicPr>
+          <p:cNvPr id="8" name="Bild 7" descr="Screen Shot 2016-05-20 at 11.11.10.png"/>
+          <p:cNvPicPr>
+            <a:picLocks noChangeAspect="1"/>
+          </p:cNvPicPr>
+          <p:nvPr/>
+        </p:nvPicPr>
+        <p:blipFill>
+          <a:blip r:embed="rId2" cstate="print">
+            <a:extLst>
+              <a:ext uri="{28A0092B-C50C-407E-A947-70E740481C1C}">
+                <a14:useLocalDpi xmlns:a14="http://schemas.microsoft.com/office/drawing/2010/main" val="0"/>
+              </a:ext>
+            </a:extLst>
+          </a:blip>
+          <a:stretch>
+            <a:fillRect/>
+          </a:stretch>
+        </p:blipFill>
+        <p:spPr>
+          <a:xfrm>
+            <a:off x="3516546" y="5040982"/>
+            <a:ext cx="1631064" cy="823749"/>
+          </a:xfrm>
+          <a:prstGeom prst="rect">
+            <a:avLst/>
+          </a:prstGeom>
+        </p:spPr>
+      </p:pic>
       <p:pic>
         <p:nvPicPr>
           <p:cNvPr id="31" name="Screen Shot 2016-03-11 at 16.17.53.png"/>
@@ -52078,7 +52170,7 @@
           <p:nvPr/>
         </p:nvPicPr>
         <p:blipFill>
-          <a:blip r:embed="rId2">
+          <a:blip r:embed="rId3">
             <a:extLst/>
           </a:blip>
           <a:stretch>
@@ -52389,36 +52481,6 @@
       </p:sp>
       <p:pic>
         <p:nvPicPr>
-          <p:cNvPr id="8" name="Bild 7" descr="Screen Shot 2016-05-20 at 11.11.10.png"/>
-          <p:cNvPicPr>
-            <a:picLocks noChangeAspect="1"/>
-          </p:cNvPicPr>
-          <p:nvPr/>
-        </p:nvPicPr>
-        <p:blipFill>
-          <a:blip r:embed="rId3">
-            <a:extLst>
-              <a:ext uri="{28A0092B-C50C-407E-A947-70E740481C1C}">
-                <a14:useLocalDpi xmlns:a14="http://schemas.microsoft.com/office/drawing/2010/main" val="0"/>
-              </a:ext>
-            </a:extLst>
-          </a:blip>
-          <a:stretch>
-            <a:fillRect/>
-          </a:stretch>
-        </p:blipFill>
-        <p:spPr>
-          <a:xfrm>
-            <a:off x="3383719" y="4860962"/>
-            <a:ext cx="1710953" cy="864096"/>
-          </a:xfrm>
-          <a:prstGeom prst="rect">
-            <a:avLst/>
-          </a:prstGeom>
-        </p:spPr>
-      </p:pic>
-      <p:pic>
-        <p:nvPicPr>
           <p:cNvPr id="42" name="Inhaltsplatzhalter 1"/>
           <p:cNvPicPr>
             <a:picLocks noChangeAspect="1"/>
@@ -52426,7 +52488,7 @@
           <p:nvPr/>
         </p:nvPicPr>
         <p:blipFill>
-          <a:blip r:embed="rId4">
+          <a:blip r:embed="rId4" cstate="print">
             <a:extLst>
               <a:ext uri="{28A0092B-C50C-407E-A947-70E740481C1C}">
                 <a14:useLocalDpi xmlns:a14="http://schemas.microsoft.com/office/drawing/2010/main" val="0"/>
@@ -52456,7 +52518,7 @@
           <p:nvPr/>
         </p:nvPicPr>
         <p:blipFill>
-          <a:blip r:embed="rId5">
+          <a:blip r:embed="rId5" cstate="print">
             <a:extLst>
               <a:ext uri="{28A0092B-C50C-407E-A947-70E740481C1C}">
                 <a14:useLocalDpi xmlns:a14="http://schemas.microsoft.com/office/drawing/2010/main" val="0"/>
@@ -52502,9 +52564,27 @@
                 <a:tableStyleId>{00A15C55-8517-42AA-B614-E9B94910E393}</a:tableStyleId>
               </a:tblPr>
               <a:tblGrid>
-                <a:gridCol w="1080120"/>
-                <a:gridCol w="1080120"/>
-                <a:gridCol w="1080120"/>
+                <a:gridCol w="1080120">
+                  <a:extLst>
+                    <a:ext uri="{9D8B030D-6E8A-4147-A177-3AD203B41FA5}">
+                      <a16:colId xmlns:a16="http://schemas.microsoft.com/office/drawing/2014/main" val="20000"/>
+                    </a:ext>
+                  </a:extLst>
+                </a:gridCol>
+                <a:gridCol w="1080120">
+                  <a:extLst>
+                    <a:ext uri="{9D8B030D-6E8A-4147-A177-3AD203B41FA5}">
+                      <a16:colId xmlns:a16="http://schemas.microsoft.com/office/drawing/2014/main" val="20001"/>
+                    </a:ext>
+                  </a:extLst>
+                </a:gridCol>
+                <a:gridCol w="1080120">
+                  <a:extLst>
+                    <a:ext uri="{9D8B030D-6E8A-4147-A177-3AD203B41FA5}">
+                      <a16:colId xmlns:a16="http://schemas.microsoft.com/office/drawing/2014/main" val="20002"/>
+                    </a:ext>
+                  </a:extLst>
+                </a:gridCol>
               </a:tblGrid>
               <a:tr h="530159">
                 <a:tc>
@@ -52682,6 +52762,11 @@
                     </a:lnBlToTr>
                   </a:tcPr>
                 </a:tc>
+                <a:extLst>
+                  <a:ext uri="{0D108BD9-81ED-4DB2-BD59-A6C34878D82A}">
+                    <a16:rowId xmlns:a16="http://schemas.microsoft.com/office/drawing/2014/main" val="10000"/>
+                  </a:ext>
+                </a:extLst>
               </a:tr>
               <a:tr h="195322">
                 <a:tc>
@@ -52838,6 +52923,11 @@
                     </a:lnBlToTr>
                   </a:tcPr>
                 </a:tc>
+                <a:extLst>
+                  <a:ext uri="{0D108BD9-81ED-4DB2-BD59-A6C34878D82A}">
+                    <a16:rowId xmlns:a16="http://schemas.microsoft.com/office/drawing/2014/main" val="10001"/>
+                  </a:ext>
+                </a:extLst>
               </a:tr>
               <a:tr h="195322">
                 <a:tc>
@@ -52986,6 +53076,11 @@
                     </a:lnBlToTr>
                   </a:tcPr>
                 </a:tc>
+                <a:extLst>
+                  <a:ext uri="{0D108BD9-81ED-4DB2-BD59-A6C34878D82A}">
+                    <a16:rowId xmlns:a16="http://schemas.microsoft.com/office/drawing/2014/main" val="10002"/>
+                  </a:ext>
+                </a:extLst>
               </a:tr>
               <a:tr h="195322">
                 <a:tc>
@@ -53162,6 +53257,11 @@
                     </a:lnBlToTr>
                   </a:tcPr>
                 </a:tc>
+                <a:extLst>
+                  <a:ext uri="{0D108BD9-81ED-4DB2-BD59-A6C34878D82A}">
+                    <a16:rowId xmlns:a16="http://schemas.microsoft.com/office/drawing/2014/main" val="10003"/>
+                  </a:ext>
+                </a:extLst>
               </a:tr>
             </a:tbl>
           </a:graphicData>
@@ -53176,7 +53276,7 @@
           <p:nvPr/>
         </p:nvPicPr>
         <p:blipFill rotWithShape="1">
-          <a:blip r:embed="rId6">
+          <a:blip r:embed="rId6" cstate="print">
             <a:extLst>
               <a:ext uri="{28A0092B-C50C-407E-A947-70E740481C1C}">
                 <a14:useLocalDpi xmlns:a14="http://schemas.microsoft.com/office/drawing/2010/main" val="0"/>
@@ -53188,7 +53288,7 @@
         </p:blipFill>
         <p:spPr>
           <a:xfrm>
-            <a:off x="3248756" y="6589155"/>
+            <a:off x="3258468" y="7115045"/>
             <a:ext cx="1809912" cy="1044115"/>
           </a:xfrm>
           <a:prstGeom prst="rect">
@@ -53532,7 +53632,7 @@
           <p:nvPr/>
         </p:nvPicPr>
         <p:blipFill>
-          <a:blip r:embed="rId7">
+          <a:blip r:embed="rId7" cstate="print">
             <a:extLst>
               <a:ext uri="{28A0092B-C50C-407E-A947-70E740481C1C}">
                 <a14:useLocalDpi xmlns:a14="http://schemas.microsoft.com/office/drawing/2010/main" val="0"/>
@@ -53545,7 +53645,7 @@
         </p:blipFill>
         <p:spPr>
           <a:xfrm>
-            <a:off x="1242244" y="8029314"/>
+            <a:off x="954212" y="8605378"/>
             <a:ext cx="3276364" cy="468052"/>
           </a:xfrm>
           <a:prstGeom prst="rect">
@@ -53562,7 +53662,7 @@
           <p:nvPr/>
         </p:nvPicPr>
         <p:blipFill>
-          <a:blip r:embed="rId8">
+          <a:blip r:embed="rId8" cstate="print">
             <a:extLst>
               <a:ext uri="{28A0092B-C50C-407E-A947-70E740481C1C}">
                 <a14:useLocalDpi xmlns:a14="http://schemas.microsoft.com/office/drawing/2010/main" val="0"/>
@@ -53575,7 +53675,7 @@
         </p:blipFill>
         <p:spPr>
           <a:xfrm>
-            <a:off x="1962324" y="8556353"/>
+            <a:off x="1855552" y="9123141"/>
             <a:ext cx="2050988" cy="229045"/>
           </a:xfrm>
           <a:prstGeom prst="rect">
@@ -53592,7 +53692,7 @@
           <p:nvPr/>
         </p:nvPicPr>
         <p:blipFill>
-          <a:blip r:embed="rId9">
+          <a:blip r:embed="rId9" cstate="print">
             <a:extLst>
               <a:ext uri="{28A0092B-C50C-407E-A947-70E740481C1C}">
                 <a14:useLocalDpi xmlns:a14="http://schemas.microsoft.com/office/drawing/2010/main" val="0"/>
@@ -53622,7 +53722,7 @@
           <p:nvPr/>
         </p:nvPicPr>
         <p:blipFill>
-          <a:blip r:embed="rId9">
+          <a:blip r:embed="rId9" cstate="print">
             <a:extLst>
               <a:ext uri="{28A0092B-C50C-407E-A947-70E740481C1C}">
                 <a14:useLocalDpi xmlns:a14="http://schemas.microsoft.com/office/drawing/2010/main" val="0"/>
@@ -53666,7 +53766,7 @@
             <p:nvPr/>
           </p:nvPicPr>
           <p:blipFill>
-            <a:blip r:embed="rId10">
+            <a:blip r:embed="rId10" cstate="print">
               <a:extLst>
                 <a:ext uri="{28A0092B-C50C-407E-A947-70E740481C1C}">
                   <a14:useLocalDpi xmlns:a14="http://schemas.microsoft.com/office/drawing/2010/main" val="0"/>
@@ -53742,7 +53842,7 @@
           <p:nvPr/>
         </p:nvPicPr>
         <p:blipFill>
-          <a:blip r:embed="rId11">
+          <a:blip r:embed="rId11" cstate="print">
             <a:extLst>
               <a:ext uri="{28A0092B-C50C-407E-A947-70E740481C1C}">
                 <a14:useLocalDpi xmlns:a14="http://schemas.microsoft.com/office/drawing/2010/main" val="0"/>
@@ -53776,7 +53876,7 @@
   <p:timing>
     <p:tnLst>
       <p:par>
-        <p:cTn xmlns:p14="http://schemas.microsoft.com/office/powerpoint/2010/main" id="1" dur="indefinite" restart="never" nodeType="tmRoot"/>
+        <p:cTn id="1" dur="indefinite" restart="never" nodeType="tmRoot"/>
       </p:par>
     </p:tnLst>
   </p:timing>

--- a/poster/poster.pptx
+++ b/poster/poster.pptx
@@ -48459,7 +48459,7 @@
         </p:nvSpPr>
         <p:spPr>
           <a:xfrm>
-            <a:off x="460400" y="4788955"/>
+            <a:off x="501370" y="4785526"/>
             <a:ext cx="4715073" cy="9829091"/>
           </a:xfrm>
           <a:prstGeom prst="rect">
@@ -48718,13 +48718,8 @@
             </a:r>
             <a:r>
               <a:rPr lang="en-GB" sz="1100" dirty="0" smtClean="0"/>
-              <a:t>file for </a:t>
-            </a:r>
-            <a:r>
-              <a:rPr lang="en-GB" sz="1100" smtClean="0"/>
-              <a:t>easy usage</a:t>
-            </a:r>
-            <a:endParaRPr lang="en-GB" sz="1100" dirty="0" smtClean="0"/>
+              <a:t>file, which contains the complete dataset.</a:t>
+            </a:r>
           </a:p>
           <a:p>
             <a:endParaRPr lang="en-GB" dirty="0" smtClean="0"/>
@@ -48734,7 +48729,7 @@
           </a:p>
           <a:p>
             <a:r>
-              <a:rPr lang="en-GB" b="1" dirty="0" smtClean="0"/>
+              <a:rPr lang="en-GB" sz="1200" b="1" dirty="0" smtClean="0"/>
               <a:t>Deep Convolutional Neural Networks </a:t>
             </a:r>
           </a:p>
@@ -48748,9 +48743,54 @@
           </a:p>
           <a:p>
             <a:r>
-              <a:rPr lang="en-GB" dirty="0" smtClean="0"/>
-              <a:t>General: </a:t>
-            </a:r>
+              <a:rPr lang="en-GB" sz="1100" dirty="0"/>
+              <a:t>Task: Object Recognition </a:t>
+            </a:r>
+            <a:r>
+              <a:rPr lang="en-GB" sz="1100" dirty="0" smtClean="0"/>
+              <a:t>as  </a:t>
+            </a:r>
+            <a:r>
+              <a:rPr lang="en-GB" sz="1100" dirty="0"/>
+              <a:t>a Classification </a:t>
+            </a:r>
+            <a:r>
+              <a:rPr lang="en-GB" sz="1100" dirty="0" smtClean="0"/>
+              <a:t>Problem</a:t>
+            </a:r>
+          </a:p>
+          <a:p>
+            <a:endParaRPr lang="en-GB" sz="1100" dirty="0"/>
+          </a:p>
+          <a:p>
+            <a:endParaRPr lang="en-GB" sz="1100" dirty="0" smtClean="0"/>
+          </a:p>
+          <a:p>
+            <a:endParaRPr lang="en-GB" sz="1100" dirty="0"/>
+          </a:p>
+          <a:p>
+            <a:endParaRPr lang="en-GB" sz="1100" dirty="0" smtClean="0"/>
+          </a:p>
+          <a:p>
+            <a:endParaRPr lang="en-GB" sz="1100" dirty="0"/>
+          </a:p>
+          <a:p>
+            <a:endParaRPr lang="en-GB" sz="1100" dirty="0" smtClean="0"/>
+          </a:p>
+          <a:p>
+            <a:endParaRPr lang="en-GB" sz="1100" dirty="0"/>
+          </a:p>
+          <a:p>
+            <a:endParaRPr lang="en-GB" sz="1100" dirty="0" smtClean="0"/>
+          </a:p>
+          <a:p>
+            <a:endParaRPr lang="en-GB" sz="1100" dirty="0" smtClean="0"/>
+          </a:p>
+          <a:p>
+            <a:endParaRPr lang="en-GB" sz="1100" dirty="0" smtClean="0"/>
+          </a:p>
+          <a:p>
+            <a:endParaRPr lang="en-GB" sz="1100" dirty="0"/>
           </a:p>
           <a:p>
             <a:pPr>
@@ -48758,32 +48798,7 @@
                 <a:spcPct val="50000"/>
               </a:lnSpc>
             </a:pPr>
-            <a:endParaRPr lang="en-GB" dirty="0" smtClean="0"/>
-          </a:p>
-          <a:p>
-            <a:pPr marL="228600" indent="-228600">
-              <a:buFont typeface="+mj-lt"/>
-              <a:buAutoNum type="arabicPeriod"/>
-            </a:pPr>
-            <a:r>
-              <a:rPr lang="en-GB" dirty="0" smtClean="0"/>
-              <a:t>Object </a:t>
-            </a:r>
-            <a:r>
-              <a:rPr lang="en-GB" dirty="0"/>
-              <a:t>Recognition </a:t>
-            </a:r>
-            <a:endParaRPr lang="en-GB" dirty="0" smtClean="0"/>
-          </a:p>
-          <a:p>
-            <a:r>
-              <a:rPr lang="en-GB" dirty="0"/>
-              <a:t> </a:t>
-            </a:r>
-            <a:r>
-              <a:rPr lang="en-GB" dirty="0" smtClean="0"/>
-              <a:t>     as a Classification Problem</a:t>
-            </a:r>
+            <a:endParaRPr lang="en-GB" sz="1100" dirty="0" smtClean="0"/>
           </a:p>
           <a:p>
             <a:pPr>
@@ -48791,174 +48806,7 @@
                 <a:spcPct val="50000"/>
               </a:lnSpc>
             </a:pPr>
-            <a:endParaRPr lang="en-GB" dirty="0"/>
-          </a:p>
-          <a:p>
-            <a:r>
-              <a:rPr lang="en-GB" dirty="0" smtClean="0"/>
-              <a:t>2.   Non-linearize system and get more </a:t>
-            </a:r>
-          </a:p>
-          <a:p>
-            <a:r>
-              <a:rPr lang="en-GB" dirty="0" smtClean="0"/>
-              <a:t>      parameters through getting </a:t>
-            </a:r>
-            <a:r>
-              <a:rPr lang="en-GB" i="1" dirty="0" smtClean="0"/>
-              <a:t>deeper:</a:t>
-            </a:r>
-          </a:p>
-          <a:p>
-            <a:endParaRPr lang="en-GB" i="1" dirty="0"/>
-          </a:p>
-          <a:p>
-            <a:endParaRPr lang="en-GB" dirty="0" smtClean="0"/>
-          </a:p>
-          <a:p>
-            <a:r>
-              <a:rPr lang="en-GB" i="1" dirty="0"/>
-              <a:t>	</a:t>
-            </a:r>
-            <a:endParaRPr lang="en-GB" i="1" dirty="0" smtClean="0"/>
-          </a:p>
-          <a:p>
-            <a:endParaRPr lang="en-GB" dirty="0"/>
-          </a:p>
-          <a:p>
-            <a:endParaRPr lang="en-GB" dirty="0" smtClean="0"/>
-          </a:p>
-          <a:p>
-            <a:endParaRPr lang="en-GB" dirty="0"/>
-          </a:p>
-          <a:p>
-            <a:endParaRPr lang="en-GB" dirty="0" smtClean="0"/>
-          </a:p>
-          <a:p>
-            <a:endParaRPr lang="en-GB" dirty="0" smtClean="0"/>
-          </a:p>
-          <a:p>
-            <a:pPr marL="228600" indent="-228600">
-              <a:buAutoNum type="arabicPeriod" startAt="3"/>
-            </a:pPr>
-            <a:r>
-              <a:rPr lang="en-GB" dirty="0" smtClean="0"/>
-              <a:t>Instead of matrix </a:t>
-            </a:r>
-            <a:r>
-              <a:rPr lang="en-GB" dirty="0"/>
-              <a:t>m</a:t>
-            </a:r>
-            <a:r>
-              <a:rPr lang="en-GB" dirty="0" smtClean="0"/>
-              <a:t>ultiplication of our Input, we deepen our network</a:t>
-            </a:r>
-          </a:p>
-          <a:p>
-            <a:r>
-              <a:rPr lang="en-GB" dirty="0" smtClean="0"/>
-              <a:t>       by using </a:t>
-            </a:r>
-            <a:r>
-              <a:rPr lang="en-GB" i="1" dirty="0" smtClean="0"/>
-              <a:t>convolutions and </a:t>
-            </a:r>
-            <a:r>
-              <a:rPr lang="en-GB" i="1" dirty="0"/>
-              <a:t>max-poolin</a:t>
-            </a:r>
-            <a:r>
-              <a:rPr lang="en-GB" dirty="0"/>
-              <a:t>g which </a:t>
-            </a:r>
-            <a:r>
-              <a:rPr lang="en-GB" dirty="0" smtClean="0"/>
-              <a:t>make use </a:t>
-            </a:r>
-            <a:r>
-              <a:rPr lang="en-GB" dirty="0"/>
-              <a:t>of </a:t>
-            </a:r>
-            <a:r>
-              <a:rPr lang="en-GB" dirty="0" smtClean="0"/>
-              <a:t>the</a:t>
-            </a:r>
-            <a:r>
-              <a:rPr lang="en-GB" i="1" dirty="0" smtClean="0"/>
-              <a:t>                       </a:t>
-            </a:r>
-          </a:p>
-          <a:p>
-            <a:r>
-              <a:rPr lang="en-GB" i="1" dirty="0"/>
-              <a:t> </a:t>
-            </a:r>
-            <a:r>
-              <a:rPr lang="en-GB" i="1" dirty="0" smtClean="0"/>
-              <a:t>      </a:t>
-            </a:r>
-            <a:r>
-              <a:rPr lang="en-GB" dirty="0" smtClean="0"/>
-              <a:t>spatial </a:t>
-            </a:r>
-            <a:r>
-              <a:rPr lang="en-GB" dirty="0"/>
-              <a:t>information of 3D </a:t>
-            </a:r>
-            <a:r>
-              <a:rPr lang="en-GB" dirty="0" smtClean="0"/>
-              <a:t>data.</a:t>
-            </a:r>
-            <a:endParaRPr lang="en-GB" dirty="0"/>
-          </a:p>
-          <a:p>
-            <a:endParaRPr lang="en-GB" i="1" dirty="0"/>
-          </a:p>
-          <a:p>
-            <a:endParaRPr lang="en-GB" i="1" dirty="0"/>
-          </a:p>
-          <a:p>
-            <a:endParaRPr lang="en-GB" i="1" dirty="0" smtClean="0"/>
-          </a:p>
-          <a:p>
-            <a:endParaRPr lang="en-GB" i="1" dirty="0"/>
-          </a:p>
-          <a:p>
-            <a:endParaRPr lang="en-GB" i="1" dirty="0" smtClean="0"/>
-          </a:p>
-          <a:p>
-            <a:endParaRPr lang="en-GB" i="1" dirty="0"/>
-          </a:p>
-          <a:p>
-            <a:endParaRPr lang="en-GB" i="1" dirty="0" smtClean="0"/>
-          </a:p>
-          <a:p>
-            <a:endParaRPr lang="en-GB" i="1" dirty="0"/>
-          </a:p>
-          <a:p>
-            <a:endParaRPr lang="en-GB" i="1" dirty="0"/>
-          </a:p>
-          <a:p>
-            <a:endParaRPr lang="en-GB" dirty="0" smtClean="0"/>
-          </a:p>
-          <a:p>
-            <a:r>
-              <a:rPr lang="en-GB" sz="800" dirty="0" smtClean="0"/>
-              <a:t>      Convolution: Shrink/Blur                                    Max Pooling: Non-linear down-sampling</a:t>
-            </a:r>
-            <a:endParaRPr lang="en-GB" sz="800" i="1" dirty="0"/>
-          </a:p>
-          <a:p>
-            <a:endParaRPr lang="en-GB" b="1" dirty="0" smtClean="0"/>
-          </a:p>
-          <a:p>
-            <a:endParaRPr lang="en-GB" b="1" dirty="0"/>
-          </a:p>
-          <a:p>
-            <a:r>
-              <a:rPr lang="en-GB" dirty="0" smtClean="0"/>
-              <a:t>    </a:t>
-            </a:r>
+            <a:endParaRPr lang="en-GB" sz="1100" dirty="0" smtClean="0"/>
           </a:p>
           <a:p>
             <a:pPr>
@@ -48966,272 +48814,106 @@
                 <a:spcPct val="50000"/>
               </a:lnSpc>
             </a:pPr>
-            <a:r>
-              <a:rPr lang="en-GB" dirty="0" smtClean="0"/>
-              <a:t> </a:t>
-            </a:r>
-            <a:endParaRPr lang="en-GB" dirty="0"/>
+            <a:endParaRPr lang="en-GB" sz="1100" dirty="0"/>
           </a:p>
           <a:p>
-            <a:pPr marL="171450" indent="-171450">
-              <a:lnSpc>
-                <a:spcPct val="50000"/>
-              </a:lnSpc>
-              <a:buFont typeface="Arial"/>
-              <a:buChar char="•"/>
-            </a:pPr>
-            <a:r>
-              <a:rPr lang="en-GB" dirty="0" smtClean="0"/>
-              <a:t>Result in </a:t>
-            </a:r>
-            <a:r>
-              <a:rPr lang="en-GB" dirty="0" err="1" smtClean="0"/>
-              <a:t>VoxNet</a:t>
-            </a:r>
-            <a:r>
-              <a:rPr lang="en-GB" dirty="0" smtClean="0"/>
-              <a:t> Case: </a:t>
+            <a:r>
+              <a:rPr lang="en-GB" sz="1100" dirty="0"/>
+              <a:t>1.    Neural Network: Non-Linear Activation</a:t>
             </a:r>
           </a:p>
           <a:p>
-            <a:pPr>
-              <a:lnSpc>
-                <a:spcPct val="50000"/>
-              </a:lnSpc>
-            </a:pPr>
-            <a:endParaRPr lang="en-GB" dirty="0"/>
+            <a:r>
+              <a:rPr lang="en-GB" sz="1100" dirty="0"/>
+              <a:t>       Function applied to Input to create</a:t>
+            </a:r>
           </a:p>
           <a:p>
-            <a:pPr>
-              <a:lnSpc>
-                <a:spcPct val="50000"/>
-              </a:lnSpc>
-            </a:pPr>
-            <a:r>
-              <a:rPr lang="en-GB" dirty="0"/>
-              <a:t> </a:t>
-            </a:r>
-            <a:r>
-              <a:rPr lang="en-GB" dirty="0" smtClean="0"/>
-              <a:t>    CNN of ~ 900t parameters</a:t>
+            <a:r>
+              <a:rPr lang="en-GB" sz="1100" dirty="0"/>
+              <a:t>       Non-Linear Output</a:t>
             </a:r>
           </a:p>
           <a:p>
-            <a:pPr>
-              <a:lnSpc>
-                <a:spcPct val="50000"/>
-              </a:lnSpc>
+            <a:pPr marL="228600" indent="-228600">
+              <a:buAutoNum type="arabicPeriod"/>
             </a:pPr>
-            <a:endParaRPr lang="en-GB" b="1" dirty="0" smtClean="0"/>
+            <a:endParaRPr lang="en-GB" sz="1100" dirty="0"/>
           </a:p>
           <a:p>
-            <a:pPr>
-              <a:lnSpc>
-                <a:spcPct val="50000"/>
-              </a:lnSpc>
+            <a:pPr marL="228600" indent="-228600">
+              <a:buAutoNum type="arabicPeriod"/>
             </a:pPr>
-            <a:endParaRPr lang="en-GB" b="1" dirty="0"/>
+            <a:endParaRPr lang="en-GB" sz="1100" dirty="0"/>
           </a:p>
           <a:p>
-            <a:pPr>
-              <a:lnSpc>
-                <a:spcPct val="50000"/>
-              </a:lnSpc>
+            <a:pPr marL="228600" indent="-228600">
+              <a:buAutoNum type="arabicPeriod"/>
             </a:pPr>
-            <a:endParaRPr lang="en-GB" b="1" dirty="0" smtClean="0"/>
+            <a:endParaRPr lang="en-GB" sz="1100" dirty="0"/>
           </a:p>
           <a:p>
-            <a:pPr>
-              <a:lnSpc>
-                <a:spcPct val="50000"/>
-              </a:lnSpc>
-            </a:pPr>
-            <a:endParaRPr lang="en-GB" b="1" dirty="0" smtClean="0"/>
+            <a:endParaRPr lang="en-GB" sz="1100" b="1" dirty="0"/>
           </a:p>
           <a:p>
-            <a:endParaRPr lang="en-GB" b="1" dirty="0" smtClean="0"/>
+            <a:endParaRPr lang="en-GB" sz="1100" dirty="0" smtClean="0"/>
           </a:p>
           <a:p>
-            <a:r>
-              <a:rPr lang="en-GB" i="1" dirty="0" smtClean="0"/>
-              <a:t>Contributed:</a:t>
-            </a:r>
+            <a:endParaRPr lang="en-GB" sz="1100" dirty="0" smtClean="0"/>
           </a:p>
           <a:p>
-            <a:endParaRPr lang="en-GB" dirty="0" smtClean="0"/>
+            <a:endParaRPr lang="en-GB" sz="1100" dirty="0" smtClean="0"/>
           </a:p>
           <a:p>
-            <a:pPr marL="171450" indent="-171450">
-              <a:buFont typeface="Arial"/>
-              <a:buChar char="•"/>
-            </a:pPr>
-            <a:r>
-              <a:rPr lang="en-GB" dirty="0" smtClean="0"/>
-              <a:t>Reimplementation of  </a:t>
-            </a:r>
+            <a:endParaRPr lang="en-GB" sz="1100" dirty="0"/>
           </a:p>
           <a:p>
-            <a:r>
-              <a:rPr lang="en-GB" dirty="0"/>
-              <a:t> </a:t>
-            </a:r>
-            <a:r>
-              <a:rPr lang="en-GB" dirty="0" smtClean="0"/>
-              <a:t>    Convolutional Neural Network </a:t>
+            <a:pPr marL="228600" indent="-228600">
+              <a:buAutoNum type="arabicPeriod" startAt="2"/>
+            </a:pPr>
+            <a:r>
+              <a:rPr lang="en-GB" sz="1100" dirty="0"/>
+              <a:t>Deep Neural Network: Multiple Connected Layers of weights,</a:t>
             </a:r>
           </a:p>
           <a:p>
             <a:r>
-              <a:rPr lang="en-GB" dirty="0"/>
-              <a:t> </a:t>
-            </a:r>
-            <a:r>
-              <a:rPr lang="en-GB" dirty="0" smtClean="0"/>
-              <a:t>    Model with </a:t>
-            </a:r>
-            <a:r>
-              <a:rPr lang="en-GB" dirty="0" err="1" smtClean="0"/>
-              <a:t>Keras</a:t>
-            </a:r>
-            <a:r>
-              <a:rPr lang="en-GB" dirty="0" smtClean="0"/>
-              <a:t> in Python,</a:t>
+              <a:rPr lang="en-GB" sz="1100" dirty="0"/>
+              <a:t>       which are </a:t>
+            </a:r>
+            <a:r>
+              <a:rPr lang="en-GB" sz="1100" dirty="0" smtClean="0"/>
+              <a:t>trained</a:t>
             </a:r>
           </a:p>
           <a:p>
-            <a:r>
-              <a:rPr lang="en-GB" dirty="0"/>
-              <a:t> </a:t>
-            </a:r>
-            <a:r>
-              <a:rPr lang="en-GB" dirty="0" smtClean="0"/>
-              <a:t>    supports rotation e.g. different</a:t>
-            </a:r>
+            <a:endParaRPr lang="en-GB" sz="1100" dirty="0"/>
           </a:p>
           <a:p>
-            <a:r>
-              <a:rPr lang="en-GB" dirty="0"/>
-              <a:t> </a:t>
-            </a:r>
-            <a:r>
-              <a:rPr lang="en-GB" dirty="0" smtClean="0"/>
-              <a:t>    views of same object</a:t>
+            <a:pPr marL="228600" indent="-228600">
+              <a:buAutoNum type="arabicPeriod" startAt="3"/>
+            </a:pPr>
+            <a:r>
+              <a:rPr lang="en-GB" sz="1100" dirty="0"/>
+              <a:t>Convolutional Nets: Convoluting multiple voxel of one layer </a:t>
+            </a:r>
+            <a:r>
+              <a:rPr lang="en-GB" sz="1100" dirty="0" smtClean="0"/>
+              <a:t>into </a:t>
+            </a:r>
+            <a:r>
+              <a:rPr lang="en-GB" sz="1100" dirty="0"/>
+              <a:t>a  stack of voxel or a activation map</a:t>
             </a:r>
           </a:p>
           <a:p>
-            <a:pPr>
-              <a:lnSpc>
-                <a:spcPct val="50000"/>
-              </a:lnSpc>
-            </a:pPr>
-            <a:endParaRPr lang="en-GB" dirty="0" smtClean="0"/>
+            <a:endParaRPr lang="en-GB" sz="1100" i="1" dirty="0"/>
           </a:p>
           <a:p>
-            <a:pPr>
-              <a:lnSpc>
-                <a:spcPct val="50000"/>
-              </a:lnSpc>
-            </a:pPr>
-            <a:endParaRPr lang="en-GB" dirty="0" smtClean="0"/>
+            <a:endParaRPr lang="en-GB" i="1" dirty="0" smtClean="0"/>
           </a:p>
           <a:p>
-            <a:pPr>
-              <a:lnSpc>
-                <a:spcPct val="50000"/>
-              </a:lnSpc>
-            </a:pPr>
-            <a:endParaRPr lang="en-GB" dirty="0" smtClean="0"/>
-          </a:p>
-          <a:p>
-            <a:pPr marL="171450" indent="-171450">
-              <a:buFont typeface="Arial"/>
-              <a:buChar char="•"/>
-            </a:pPr>
-            <a:r>
-              <a:rPr lang="en-GB" dirty="0" smtClean="0"/>
-              <a:t>Model Details: </a:t>
-            </a:r>
-          </a:p>
-          <a:p>
-            <a:pPr marL="352425" lvl="1" indent="-171450">
-              <a:buFont typeface="Arial"/>
-              <a:buChar char="•"/>
-            </a:pPr>
-            <a:r>
-              <a:rPr lang="en-GB" dirty="0" smtClean="0"/>
-              <a:t>Multiple 3D Convolutions</a:t>
-            </a:r>
-          </a:p>
-          <a:p>
-            <a:pPr marL="352425" lvl="1" indent="-171450">
-              <a:buFont typeface="Arial"/>
-              <a:buChar char="•"/>
-            </a:pPr>
-            <a:r>
-              <a:rPr lang="en-GB" dirty="0" smtClean="0"/>
-              <a:t>3D Max Pooling</a:t>
-            </a:r>
-          </a:p>
-          <a:p>
-            <a:pPr marL="352425" lvl="1" indent="-171450">
-              <a:buFont typeface="Arial"/>
-              <a:buChar char="•"/>
-            </a:pPr>
-            <a:r>
-              <a:rPr lang="en-GB" dirty="0" smtClean="0"/>
-              <a:t>Dense, </a:t>
-            </a:r>
-            <a:r>
-              <a:rPr lang="en-GB" dirty="0" err="1" smtClean="0"/>
-              <a:t>LeakyRelu</a:t>
-            </a:r>
-            <a:r>
-              <a:rPr lang="en-GB" dirty="0" smtClean="0"/>
-              <a:t>, etc.</a:t>
-            </a:r>
-          </a:p>
-          <a:p>
-            <a:pPr>
-              <a:lnSpc>
-                <a:spcPct val="50000"/>
-              </a:lnSpc>
-            </a:pPr>
-            <a:endParaRPr lang="en-GB" b="1" dirty="0" smtClean="0"/>
-          </a:p>
-          <a:p>
-            <a:pPr marL="171450" indent="-171450">
-              <a:buFont typeface="Arial"/>
-              <a:buChar char="•"/>
-            </a:pPr>
-            <a:endParaRPr lang="en-GB" dirty="0" smtClean="0"/>
-          </a:p>
-          <a:p>
-            <a:pPr marL="171450" indent="-171450">
-              <a:buFont typeface="Arial"/>
-              <a:buChar char="•"/>
-            </a:pPr>
-            <a:endParaRPr lang="en-GB" dirty="0" smtClean="0"/>
-          </a:p>
-          <a:p>
-            <a:pPr marL="171450" indent="-171450">
-              <a:buFont typeface="Arial"/>
-              <a:buChar char="•"/>
-            </a:pPr>
-            <a:endParaRPr lang="en-GB" dirty="0" smtClean="0"/>
-          </a:p>
-          <a:p>
-            <a:pPr marL="171450" indent="-171450">
-              <a:buFont typeface="Arial"/>
-              <a:buChar char="•"/>
-            </a:pPr>
-            <a:endParaRPr lang="en-GB" dirty="0"/>
-          </a:p>
-          <a:p>
-            <a:pPr marL="171450" indent="-171450">
-              <a:buFont typeface="Arial"/>
-              <a:buChar char="•"/>
-            </a:pPr>
-            <a:endParaRPr lang="en-US" dirty="0"/>
+            <a:endParaRPr lang="en-GB" i="1" dirty="0"/>
           </a:p>
         </p:txBody>
       </p:sp>
@@ -49427,45 +49109,33 @@
             <a:endParaRPr lang="en-US" b="1" dirty="0"/>
           </a:p>
           <a:p>
-            <a:r>
-              <a:rPr lang="en-US" i="1" dirty="0" smtClean="0"/>
-              <a:t>Contributed:</a:t>
-            </a:r>
-          </a:p>
-          <a:p>
-            <a:pPr>
-              <a:lnSpc>
-                <a:spcPct val="50000"/>
-              </a:lnSpc>
-            </a:pPr>
-            <a:endParaRPr lang="en-US" i="1" dirty="0"/>
-          </a:p>
-          <a:p>
             <a:pPr marL="171450" indent="-171450">
               <a:buFont typeface="Arial"/>
               <a:buChar char="•"/>
             </a:pPr>
             <a:r>
-              <a:rPr lang="en-US" dirty="0" smtClean="0"/>
-              <a:t>Setup and implementation on ETH Cluster ~ 20.000 cores  [4] </a:t>
-            </a:r>
-          </a:p>
-          <a:p>
-            <a:pPr marL="171450" indent="-171450">
-              <a:buFont typeface="Arial"/>
-              <a:buChar char="•"/>
-            </a:pPr>
-            <a:r>
-              <a:rPr lang="en-US" dirty="0" smtClean="0"/>
-              <a:t>Trained ModelNet10/40 for </a:t>
-            </a:r>
-            <a:r>
-              <a:rPr lang="en-US" dirty="0" err="1" smtClean="0"/>
-              <a:t>Xh</a:t>
-            </a:r>
-            <a:r>
-              <a:rPr lang="en-US" dirty="0" smtClean="0"/>
-              <a:t> / 12h on ???</a:t>
+              <a:rPr lang="de-CH" dirty="0" smtClean="0"/>
+              <a:t>The </a:t>
+            </a:r>
+            <a:r>
+              <a:rPr lang="de-CH" dirty="0"/>
+              <a:t>training process takes around </a:t>
+            </a:r>
+            <a:r>
+              <a:rPr lang="de-CH" dirty="0" smtClean="0"/>
+              <a:t>9 </a:t>
+            </a:r>
+            <a:r>
+              <a:rPr lang="de-CH" dirty="0"/>
+              <a:t>to </a:t>
+            </a:r>
+            <a:r>
+              <a:rPr lang="de-CH" dirty="0" smtClean="0"/>
+              <a:t>20 </a:t>
+            </a:r>
+            <a:r>
+              <a:rPr lang="de-CH" dirty="0"/>
+              <a:t>hours on a NVIDIA GTX 980TI (6GB) GPU depending on the size of the dataset</a:t>
             </a:r>
           </a:p>
           <a:p>
@@ -49492,60 +49162,33 @@
               <a:buChar char="•"/>
             </a:pPr>
             <a:r>
+              <a:rPr lang="en-GB" i="1" dirty="0"/>
+              <a:t>Contribution </a:t>
+            </a:r>
+            <a:r>
+              <a:rPr lang="en-GB" i="1" dirty="0" smtClean="0"/>
+              <a:t>: </a:t>
+            </a:r>
+            <a:r>
+              <a:rPr lang="de-CH" dirty="0" smtClean="0"/>
+              <a:t>The Keras framework with Theano backend in Python were used to implement the neural network. </a:t>
+            </a:r>
+          </a:p>
+          <a:p>
+            <a:endParaRPr lang="de-CH" dirty="0" smtClean="0"/>
+          </a:p>
+          <a:p>
+            <a:pPr marL="171450" indent="-171450">
+              <a:buFont typeface="Arial"/>
+              <a:buChar char="•"/>
+            </a:pPr>
+            <a:r>
               <a:rPr lang="de-CH" dirty="0" smtClean="0"/>
               <a:t>ETH </a:t>
             </a:r>
             <a:r>
-              <a:rPr lang="de-CH" dirty="0" err="1" smtClean="0"/>
-              <a:t>VoxNet</a:t>
-            </a:r>
-            <a:r>
               <a:rPr lang="de-CH" dirty="0" smtClean="0"/>
-              <a:t>: </a:t>
-            </a:r>
-            <a:r>
-              <a:rPr lang="de-CH" dirty="0" err="1" smtClean="0"/>
-              <a:t>reimplemented</a:t>
-            </a:r>
-            <a:r>
-              <a:rPr lang="de-CH" dirty="0" smtClean="0"/>
-              <a:t> </a:t>
-            </a:r>
-            <a:r>
-              <a:rPr lang="de-CH" dirty="0" err="1" smtClean="0"/>
-              <a:t>method</a:t>
-            </a:r>
-            <a:r>
-              <a:rPr lang="de-CH" dirty="0" smtClean="0"/>
-              <a:t> </a:t>
-            </a:r>
-            <a:r>
-              <a:rPr lang="de-CH" dirty="0" err="1" smtClean="0"/>
-              <a:t>achieves</a:t>
-            </a:r>
-            <a:r>
-              <a:rPr lang="de-CH" dirty="0" smtClean="0"/>
-              <a:t> same </a:t>
-            </a:r>
-            <a:r>
-              <a:rPr lang="de-CH" dirty="0" err="1" smtClean="0"/>
-              <a:t>result</a:t>
-            </a:r>
-            <a:r>
-              <a:rPr lang="de-CH" dirty="0" smtClean="0"/>
-              <a:t> </a:t>
-            </a:r>
-            <a:r>
-              <a:rPr lang="de-CH" dirty="0" err="1" smtClean="0"/>
-              <a:t>as</a:t>
-            </a:r>
-            <a:r>
-              <a:rPr lang="de-CH" dirty="0" smtClean="0"/>
-              <a:t> </a:t>
-            </a:r>
-            <a:r>
-              <a:rPr lang="de-CH" dirty="0" err="1" smtClean="0"/>
-              <a:t>orignal</a:t>
+              <a:t>VoxNet: reimplemented method achieves same result as orignal</a:t>
             </a:r>
             <a:endParaRPr lang="de-CH" dirty="0"/>
           </a:p>
@@ -50709,59 +50352,6 @@
               <a:t>/ </a:t>
             </a:r>
           </a:p>
-          <a:p>
-            <a:pPr>
-              <a:lnSpc>
-                <a:spcPct val="120000"/>
-              </a:lnSpc>
-            </a:pPr>
-            <a:r>
-              <a:rPr lang="de-DE" sz="600" b="1" dirty="0" smtClean="0">
-                <a:latin typeface="Arial (Textkörper)"/>
-                <a:cs typeface="Arial (Textkörper)"/>
-              </a:rPr>
-              <a:t>[</a:t>
-            </a:r>
-            <a:r>
-              <a:rPr lang="de-DE" sz="600" b="1" dirty="0">
-                <a:latin typeface="Arial (Textkörper)"/>
-                <a:cs typeface="Arial (Textkörper)"/>
-              </a:rPr>
-              <a:t>4] https://</a:t>
-            </a:r>
-            <a:r>
-              <a:rPr lang="de-DE" sz="600" b="1" dirty="0" err="1">
-                <a:latin typeface="Arial (Textkörper)"/>
-                <a:cs typeface="Arial (Textkörper)"/>
-              </a:rPr>
-              <a:t>ivc-support.ethz.ch</a:t>
-            </a:r>
-            <a:r>
-              <a:rPr lang="de-DE" sz="600" b="1" dirty="0">
-                <a:latin typeface="Arial (Textkörper)"/>
-                <a:cs typeface="Arial (Textkörper)"/>
-              </a:rPr>
-              <a:t>/</a:t>
-            </a:r>
-            <a:r>
-              <a:rPr lang="de-DE" sz="600" b="1" dirty="0" err="1">
-                <a:latin typeface="Arial (Textkörper)"/>
-                <a:cs typeface="Arial (Textkörper)"/>
-              </a:rPr>
-              <a:t>VisualLab</a:t>
-            </a:r>
-            <a:r>
-              <a:rPr lang="de-DE" sz="600" b="1" dirty="0">
-                <a:latin typeface="Arial (Textkörper)"/>
-                <a:cs typeface="Arial (Textkörper)"/>
-              </a:rPr>
-              <a:t>/VL02Servers01Euryale</a:t>
-            </a:r>
-            <a:endParaRPr lang="de-CH" sz="600" b="1" dirty="0">
-              <a:latin typeface="Arial (Textkörper)"/>
-              <a:cs typeface="Arial (Textkörper)"/>
-            </a:endParaRPr>
-          </a:p>
         </p:txBody>
       </p:sp>
       <p:sp>
@@ -50943,36 +50533,9 @@
           </a:lstStyle>
           <a:p>
             <a:r>
-              <a:rPr lang="de-CH" dirty="0"/>
-              <a:t>3	</a:t>
-            </a:r>
-            <a:r>
-              <a:rPr lang="de-CH" dirty="0" err="1" smtClean="0"/>
-              <a:t>DataSet</a:t>
-            </a:r>
-            <a:r>
               <a:rPr lang="de-CH" dirty="0" smtClean="0"/>
-              <a:t> / </a:t>
-            </a:r>
-            <a:r>
-              <a:rPr lang="de-CH" dirty="0" err="1"/>
-              <a:t>Princeton</a:t>
-            </a:r>
-            <a:r>
-              <a:rPr lang="de-CH" dirty="0"/>
-              <a:t> </a:t>
-            </a:r>
-            <a:r>
-              <a:rPr lang="de-CH" dirty="0" err="1" smtClean="0"/>
-              <a:t>ModelNet</a:t>
-            </a:r>
-            <a:r>
-              <a:rPr lang="de-CH" dirty="0" smtClean="0"/>
-              <a:t> [2]</a:t>
-            </a:r>
-            <a:endParaRPr lang="de-CH" dirty="0"/>
-          </a:p>
-          <a:p>
+              <a:t>Voxnet and Implementation</a:t>
+            </a:r>
             <a:endParaRPr lang="de-CH" dirty="0"/>
           </a:p>
         </p:txBody>
@@ -51155,196 +50718,13 @@
             </a:lvl9pPr>
           </a:lstStyle>
           <a:p>
-            <a:pPr marL="171450" indent="-171450">
-              <a:buFont typeface="Arial"/>
-              <a:buChar char="•"/>
-            </a:pPr>
-            <a:r>
-              <a:rPr lang="de-CH" dirty="0"/>
-              <a:t>C</a:t>
-            </a:r>
-            <a:r>
-              <a:rPr lang="de-CH" dirty="0" smtClean="0"/>
-              <a:t>lean </a:t>
-            </a:r>
-            <a:r>
-              <a:rPr lang="de-CH" dirty="0" err="1"/>
-              <a:t>collection</a:t>
-            </a:r>
-            <a:r>
-              <a:rPr lang="de-CH" dirty="0"/>
-              <a:t> </a:t>
-            </a:r>
-            <a:r>
-              <a:rPr lang="de-CH" dirty="0" err="1"/>
-              <a:t>of</a:t>
-            </a:r>
-            <a:r>
-              <a:rPr lang="de-CH" dirty="0"/>
-              <a:t> 3D CAD </a:t>
-            </a:r>
-            <a:r>
-              <a:rPr lang="de-CH" dirty="0" err="1"/>
-              <a:t>models</a:t>
-            </a:r>
-            <a:r>
-              <a:rPr lang="de-CH" dirty="0"/>
-              <a:t> </a:t>
-            </a:r>
-            <a:r>
-              <a:rPr lang="de-CH" dirty="0" err="1"/>
-              <a:t>for</a:t>
-            </a:r>
-            <a:r>
-              <a:rPr lang="de-CH" dirty="0"/>
-              <a:t> </a:t>
-            </a:r>
-            <a:r>
-              <a:rPr lang="de-CH" dirty="0" err="1" smtClean="0"/>
-              <a:t>objects</a:t>
-            </a:r>
-            <a:endParaRPr lang="de-CH" dirty="0"/>
-          </a:p>
-          <a:p>
-            <a:pPr marL="171450" indent="-171450">
-              <a:lnSpc>
-                <a:spcPct val="50000"/>
-              </a:lnSpc>
-              <a:buFont typeface="Arial"/>
-              <a:buChar char="•"/>
-            </a:pPr>
-            <a:endParaRPr lang="de-CH" dirty="0" smtClean="0"/>
-          </a:p>
-          <a:p>
-            <a:r>
-              <a:rPr lang="de-CH" b="1" dirty="0" err="1" smtClean="0"/>
-              <a:t>Building</a:t>
-            </a:r>
-            <a:r>
-              <a:rPr lang="de-CH" b="1" dirty="0" smtClean="0"/>
-              <a:t> </a:t>
-            </a:r>
-            <a:r>
-              <a:rPr lang="de-CH" b="1" dirty="0" err="1" smtClean="0"/>
-              <a:t>procedure</a:t>
-            </a:r>
-            <a:endParaRPr lang="de-CH" b="1" dirty="0"/>
-          </a:p>
-          <a:p>
-            <a:endParaRPr lang="de-CH" b="1" dirty="0" smtClean="0"/>
-          </a:p>
-          <a:p>
-            <a:pPr marL="171450" indent="-171450">
-              <a:buFont typeface="Arial"/>
-              <a:buChar char="•"/>
-            </a:pPr>
-            <a:r>
-              <a:rPr lang="de-CH" dirty="0" err="1" smtClean="0"/>
-              <a:t>compilation</a:t>
-            </a:r>
-            <a:r>
-              <a:rPr lang="de-CH" dirty="0" smtClean="0"/>
-              <a:t> </a:t>
-            </a:r>
-            <a:r>
-              <a:rPr lang="de-CH" dirty="0" err="1" smtClean="0"/>
-              <a:t>of</a:t>
-            </a:r>
-            <a:r>
-              <a:rPr lang="de-CH" dirty="0" smtClean="0"/>
-              <a:t> </a:t>
-            </a:r>
-            <a:r>
-              <a:rPr lang="de-CH" dirty="0" err="1" smtClean="0"/>
-              <a:t>list</a:t>
-            </a:r>
-            <a:r>
-              <a:rPr lang="de-CH" dirty="0" smtClean="0"/>
-              <a:t> </a:t>
-            </a:r>
-            <a:r>
-              <a:rPr lang="de-CH" dirty="0" err="1"/>
-              <a:t>of</a:t>
-            </a:r>
-            <a:r>
-              <a:rPr lang="de-CH" dirty="0"/>
-              <a:t> </a:t>
-            </a:r>
-            <a:r>
-              <a:rPr lang="de-CH" dirty="0" err="1" smtClean="0"/>
-              <a:t>most</a:t>
-            </a:r>
-            <a:r>
-              <a:rPr lang="de-CH" dirty="0" smtClean="0"/>
-              <a:t> </a:t>
-            </a:r>
-            <a:r>
-              <a:rPr lang="de-CH" dirty="0" err="1"/>
-              <a:t>common</a:t>
-            </a:r>
-            <a:r>
-              <a:rPr lang="de-CH" dirty="0"/>
-              <a:t> </a:t>
-            </a:r>
-            <a:r>
-              <a:rPr lang="de-CH" dirty="0" err="1"/>
-              <a:t>object</a:t>
-            </a:r>
-            <a:r>
-              <a:rPr lang="de-CH" dirty="0"/>
-              <a:t> </a:t>
-            </a:r>
-            <a:r>
-              <a:rPr lang="de-CH" dirty="0" err="1" smtClean="0"/>
-              <a:t>categories</a:t>
-            </a:r>
-            <a:r>
-              <a:rPr lang="de-CH" dirty="0" smtClean="0"/>
-              <a:t>, </a:t>
-            </a:r>
-            <a:r>
-              <a:rPr lang="de-CH" dirty="0" err="1"/>
-              <a:t>using</a:t>
-            </a:r>
-            <a:r>
-              <a:rPr lang="de-CH" dirty="0"/>
-              <a:t> </a:t>
-            </a:r>
-            <a:r>
-              <a:rPr lang="de-CH" dirty="0" err="1" smtClean="0"/>
-              <a:t>statistics</a:t>
-            </a:r>
-            <a:r>
-              <a:rPr lang="de-CH" dirty="0" smtClean="0"/>
-              <a:t> </a:t>
-            </a:r>
-            <a:r>
-              <a:rPr lang="de-CH" dirty="0" err="1"/>
-              <a:t>obtained</a:t>
-            </a:r>
-            <a:r>
-              <a:rPr lang="de-CH" dirty="0"/>
-              <a:t> </a:t>
-            </a:r>
-            <a:r>
-              <a:rPr lang="de-CH" dirty="0" err="1"/>
-              <a:t>from</a:t>
-            </a:r>
-            <a:r>
-              <a:rPr lang="de-CH" dirty="0"/>
-              <a:t> </a:t>
-            </a:r>
-            <a:r>
-              <a:rPr lang="de-CH" dirty="0" smtClean="0"/>
-              <a:t>SUN </a:t>
-            </a:r>
-            <a:r>
-              <a:rPr lang="de-CH" dirty="0" err="1" smtClean="0"/>
-              <a:t>database</a:t>
-            </a:r>
-            <a:r>
-              <a:rPr lang="de-CH" dirty="0" smtClean="0"/>
-              <a:t> [3]</a:t>
+            <a:r>
+              <a:rPr lang="en-GB" sz="1100" dirty="0" smtClean="0"/>
+              <a:t>Sequence </a:t>
+            </a:r>
+            <a:r>
+              <a:rPr lang="en-GB" sz="1100" dirty="0"/>
+              <a:t>of Multiple Convolutional Layer, Max Pooling Layers, followed by Fully Connected Layers</a:t>
             </a:r>
           </a:p>
           <a:p>
@@ -51353,7 +50733,50 @@
                 <a:spcPct val="50000"/>
               </a:lnSpc>
             </a:pPr>
-            <a:endParaRPr lang="de-CH" dirty="0" smtClean="0"/>
+            <a:endParaRPr lang="en-GB" sz="1100" dirty="0"/>
+          </a:p>
+          <a:p>
+            <a:pPr marL="171450" indent="-171450">
+              <a:lnSpc>
+                <a:spcPct val="50000"/>
+              </a:lnSpc>
+              <a:buFont typeface="Wingdings" panose="05000000000000000000" pitchFamily="2" charset="2"/>
+              <a:buChar char="Ø"/>
+            </a:pPr>
+            <a:r>
+              <a:rPr lang="en-GB" sz="1100" dirty="0"/>
+              <a:t> CNN more then 900k Parameter</a:t>
+            </a:r>
+          </a:p>
+          <a:p>
+            <a:pPr marL="171450" indent="-171450">
+              <a:lnSpc>
+                <a:spcPct val="100000"/>
+              </a:lnSpc>
+              <a:buFont typeface="Wingdings" panose="05000000000000000000" pitchFamily="2" charset="2"/>
+              <a:buChar char="Ø"/>
+            </a:pPr>
+            <a:r>
+              <a:rPr lang="en-GB" sz="1100" dirty="0"/>
+              <a:t>Activation: Leaky </a:t>
+            </a:r>
+            <a:r>
+              <a:rPr lang="en-GB" sz="1100" dirty="0" err="1"/>
+              <a:t>ReLu</a:t>
+            </a:r>
+            <a:endParaRPr lang="en-GB" sz="1100" dirty="0"/>
+          </a:p>
+          <a:p>
+            <a:endParaRPr lang="en-GB" sz="1100" b="1" dirty="0"/>
+          </a:p>
+          <a:p>
+            <a:r>
+              <a:rPr lang="en-GB" sz="1100" i="1" dirty="0"/>
+              <a:t>Contributed:</a:t>
+            </a:r>
+          </a:p>
+          <a:p>
+            <a:endParaRPr lang="en-GB" sz="1100" dirty="0"/>
           </a:p>
           <a:p>
             <a:pPr marL="171450" indent="-171450">
@@ -51361,146 +50784,48 @@
               <a:buChar char="•"/>
             </a:pPr>
             <a:r>
-              <a:rPr lang="de-CH" dirty="0" err="1" smtClean="0"/>
-              <a:t>collection</a:t>
-            </a:r>
-            <a:r>
-              <a:rPr lang="de-CH" dirty="0" smtClean="0"/>
-              <a:t> </a:t>
-            </a:r>
-            <a:r>
-              <a:rPr lang="de-CH" dirty="0" err="1" smtClean="0"/>
-              <a:t>of</a:t>
-            </a:r>
-            <a:r>
-              <a:rPr lang="de-CH" dirty="0" smtClean="0"/>
-              <a:t> 3D CAD </a:t>
-            </a:r>
-            <a:r>
-              <a:rPr lang="de-CH" dirty="0" err="1" smtClean="0"/>
-              <a:t>models</a:t>
-            </a:r>
-            <a:r>
-              <a:rPr lang="de-CH" dirty="0" smtClean="0"/>
-              <a:t> </a:t>
-            </a:r>
-            <a:r>
-              <a:rPr lang="de-CH" dirty="0" err="1" smtClean="0"/>
-              <a:t>for</a:t>
-            </a:r>
-            <a:r>
-              <a:rPr lang="de-CH" dirty="0" smtClean="0"/>
-              <a:t> </a:t>
-            </a:r>
-            <a:r>
-              <a:rPr lang="de-CH" dirty="0" err="1" smtClean="0"/>
-              <a:t>each</a:t>
-            </a:r>
-            <a:r>
-              <a:rPr lang="de-CH" dirty="0" smtClean="0"/>
-              <a:t> </a:t>
-            </a:r>
-            <a:r>
-              <a:rPr lang="de-CH" dirty="0" err="1" smtClean="0"/>
-              <a:t>object</a:t>
-            </a:r>
-            <a:r>
-              <a:rPr lang="de-CH" dirty="0" smtClean="0"/>
-              <a:t> </a:t>
-            </a:r>
-            <a:r>
-              <a:rPr lang="de-CH" dirty="0" err="1" smtClean="0"/>
-              <a:t>category</a:t>
-            </a:r>
-            <a:r>
-              <a:rPr lang="de-CH" dirty="0" smtClean="0"/>
-              <a:t> </a:t>
-            </a:r>
-            <a:r>
-              <a:rPr lang="de-CH" dirty="0" err="1" smtClean="0"/>
-              <a:t>using</a:t>
-            </a:r>
-            <a:r>
-              <a:rPr lang="de-CH" dirty="0" smtClean="0"/>
-              <a:t> online </a:t>
-            </a:r>
-            <a:r>
-              <a:rPr lang="de-CH" dirty="0" err="1" smtClean="0"/>
-              <a:t>search</a:t>
-            </a:r>
-            <a:r>
-              <a:rPr lang="de-CH" dirty="0" smtClean="0"/>
-              <a:t> </a:t>
-            </a:r>
-            <a:r>
-              <a:rPr lang="de-CH" dirty="0" err="1" smtClean="0"/>
-              <a:t>engines</a:t>
-            </a:r>
-            <a:r>
-              <a:rPr lang="de-CH" dirty="0" smtClean="0"/>
-              <a:t> </a:t>
-            </a:r>
-            <a:r>
-              <a:rPr lang="de-CH" dirty="0" err="1" smtClean="0"/>
-              <a:t>by</a:t>
-            </a:r>
-            <a:r>
-              <a:rPr lang="de-CH" dirty="0" smtClean="0"/>
-              <a:t> </a:t>
-            </a:r>
-            <a:r>
-              <a:rPr lang="de-CH" dirty="0" err="1" smtClean="0"/>
-              <a:t>querying</a:t>
-            </a:r>
-            <a:r>
-              <a:rPr lang="de-CH" dirty="0" smtClean="0"/>
-              <a:t> </a:t>
-            </a:r>
-            <a:r>
-              <a:rPr lang="de-CH" dirty="0" err="1" smtClean="0"/>
-              <a:t>for</a:t>
-            </a:r>
-            <a:r>
-              <a:rPr lang="de-CH" dirty="0" smtClean="0"/>
-              <a:t> </a:t>
-            </a:r>
-            <a:r>
-              <a:rPr lang="de-CH" dirty="0" err="1" smtClean="0"/>
-              <a:t>each</a:t>
-            </a:r>
-            <a:r>
-              <a:rPr lang="de-CH" dirty="0" smtClean="0"/>
-              <a:t> </a:t>
-            </a:r>
-            <a:r>
-              <a:rPr lang="de-CH" dirty="0" err="1" smtClean="0"/>
-              <a:t>object</a:t>
-            </a:r>
-            <a:r>
-              <a:rPr lang="de-CH" dirty="0" smtClean="0"/>
-              <a:t> </a:t>
-            </a:r>
-            <a:r>
-              <a:rPr lang="de-CH" dirty="0" err="1" smtClean="0"/>
-              <a:t>category</a:t>
-            </a:r>
-            <a:r>
-              <a:rPr lang="de-CH" dirty="0" smtClean="0"/>
-              <a:t> </a:t>
-            </a:r>
-            <a:r>
-              <a:rPr lang="de-CH" dirty="0" err="1" smtClean="0"/>
-              <a:t>term</a:t>
-            </a:r>
-            <a:endParaRPr lang="de-CH" dirty="0"/>
+              <a:rPr lang="en-GB" sz="1100" dirty="0"/>
+              <a:t>Reimplementation of  </a:t>
+            </a:r>
           </a:p>
           <a:p>
-            <a:pPr>
-              <a:lnSpc>
-                <a:spcPct val="50000"/>
-              </a:lnSpc>
-            </a:pPr>
-            <a:endParaRPr lang="de-CH" dirty="0" smtClean="0"/>
+            <a:r>
+              <a:rPr lang="en-GB" sz="1100" dirty="0"/>
+              <a:t>     Convolutional Neural Network </a:t>
+            </a:r>
+          </a:p>
+          <a:p>
+            <a:r>
+              <a:rPr lang="en-GB" sz="1100" dirty="0"/>
+              <a:t>     Model with </a:t>
+            </a:r>
+            <a:r>
+              <a:rPr lang="en-GB" sz="1100" dirty="0" err="1"/>
+              <a:t>Keras</a:t>
+            </a:r>
+            <a:r>
+              <a:rPr lang="en-GB" sz="1100" dirty="0"/>
+              <a:t> in Python,</a:t>
+            </a:r>
+          </a:p>
+          <a:p>
+            <a:r>
+              <a:rPr lang="en-GB" sz="1100" dirty="0"/>
+              <a:t>     supports rotation e.g. different</a:t>
+            </a:r>
+          </a:p>
+          <a:p>
+            <a:r>
+              <a:rPr lang="en-GB" sz="1100" dirty="0"/>
+              <a:t>     views of same </a:t>
+            </a:r>
+            <a:r>
+              <a:rPr lang="en-GB" sz="1100" dirty="0" smtClean="0"/>
+              <a:t>object</a:t>
+            </a:r>
+          </a:p>
+          <a:p>
+            <a:endParaRPr lang="de-CH" sz="1100" b="1" dirty="0"/>
           </a:p>
           <a:p>
             <a:pPr marL="171450" indent="-171450">
@@ -51508,206 +50833,16 @@
               <a:buChar char="•"/>
             </a:pPr>
             <a:r>
-              <a:rPr lang="de-CH" dirty="0" smtClean="0"/>
-              <a:t>human clean </a:t>
-            </a:r>
-            <a:r>
-              <a:rPr lang="de-CH" dirty="0" err="1" smtClean="0"/>
-              <a:t>up</a:t>
-            </a:r>
-            <a:r>
-              <a:rPr lang="de-CH" dirty="0" smtClean="0"/>
-              <a:t> </a:t>
-            </a:r>
-            <a:r>
-              <a:rPr lang="de-CH" dirty="0" err="1" smtClean="0"/>
-              <a:t>through</a:t>
-            </a:r>
-            <a:endParaRPr lang="de-CH" dirty="0" smtClean="0"/>
+              <a:rPr lang="en-GB" sz="1100" i="1" dirty="0"/>
+              <a:t>Contribution : </a:t>
+            </a:r>
+            <a:r>
+              <a:rPr lang="de-CH" sz="1100" dirty="0"/>
+              <a:t>The Keras framework with Theano backend in Python were used to implement the neural network. </a:t>
+            </a:r>
           </a:p>
           <a:p>
-            <a:r>
-              <a:rPr lang="de-CH" dirty="0"/>
-              <a:t> </a:t>
-            </a:r>
-            <a:r>
-              <a:rPr lang="de-CH" dirty="0" smtClean="0"/>
-              <a:t>    Amazon </a:t>
-            </a:r>
-            <a:r>
-              <a:rPr lang="de-CH" dirty="0" err="1" smtClean="0"/>
-              <a:t>Mechanical</a:t>
-            </a:r>
-            <a:r>
-              <a:rPr lang="de-CH" dirty="0" smtClean="0"/>
-              <a:t> Turk </a:t>
-            </a:r>
-            <a:r>
-              <a:rPr lang="de-CH" dirty="0" err="1" smtClean="0"/>
-              <a:t>to</a:t>
-            </a:r>
-            <a:endParaRPr lang="de-CH" dirty="0" smtClean="0"/>
-          </a:p>
-          <a:p>
-            <a:r>
-              <a:rPr lang="de-CH" dirty="0"/>
-              <a:t> </a:t>
-            </a:r>
-            <a:r>
-              <a:rPr lang="de-CH" dirty="0" smtClean="0"/>
-              <a:t>    </a:t>
-            </a:r>
-            <a:r>
-              <a:rPr lang="de-CH" dirty="0" err="1" smtClean="0"/>
-              <a:t>decide</a:t>
-            </a:r>
-            <a:r>
-              <a:rPr lang="de-CH" dirty="0" smtClean="0"/>
-              <a:t> </a:t>
-            </a:r>
-            <a:r>
-              <a:rPr lang="de-CH" dirty="0" err="1" smtClean="0"/>
-              <a:t>whether</a:t>
-            </a:r>
-            <a:r>
-              <a:rPr lang="de-CH" dirty="0" smtClean="0"/>
-              <a:t> </a:t>
-            </a:r>
-            <a:r>
-              <a:rPr lang="de-CH" dirty="0" err="1" smtClean="0"/>
-              <a:t>each</a:t>
-            </a:r>
-            <a:r>
-              <a:rPr lang="de-CH" dirty="0" smtClean="0"/>
-              <a:t> CAD </a:t>
-            </a:r>
-          </a:p>
-          <a:p>
-            <a:r>
-              <a:rPr lang="de-CH" dirty="0"/>
-              <a:t> </a:t>
-            </a:r>
-            <a:r>
-              <a:rPr lang="de-CH" dirty="0" smtClean="0"/>
-              <a:t>    </a:t>
-            </a:r>
-            <a:r>
-              <a:rPr lang="de-CH" dirty="0" err="1" smtClean="0"/>
-              <a:t>model</a:t>
-            </a:r>
-            <a:r>
-              <a:rPr lang="de-CH" dirty="0" smtClean="0"/>
-              <a:t> </a:t>
-            </a:r>
-            <a:r>
-              <a:rPr lang="de-CH" dirty="0" err="1" smtClean="0"/>
-              <a:t>belongs</a:t>
-            </a:r>
-            <a:r>
-              <a:rPr lang="de-CH" dirty="0" smtClean="0"/>
-              <a:t> </a:t>
-            </a:r>
-            <a:r>
-              <a:rPr lang="de-CH" dirty="0" err="1" smtClean="0"/>
-              <a:t>to</a:t>
-            </a:r>
-            <a:r>
-              <a:rPr lang="de-CH" dirty="0" smtClean="0"/>
-              <a:t> </a:t>
-            </a:r>
-            <a:r>
-              <a:rPr lang="de-CH" dirty="0" err="1" smtClean="0"/>
-              <a:t>specified</a:t>
-            </a:r>
-            <a:endParaRPr lang="de-CH" dirty="0" smtClean="0"/>
-          </a:p>
-          <a:p>
-            <a:r>
-              <a:rPr lang="de-CH" dirty="0"/>
-              <a:t> </a:t>
-            </a:r>
-            <a:r>
-              <a:rPr lang="de-CH" dirty="0" smtClean="0"/>
-              <a:t>    </a:t>
-            </a:r>
-            <a:r>
-              <a:rPr lang="de-CH" dirty="0" err="1" smtClean="0"/>
-              <a:t>cateogries</a:t>
-            </a:r>
-            <a:endParaRPr lang="de-CH" dirty="0"/>
-          </a:p>
-          <a:p>
-            <a:pPr>
-              <a:lnSpc>
-                <a:spcPct val="50000"/>
-              </a:lnSpc>
-            </a:pPr>
-            <a:endParaRPr lang="de-CH" dirty="0"/>
-          </a:p>
-          <a:p>
-            <a:pPr marL="171450" indent="-171450">
-              <a:buFont typeface="Arial"/>
-              <a:buChar char="•"/>
-            </a:pPr>
-            <a:r>
-              <a:rPr lang="de-CH" dirty="0" err="1" smtClean="0"/>
-              <a:t>manually</a:t>
-            </a:r>
-            <a:r>
-              <a:rPr lang="de-CH" dirty="0" smtClean="0"/>
-              <a:t> </a:t>
-            </a:r>
-            <a:r>
-              <a:rPr lang="de-CH" dirty="0" err="1" smtClean="0"/>
-              <a:t>alignment</a:t>
-            </a:r>
-            <a:r>
-              <a:rPr lang="de-CH" dirty="0" smtClean="0"/>
-              <a:t> </a:t>
-            </a:r>
-            <a:r>
-              <a:rPr lang="de-CH" dirty="0" err="1" smtClean="0"/>
-              <a:t>of</a:t>
-            </a:r>
-            <a:r>
-              <a:rPr lang="de-CH" dirty="0" smtClean="0"/>
-              <a:t> </a:t>
-            </a:r>
-          </a:p>
-          <a:p>
-            <a:r>
-              <a:rPr lang="de-CH" dirty="0"/>
-              <a:t> </a:t>
-            </a:r>
-            <a:r>
-              <a:rPr lang="de-CH" dirty="0" smtClean="0"/>
-              <a:t>    </a:t>
-            </a:r>
-            <a:r>
-              <a:rPr lang="de-CH" dirty="0" err="1" smtClean="0"/>
-              <a:t>orientation</a:t>
-            </a:r>
-            <a:r>
-              <a:rPr lang="de-CH" dirty="0" smtClean="0"/>
-              <a:t> </a:t>
-            </a:r>
-            <a:r>
-              <a:rPr lang="de-CH" dirty="0" err="1"/>
-              <a:t>of</a:t>
-            </a:r>
-            <a:r>
-              <a:rPr lang="de-CH" dirty="0"/>
-              <a:t> </a:t>
-            </a:r>
-            <a:r>
-              <a:rPr lang="de-CH" dirty="0" smtClean="0"/>
-              <a:t>CAD </a:t>
-            </a:r>
-            <a:r>
-              <a:rPr lang="de-CH" dirty="0" err="1" smtClean="0"/>
-              <a:t>models</a:t>
-            </a:r>
-            <a:endParaRPr lang="de-CH" dirty="0"/>
+            <a:endParaRPr lang="en-GB" sz="1100" dirty="0"/>
           </a:p>
         </p:txBody>
       </p:sp>
@@ -52153,7 +51288,7 @@
         </p:blipFill>
         <p:spPr>
           <a:xfrm>
-            <a:off x="3516546" y="5040982"/>
+            <a:off x="3585379" y="5039725"/>
             <a:ext cx="1631064" cy="823749"/>
           </a:xfrm>
           <a:prstGeom prst="rect">
@@ -52372,19 +51507,23 @@
           <a:p>
             <a:r>
               <a:rPr lang="en-US" dirty="0"/>
-              <a:t> 3D information / Point cloud of object       |       </a:t>
+              <a:t> 3D information / </a:t>
+            </a:r>
+            <a:r>
+              <a:rPr lang="en-US" dirty="0" smtClean="0"/>
+              <a:t>Point </a:t>
+            </a:r>
+            <a:r>
+              <a:rPr lang="en-US" dirty="0"/>
+              <a:t>cloud of object       |       </a:t>
             </a:r>
             <a:r>
               <a:rPr lang="en-US" dirty="0" smtClean="0"/>
               <a:t>  </a:t>
             </a:r>
             <a:r>
-              <a:rPr lang="en-US" dirty="0"/>
-              <a:t>Occupancy </a:t>
-            </a:r>
-            <a:r>
               <a:rPr lang="en-US" dirty="0" smtClean="0"/>
-              <a:t>Grid            </a:t>
+              <a:t>Occupancy Grid            </a:t>
             </a:r>
             <a:r>
               <a:rPr lang="en-US" dirty="0"/>
@@ -52395,9 +51534,10 @@
               <a:t> </a:t>
             </a:r>
             <a:r>
-              <a:rPr lang="en-US" dirty="0"/>
+              <a:rPr lang="en-US" dirty="0" smtClean="0"/>
               <a:t>Object Recognition</a:t>
             </a:r>
+            <a:endParaRPr lang="en-US" dirty="0"/>
           </a:p>
         </p:txBody>
       </p:sp>
@@ -52479,66 +51619,6 @@
           </a:p>
         </p:txBody>
       </p:sp>
-      <p:pic>
-        <p:nvPicPr>
-          <p:cNvPr id="42" name="Inhaltsplatzhalter 1"/>
-          <p:cNvPicPr>
-            <a:picLocks noChangeAspect="1"/>
-          </p:cNvPicPr>
-          <p:nvPr/>
-        </p:nvPicPr>
-        <p:blipFill>
-          <a:blip r:embed="rId4" cstate="print">
-            <a:extLst>
-              <a:ext uri="{28A0092B-C50C-407E-A947-70E740481C1C}">
-                <a14:useLocalDpi xmlns:a14="http://schemas.microsoft.com/office/drawing/2010/main" val="0"/>
-              </a:ext>
-            </a:extLst>
-          </a:blip>
-          <a:stretch>
-            <a:fillRect/>
-          </a:stretch>
-        </p:blipFill>
-        <p:spPr>
-          <a:xfrm>
-            <a:off x="2682404" y="11326360"/>
-            <a:ext cx="2448272" cy="3256439"/>
-          </a:xfrm>
-          <a:prstGeom prst="rect">
-            <a:avLst/>
-          </a:prstGeom>
-        </p:spPr>
-      </p:pic>
-      <p:pic>
-        <p:nvPicPr>
-          <p:cNvPr id="44" name="Inhaltsplatzhalter 6"/>
-          <p:cNvPicPr>
-            <a:picLocks noChangeAspect="1"/>
-          </p:cNvPicPr>
-          <p:nvPr/>
-        </p:nvPicPr>
-        <p:blipFill>
-          <a:blip r:embed="rId5" cstate="print">
-            <a:extLst>
-              <a:ext uri="{28A0092B-C50C-407E-A947-70E740481C1C}">
-                <a14:useLocalDpi xmlns:a14="http://schemas.microsoft.com/office/drawing/2010/main" val="0"/>
-              </a:ext>
-            </a:extLst>
-          </a:blip>
-          <a:stretch>
-            <a:fillRect/>
-          </a:stretch>
-        </p:blipFill>
-        <p:spPr>
-          <a:xfrm>
-            <a:off x="7614258" y="6317915"/>
-            <a:ext cx="2615233" cy="1423367"/>
-          </a:xfrm>
-          <a:prstGeom prst="rect">
-            <a:avLst/>
-          </a:prstGeom>
-        </p:spPr>
-      </p:pic>
       <p:graphicFrame>
         <p:nvGraphicFramePr>
           <p:cNvPr id="11" name="Tabelle 10"/>
@@ -52548,14 +51628,14 @@
           <p:nvPr>
             <p:extLst>
               <p:ext uri="{D42A27DB-BD31-4B8C-83A1-F6EECF244321}">
-                <p14:modId xmlns:p14="http://schemas.microsoft.com/office/powerpoint/2010/main" val="3529637921"/>
+                <p14:modId xmlns:p14="http://schemas.microsoft.com/office/powerpoint/2010/main" val="545030033"/>
               </p:ext>
             </p:extLst>
           </p:nvPr>
         </p:nvGraphicFramePr>
         <p:xfrm>
-          <a:off x="6246800" y="9937526"/>
-          <a:ext cx="3240360" cy="1219200"/>
+          <a:off x="6282803" y="10273470"/>
+          <a:ext cx="3204357" cy="1219200"/>
         </p:xfrm>
         <a:graphic>
           <a:graphicData uri="http://schemas.openxmlformats.org/drawingml/2006/table">
@@ -52564,21 +51644,21 @@
                 <a:tableStyleId>{00A15C55-8517-42AA-B614-E9B94910E393}</a:tableStyleId>
               </a:tblPr>
               <a:tblGrid>
-                <a:gridCol w="1080120">
+                <a:gridCol w="1068119">
                   <a:extLst>
                     <a:ext uri="{9D8B030D-6E8A-4147-A177-3AD203B41FA5}">
                       <a16:colId xmlns:a16="http://schemas.microsoft.com/office/drawing/2014/main" val="20000"/>
                     </a:ext>
                   </a:extLst>
                 </a:gridCol>
-                <a:gridCol w="1080120">
+                <a:gridCol w="1068119">
                   <a:extLst>
                     <a:ext uri="{9D8B030D-6E8A-4147-A177-3AD203B41FA5}">
                       <a16:colId xmlns:a16="http://schemas.microsoft.com/office/drawing/2014/main" val="20001"/>
                     </a:ext>
                   </a:extLst>
                 </a:gridCol>
-                <a:gridCol w="1080120">
+                <a:gridCol w="1068119">
                   <a:extLst>
                     <a:ext uri="{9D8B030D-6E8A-4147-A177-3AD203B41FA5}">
                       <a16:colId xmlns:a16="http://schemas.microsoft.com/office/drawing/2014/main" val="20002"/>
@@ -52586,7 +51666,7 @@
                   </a:extLst>
                 </a:gridCol>
               </a:tblGrid>
-              <a:tr h="530159">
+              <a:tr h="574598">
                 <a:tc>
                   <a:txBody>
                     <a:bodyPr/>
@@ -52768,7 +51848,7 @@
                   </a:ext>
                 </a:extLst>
               </a:tr>
-              <a:tr h="195322">
+              <a:tr h="211693">
                 <a:tc>
                   <a:txBody>
                     <a:bodyPr/>
@@ -52929,7 +52009,7 @@
                   </a:ext>
                 </a:extLst>
               </a:tr>
-              <a:tr h="195322">
+              <a:tr h="211693">
                 <a:tc>
                   <a:txBody>
                     <a:bodyPr/>
@@ -53082,7 +52162,7 @@
                   </a:ext>
                 </a:extLst>
               </a:tr>
-              <a:tr h="195322">
+              <a:tr h="211693">
                 <a:tc>
                   <a:txBody>
                     <a:bodyPr/>
@@ -53276,7 +52356,7 @@
           <p:nvPr/>
         </p:nvPicPr>
         <p:blipFill rotWithShape="1">
-          <a:blip r:embed="rId6" cstate="print">
+          <a:blip r:embed="rId4" cstate="print">
             <a:extLst>
               <a:ext uri="{28A0092B-C50C-407E-A947-70E740481C1C}">
                 <a14:useLocalDpi xmlns:a14="http://schemas.microsoft.com/office/drawing/2010/main" val="0"/>
@@ -53288,8 +52368,8 @@
         </p:blipFill>
         <p:spPr>
           <a:xfrm>
-            <a:off x="3258468" y="7115045"/>
-            <a:ext cx="1809912" cy="1044115"/>
+            <a:off x="1278249" y="7368536"/>
+            <a:ext cx="2412268" cy="1391606"/>
           </a:xfrm>
           <a:prstGeom prst="rect">
             <a:avLst/>
@@ -53623,126 +52703,6 @@
           </a:p>
         </p:txBody>
       </p:sp>
-      <p:pic>
-        <p:nvPicPr>
-          <p:cNvPr id="3" name="Bild 2" descr="Screen Shot 2016-05-24 at 18.10.55.png"/>
-          <p:cNvPicPr>
-            <a:picLocks noChangeAspect="1"/>
-          </p:cNvPicPr>
-          <p:nvPr/>
-        </p:nvPicPr>
-        <p:blipFill>
-          <a:blip r:embed="rId7" cstate="print">
-            <a:extLst>
-              <a:ext uri="{28A0092B-C50C-407E-A947-70E740481C1C}">
-                <a14:useLocalDpi xmlns:a14="http://schemas.microsoft.com/office/drawing/2010/main" val="0"/>
-              </a:ext>
-            </a:extLst>
-          </a:blip>
-          <a:stretch>
-            <a:fillRect/>
-          </a:stretch>
-        </p:blipFill>
-        <p:spPr>
-          <a:xfrm>
-            <a:off x="954212" y="8605378"/>
-            <a:ext cx="3276364" cy="468052"/>
-          </a:xfrm>
-          <a:prstGeom prst="rect">
-            <a:avLst/>
-          </a:prstGeom>
-        </p:spPr>
-      </p:pic>
-      <p:pic>
-        <p:nvPicPr>
-          <p:cNvPr id="7" name="Bild 6" descr="Screen Shot 2016-05-24 at 18.17.44.png"/>
-          <p:cNvPicPr>
-            <a:picLocks noChangeAspect="1"/>
-          </p:cNvPicPr>
-          <p:nvPr/>
-        </p:nvPicPr>
-        <p:blipFill>
-          <a:blip r:embed="rId8" cstate="print">
-            <a:extLst>
-              <a:ext uri="{28A0092B-C50C-407E-A947-70E740481C1C}">
-                <a14:useLocalDpi xmlns:a14="http://schemas.microsoft.com/office/drawing/2010/main" val="0"/>
-              </a:ext>
-            </a:extLst>
-          </a:blip>
-          <a:stretch>
-            <a:fillRect/>
-          </a:stretch>
-        </p:blipFill>
-        <p:spPr>
-          <a:xfrm>
-            <a:off x="1855552" y="9123141"/>
-            <a:ext cx="2050988" cy="229045"/>
-          </a:xfrm>
-          <a:prstGeom prst="rect">
-            <a:avLst/>
-          </a:prstGeom>
-        </p:spPr>
-      </p:pic>
-      <p:pic>
-        <p:nvPicPr>
-          <p:cNvPr id="10" name="Bild 9" descr="Screen Shot 2016-05-24 at 18.24.13.png"/>
-          <p:cNvPicPr>
-            <a:picLocks noChangeAspect="1"/>
-          </p:cNvPicPr>
-          <p:nvPr/>
-        </p:nvPicPr>
-        <p:blipFill>
-          <a:blip r:embed="rId9" cstate="print">
-            <a:extLst>
-              <a:ext uri="{28A0092B-C50C-407E-A947-70E740481C1C}">
-                <a14:useLocalDpi xmlns:a14="http://schemas.microsoft.com/office/drawing/2010/main" val="0"/>
-              </a:ext>
-            </a:extLst>
-          </a:blip>
-          <a:stretch>
-            <a:fillRect/>
-          </a:stretch>
-        </p:blipFill>
-        <p:spPr>
-          <a:xfrm>
-            <a:off x="2356537" y="8461362"/>
-            <a:ext cx="109843" cy="144016"/>
-          </a:xfrm>
-          <a:prstGeom prst="rect">
-            <a:avLst/>
-          </a:prstGeom>
-        </p:spPr>
-      </p:pic>
-      <p:pic>
-        <p:nvPicPr>
-          <p:cNvPr id="29" name="Bild 28" descr="Screen Shot 2016-05-24 at 18.24.13.png"/>
-          <p:cNvPicPr>
-            <a:picLocks noChangeAspect="1"/>
-          </p:cNvPicPr>
-          <p:nvPr/>
-        </p:nvPicPr>
-        <p:blipFill>
-          <a:blip r:embed="rId9" cstate="print">
-            <a:extLst>
-              <a:ext uri="{28A0092B-C50C-407E-A947-70E740481C1C}">
-                <a14:useLocalDpi xmlns:a14="http://schemas.microsoft.com/office/drawing/2010/main" val="0"/>
-              </a:ext>
-            </a:extLst>
-          </a:blip>
-          <a:stretch>
-            <a:fillRect/>
-          </a:stretch>
-        </p:blipFill>
-        <p:spPr>
-          <a:xfrm>
-            <a:off x="3436657" y="8461362"/>
-            <a:ext cx="109843" cy="144016"/>
-          </a:xfrm>
-          <a:prstGeom prst="rect">
-            <a:avLst/>
-          </a:prstGeom>
-        </p:spPr>
-      </p:pic>
       <p:grpSp>
         <p:nvGrpSpPr>
           <p:cNvPr id="17" name="Gruppierung 16"/>
@@ -53751,7 +52711,7 @@
         </p:nvGrpSpPr>
         <p:grpSpPr>
           <a:xfrm>
-            <a:off x="688144" y="9611875"/>
+            <a:off x="767410" y="11981141"/>
             <a:ext cx="1994260" cy="1225751"/>
             <a:chOff x="3546500" y="8702515"/>
             <a:chExt cx="6854800" cy="4394103"/>
@@ -53766,7 +52726,7 @@
             <p:nvPr/>
           </p:nvPicPr>
           <p:blipFill>
-            <a:blip r:embed="rId10" cstate="print">
+            <a:blip r:embed="rId5" cstate="print">
               <a:extLst>
                 <a:ext uri="{28A0092B-C50C-407E-A947-70E740481C1C}">
                   <a14:useLocalDpi xmlns:a14="http://schemas.microsoft.com/office/drawing/2010/main" val="0"/>
@@ -53842,7 +52802,7 @@
           <p:nvPr/>
         </p:nvPicPr>
         <p:blipFill>
-          <a:blip r:embed="rId11" cstate="print">
+          <a:blip r:embed="rId6" cstate="print">
             <a:extLst>
               <a:ext uri="{28A0092B-C50C-407E-A947-70E740481C1C}">
                 <a14:useLocalDpi xmlns:a14="http://schemas.microsoft.com/office/drawing/2010/main" val="0"/>
@@ -53855,7 +52815,7 @@
         </p:blipFill>
         <p:spPr>
           <a:xfrm>
-            <a:off x="3053050" y="9469474"/>
+            <a:off x="3071314" y="11857743"/>
             <a:ext cx="1861602" cy="1475520"/>
           </a:xfrm>
           <a:prstGeom prst="rect">
@@ -53863,6 +52823,171 @@
           </a:prstGeom>
         </p:spPr>
       </p:pic>
+      <p:pic>
+        <p:nvPicPr>
+          <p:cNvPr id="32" name="Inhaltsplatzhalter 1"/>
+          <p:cNvPicPr>
+            <a:picLocks noChangeAspect="1"/>
+          </p:cNvPicPr>
+          <p:nvPr/>
+        </p:nvPicPr>
+        <p:blipFill>
+          <a:blip r:embed="rId7" cstate="print">
+            <a:extLst>
+              <a:ext uri="{28A0092B-C50C-407E-A947-70E740481C1C}">
+                <a14:useLocalDpi xmlns:a14="http://schemas.microsoft.com/office/drawing/2010/main" val="0"/>
+              </a:ext>
+            </a:extLst>
+          </a:blip>
+          <a:stretch>
+            <a:fillRect/>
+          </a:stretch>
+        </p:blipFill>
+        <p:spPr>
+          <a:xfrm>
+            <a:off x="8120981" y="5516263"/>
+            <a:ext cx="2448272" cy="3256439"/>
+          </a:xfrm>
+          <a:prstGeom prst="rect">
+            <a:avLst/>
+          </a:prstGeom>
+        </p:spPr>
+      </p:pic>
+      <p:grpSp>
+        <p:nvGrpSpPr>
+          <p:cNvPr id="33" name="Group 32"/>
+          <p:cNvGrpSpPr/>
+          <p:nvPr/>
+        </p:nvGrpSpPr>
+        <p:grpSpPr>
+          <a:xfrm>
+            <a:off x="960831" y="9800442"/>
+            <a:ext cx="3276364" cy="715190"/>
+            <a:chOff x="710850" y="8162013"/>
+            <a:chExt cx="3276364" cy="715190"/>
+          </a:xfrm>
+        </p:grpSpPr>
+        <p:pic>
+          <p:nvPicPr>
+            <p:cNvPr id="35" name="Bild 2" descr="Screen Shot 2016-05-24 at 18.10.55.png"/>
+            <p:cNvPicPr>
+              <a:picLocks noChangeAspect="1"/>
+            </p:cNvPicPr>
+            <p:nvPr/>
+          </p:nvPicPr>
+          <p:blipFill>
+            <a:blip r:embed="rId8" cstate="print">
+              <a:extLst>
+                <a:ext uri="{28A0092B-C50C-407E-A947-70E740481C1C}">
+                  <a14:useLocalDpi xmlns:a14="http://schemas.microsoft.com/office/drawing/2010/main" val="0"/>
+                </a:ext>
+              </a:extLst>
+            </a:blip>
+            <a:stretch>
+              <a:fillRect/>
+            </a:stretch>
+          </p:blipFill>
+          <p:spPr>
+            <a:xfrm>
+              <a:off x="710850" y="8162013"/>
+              <a:ext cx="3276364" cy="468052"/>
+            </a:xfrm>
+            <a:prstGeom prst="rect">
+              <a:avLst/>
+            </a:prstGeom>
+          </p:spPr>
+        </p:pic>
+        <p:pic>
+          <p:nvPicPr>
+            <p:cNvPr id="36" name="Bild 6" descr="Screen Shot 2016-05-24 at 18.17.44.png"/>
+            <p:cNvPicPr>
+              <a:picLocks noChangeAspect="1"/>
+            </p:cNvPicPr>
+            <p:nvPr/>
+          </p:nvPicPr>
+          <p:blipFill>
+            <a:blip r:embed="rId9" cstate="print">
+              <a:extLst>
+                <a:ext uri="{28A0092B-C50C-407E-A947-70E740481C1C}">
+                  <a14:useLocalDpi xmlns:a14="http://schemas.microsoft.com/office/drawing/2010/main" val="0"/>
+                </a:ext>
+              </a:extLst>
+            </a:blip>
+            <a:stretch>
+              <a:fillRect/>
+            </a:stretch>
+          </p:blipFill>
+          <p:spPr>
+            <a:xfrm>
+              <a:off x="1135472" y="8648158"/>
+              <a:ext cx="2050988" cy="229045"/>
+            </a:xfrm>
+            <a:prstGeom prst="rect">
+              <a:avLst/>
+            </a:prstGeom>
+          </p:spPr>
+        </p:pic>
+        <p:pic>
+          <p:nvPicPr>
+            <p:cNvPr id="37" name="Bild 9" descr="Screen Shot 2016-05-24 at 18.24.13.png"/>
+            <p:cNvPicPr>
+              <a:picLocks noChangeAspect="1"/>
+            </p:cNvPicPr>
+            <p:nvPr/>
+          </p:nvPicPr>
+          <p:blipFill>
+            <a:blip r:embed="rId10" cstate="print">
+              <a:extLst>
+                <a:ext uri="{28A0092B-C50C-407E-A947-70E740481C1C}">
+                  <a14:useLocalDpi xmlns:a14="http://schemas.microsoft.com/office/drawing/2010/main" val="0"/>
+                </a:ext>
+              </a:extLst>
+            </a:blip>
+            <a:stretch>
+              <a:fillRect/>
+            </a:stretch>
+          </p:blipFill>
+          <p:spPr>
+            <a:xfrm>
+              <a:off x="1686966" y="8561495"/>
+              <a:ext cx="109843" cy="144016"/>
+            </a:xfrm>
+            <a:prstGeom prst="rect">
+              <a:avLst/>
+            </a:prstGeom>
+          </p:spPr>
+        </p:pic>
+        <p:pic>
+          <p:nvPicPr>
+            <p:cNvPr id="38" name="Bild 28" descr="Screen Shot 2016-05-24 at 18.24.13.png"/>
+            <p:cNvPicPr>
+              <a:picLocks noChangeAspect="1"/>
+            </p:cNvPicPr>
+            <p:nvPr/>
+          </p:nvPicPr>
+          <p:blipFill>
+            <a:blip r:embed="rId10" cstate="print">
+              <a:extLst>
+                <a:ext uri="{28A0092B-C50C-407E-A947-70E740481C1C}">
+                  <a14:useLocalDpi xmlns:a14="http://schemas.microsoft.com/office/drawing/2010/main" val="0"/>
+                </a:ext>
+              </a:extLst>
+            </a:blip>
+            <a:stretch>
+              <a:fillRect/>
+            </a:stretch>
+          </p:blipFill>
+          <p:spPr>
+            <a:xfrm>
+              <a:off x="2865320" y="8521686"/>
+              <a:ext cx="109843" cy="144016"/>
+            </a:xfrm>
+            <a:prstGeom prst="rect">
+              <a:avLst/>
+            </a:prstGeom>
+          </p:spPr>
+        </p:pic>
+      </p:grpSp>
     </p:spTree>
     <p:extLst>
       <p:ext uri="{BB962C8B-B14F-4D97-AF65-F5344CB8AC3E}">

--- a/poster/poster.pptx
+++ b/poster/poster.pptx
@@ -48756,7 +48756,7 @@
             </a:r>
             <a:r>
               <a:rPr lang="en-GB" sz="1100" dirty="0" smtClean="0"/>
-              <a:t>Problem</a:t>
+              <a:t>Problem (Fig. 3)</a:t>
             </a:r>
           </a:p>
           <a:p>
@@ -48817,22 +48817,39 @@
             <a:endParaRPr lang="en-GB" sz="1100" dirty="0"/>
           </a:p>
           <a:p>
+            <a:pPr marL="171450" indent="-171450">
+              <a:buFont typeface="Arial" panose="020B0604020202020204" pitchFamily="34" charset="0"/>
+              <a:buChar char="•"/>
+            </a:pPr>
+            <a:r>
+              <a:rPr lang="en-GB" sz="1100" dirty="0" smtClean="0"/>
+              <a:t>Neural </a:t>
+            </a:r>
             <a:r>
               <a:rPr lang="en-GB" sz="1100" dirty="0"/>
-              <a:t>1.    Neural Network: Non-Linear Activation</a:t>
-            </a:r>
-          </a:p>
-          <a:p>
+              <a:t>Network: </a:t>
+            </a:r>
+            <a:r>
+              <a:rPr lang="en-GB" sz="1100" dirty="0" smtClean="0"/>
+              <a:t>Non-linear activation function </a:t>
+            </a:r>
             <a:r>
               <a:rPr lang="en-GB" sz="1100" dirty="0"/>
-              <a:t>       Function applied to Input to create</a:t>
-            </a:r>
-          </a:p>
-          <a:p>
+              <a:t>applied to </a:t>
+            </a:r>
+            <a:r>
+              <a:rPr lang="en-GB" sz="1100" dirty="0" smtClean="0"/>
+              <a:t>input </a:t>
+            </a:r>
             <a:r>
               <a:rPr lang="en-GB" sz="1100" dirty="0"/>
-              <a:t>       Non-Linear Output</a:t>
-            </a:r>
+              <a:t>to </a:t>
+            </a:r>
+            <a:r>
+              <a:rPr lang="en-GB" sz="1100" dirty="0" smtClean="0"/>
+              <a:t>create non-linear output (Fig. 4)</a:t>
+            </a:r>
+            <a:endParaRPr lang="en-GB" sz="1100" dirty="0"/>
           </a:p>
           <a:p>
             <a:pPr marL="228600" indent="-228600">
@@ -48865,33 +48882,40 @@
             <a:endParaRPr lang="en-GB" sz="1100" dirty="0" smtClean="0"/>
           </a:p>
           <a:p>
-            <a:endParaRPr lang="en-GB" sz="1100" dirty="0"/>
-          </a:p>
-          <a:p>
-            <a:pPr marL="228600" indent="-228600">
-              <a:buAutoNum type="arabicPeriod" startAt="2"/>
-            </a:pPr>
-            <a:r>
-              <a:rPr lang="en-GB" sz="1100" dirty="0"/>
-              <a:t>Deep Neural Network: Multiple Connected Layers of weights,</a:t>
-            </a:r>
-          </a:p>
-          <a:p>
-            <a:r>
-              <a:rPr lang="en-GB" sz="1100" dirty="0"/>
-              <a:t>       which are </a:t>
-            </a:r>
-            <a:r>
-              <a:rPr lang="en-GB" sz="1100" dirty="0" smtClean="0"/>
-              <a:t>trained</a:t>
-            </a:r>
+            <a:endParaRPr lang="en-GB" sz="1100" dirty="0" smtClean="0"/>
           </a:p>
           <a:p>
             <a:endParaRPr lang="en-GB" sz="1100" dirty="0"/>
           </a:p>
           <a:p>
-            <a:pPr marL="228600" indent="-228600">
-              <a:buAutoNum type="arabicPeriod" startAt="3"/>
+            <a:pPr marL="171450" indent="-171450">
+              <a:buFont typeface="Arial" panose="020B0604020202020204" pitchFamily="34" charset="0"/>
+              <a:buChar char="•"/>
+            </a:pPr>
+            <a:r>
+              <a:rPr lang="en-GB" sz="1100" dirty="0"/>
+              <a:t>Deep Neural Network: Multiple Connected Layers of </a:t>
+            </a:r>
+            <a:r>
+              <a:rPr lang="en-GB" sz="1100" dirty="0" smtClean="0"/>
+              <a:t>weights, which </a:t>
+            </a:r>
+            <a:r>
+              <a:rPr lang="en-GB" sz="1100" dirty="0"/>
+              <a:t>are </a:t>
+            </a:r>
+            <a:r>
+              <a:rPr lang="en-GB" sz="1100" dirty="0" smtClean="0"/>
+              <a:t>trained</a:t>
+            </a:r>
+          </a:p>
+          <a:p>
+            <a:endParaRPr lang="en-GB" sz="1100" dirty="0"/>
+          </a:p>
+          <a:p>
+            <a:pPr marL="171450" indent="-171450">
+              <a:buFont typeface="Arial" panose="020B0604020202020204" pitchFamily="34" charset="0"/>
+              <a:buChar char="•"/>
             </a:pPr>
             <a:r>
               <a:rPr lang="en-GB" sz="1100" dirty="0"/>
@@ -48903,8 +48927,17 @@
             </a:r>
             <a:r>
               <a:rPr lang="en-GB" sz="1100" dirty="0"/>
-              <a:t>a  stack of voxel or a activation map</a:t>
-            </a:r>
+              <a:t>a  stack of voxel or a activation </a:t>
+            </a:r>
+            <a:r>
+              <a:rPr lang="en-GB" sz="1100" dirty="0" smtClean="0"/>
+              <a:t>map (Fig. </a:t>
+            </a:r>
+            <a:r>
+              <a:rPr lang="en-GB" sz="1100" smtClean="0"/>
+              <a:t>5)</a:t>
+            </a:r>
+            <a:endParaRPr lang="en-GB" sz="1100" dirty="0"/>
           </a:p>
           <a:p>
             <a:endParaRPr lang="en-GB" sz="1100" i="1" dirty="0"/>
@@ -50351,6 +50384,28 @@
               </a:rPr>
               <a:t>/ </a:t>
             </a:r>
+            <a:endParaRPr lang="de-DE" sz="600" b="1" dirty="0" smtClean="0">
+              <a:latin typeface="Arial (Textkörper)"/>
+              <a:cs typeface="Arial (Textkörper)"/>
+            </a:endParaRPr>
+          </a:p>
+          <a:p>
+            <a:pPr>
+              <a:lnSpc>
+                <a:spcPct val="120000"/>
+              </a:lnSpc>
+            </a:pPr>
+            <a:r>
+              <a:rPr lang="de-DE" sz="600" b="1" dirty="0" smtClean="0">
+                <a:latin typeface="Arial (Textkörper)"/>
+                <a:cs typeface="Arial (Textkörper)"/>
+              </a:rPr>
+              <a:t>[4] Udacity Deep Learning course</a:t>
+            </a:r>
+            <a:endParaRPr lang="de-DE" sz="600" b="1" dirty="0" smtClean="0">
+              <a:latin typeface="Arial (Textkörper)"/>
+              <a:cs typeface="Arial (Textkörper)"/>
+            </a:endParaRPr>
           </a:p>
         </p:txBody>
       </p:sp>
@@ -51288,7 +51343,7 @@
         </p:blipFill>
         <p:spPr>
           <a:xfrm>
-            <a:off x="3585379" y="5039725"/>
+            <a:off x="3585379" y="4932970"/>
             <a:ext cx="1631064" cy="823749"/>
           </a:xfrm>
           <a:prstGeom prst="rect">
@@ -52368,8 +52423,8 @@
         </p:blipFill>
         <p:spPr>
           <a:xfrm>
-            <a:off x="1278249" y="7368536"/>
-            <a:ext cx="2412268" cy="1391606"/>
+            <a:off x="1278248" y="7368535"/>
+            <a:ext cx="2664295" cy="1536997"/>
           </a:xfrm>
           <a:prstGeom prst="rect">
             <a:avLst/>
@@ -52861,8 +52916,8 @@
         </p:nvGrpSpPr>
         <p:grpSpPr>
           <a:xfrm>
-            <a:off x="960831" y="9800442"/>
-            <a:ext cx="3276364" cy="715190"/>
+            <a:off x="1048852" y="9685498"/>
+            <a:ext cx="3721845" cy="812433"/>
             <a:chOff x="710850" y="8162013"/>
             <a:chExt cx="3276364" cy="715190"/>
           </a:xfrm>
@@ -52988,6 +53043,205 @@
           </p:spPr>
         </p:pic>
       </p:grpSp>
+      <p:sp>
+        <p:nvSpPr>
+          <p:cNvPr id="13" name="TextBox 12"/>
+          <p:cNvSpPr txBox="1"/>
+          <p:nvPr/>
+        </p:nvSpPr>
+        <p:spPr>
+          <a:xfrm>
+            <a:off x="3745998" y="5636274"/>
+            <a:ext cx="1384677" cy="216024"/>
+          </a:xfrm>
+          <a:prstGeom prst="rect">
+            <a:avLst/>
+          </a:prstGeom>
+          <a:noFill/>
+        </p:spPr>
+        <p:txBody>
+          <a:bodyPr wrap="square" lIns="0" tIns="0" rIns="0" bIns="0" rtlCol="0">
+            <a:noAutofit/>
+          </a:bodyPr>
+          <a:lstStyle/>
+          <a:p>
+            <a:r>
+              <a:rPr lang="de-CH" sz="850" dirty="0" smtClean="0">
+                <a:solidFill>
+                  <a:schemeClr val="accent1"/>
+                </a:solidFill>
+              </a:rPr>
+              <a:t>Fig. 2: voxelized models;</a:t>
+            </a:r>
+            <a:br>
+              <a:rPr lang="de-CH" sz="850" dirty="0" smtClean="0">
+                <a:solidFill>
+                  <a:schemeClr val="accent1"/>
+                </a:solidFill>
+              </a:rPr>
+            </a:br>
+            <a:r>
+              <a:rPr lang="de-CH" sz="850" dirty="0" smtClean="0">
+                <a:solidFill>
+                  <a:schemeClr val="accent1"/>
+                </a:solidFill>
+              </a:rPr>
+              <a:t>Source: Voxnet paper [1]</a:t>
+            </a:r>
+            <a:endParaRPr lang="de-CH" sz="850" dirty="0">
+              <a:solidFill>
+                <a:schemeClr val="accent1"/>
+              </a:solidFill>
+            </a:endParaRPr>
+          </a:p>
+        </p:txBody>
+      </p:sp>
+      <p:sp>
+        <p:nvSpPr>
+          <p:cNvPr id="41" name="TextBox 40"/>
+          <p:cNvSpPr txBox="1"/>
+          <p:nvPr/>
+        </p:nvSpPr>
+        <p:spPr>
+          <a:xfrm>
+            <a:off x="1350256" y="10621602"/>
+            <a:ext cx="2265206" cy="216024"/>
+          </a:xfrm>
+          <a:prstGeom prst="rect">
+            <a:avLst/>
+          </a:prstGeom>
+          <a:noFill/>
+        </p:spPr>
+        <p:txBody>
+          <a:bodyPr wrap="square" lIns="0" tIns="0" rIns="0" bIns="0" rtlCol="0">
+            <a:noAutofit/>
+          </a:bodyPr>
+          <a:lstStyle/>
+          <a:p>
+            <a:r>
+              <a:rPr lang="de-CH" sz="850" dirty="0" smtClean="0">
+                <a:solidFill>
+                  <a:schemeClr val="accent1"/>
+                </a:solidFill>
+              </a:rPr>
+              <a:t>Fig. 4: Relu; Source: Udacity [4]</a:t>
+            </a:r>
+            <a:endParaRPr lang="de-CH" sz="850" dirty="0">
+              <a:solidFill>
+                <a:schemeClr val="accent1"/>
+              </a:solidFill>
+            </a:endParaRPr>
+          </a:p>
+        </p:txBody>
+      </p:sp>
+      <p:sp>
+        <p:nvSpPr>
+          <p:cNvPr id="43" name="TextBox 42"/>
+          <p:cNvSpPr txBox="1"/>
+          <p:nvPr/>
+        </p:nvSpPr>
+        <p:spPr>
+          <a:xfrm>
+            <a:off x="1764540" y="8966748"/>
+            <a:ext cx="3363471" cy="216024"/>
+          </a:xfrm>
+          <a:prstGeom prst="rect">
+            <a:avLst/>
+          </a:prstGeom>
+          <a:noFill/>
+        </p:spPr>
+        <p:txBody>
+          <a:bodyPr wrap="square" lIns="0" tIns="0" rIns="0" bIns="0" rtlCol="0">
+            <a:noAutofit/>
+          </a:bodyPr>
+          <a:lstStyle/>
+          <a:p>
+            <a:r>
+              <a:rPr lang="de-CH" sz="850" dirty="0" smtClean="0">
+                <a:solidFill>
+                  <a:schemeClr val="accent1"/>
+                </a:solidFill>
+              </a:rPr>
+              <a:t>Fig. 3: </a:t>
+            </a:r>
+            <a:r>
+              <a:rPr lang="de-CH" sz="850" dirty="0">
+                <a:solidFill>
+                  <a:schemeClr val="accent1"/>
+                </a:solidFill>
+              </a:rPr>
+              <a:t>Classification </a:t>
+            </a:r>
+            <a:r>
+              <a:rPr lang="de-CH" sz="850" dirty="0" smtClean="0">
+                <a:solidFill>
+                  <a:schemeClr val="accent1"/>
+                </a:solidFill>
+              </a:rPr>
+              <a:t>problem; Source</a:t>
+            </a:r>
+            <a:r>
+              <a:rPr lang="de-CH" sz="850" dirty="0">
+                <a:solidFill>
+                  <a:schemeClr val="accent1"/>
+                </a:solidFill>
+              </a:rPr>
+              <a:t>: </a:t>
+            </a:r>
+            <a:r>
+              <a:rPr lang="de-CH" sz="850" dirty="0" smtClean="0">
+                <a:solidFill>
+                  <a:schemeClr val="accent1"/>
+                </a:solidFill>
+              </a:rPr>
+              <a:t>Udacity [4]</a:t>
+            </a:r>
+            <a:endParaRPr lang="de-CH" sz="850" dirty="0">
+              <a:solidFill>
+                <a:schemeClr val="accent1"/>
+              </a:solidFill>
+            </a:endParaRPr>
+          </a:p>
+        </p:txBody>
+      </p:sp>
+      <p:sp>
+        <p:nvSpPr>
+          <p:cNvPr id="45" name="TextBox 44"/>
+          <p:cNvSpPr txBox="1"/>
+          <p:nvPr/>
+        </p:nvSpPr>
+        <p:spPr>
+          <a:xfrm>
+            <a:off x="1048852" y="13404585"/>
+            <a:ext cx="2265206" cy="216024"/>
+          </a:xfrm>
+          <a:prstGeom prst="rect">
+            <a:avLst/>
+          </a:prstGeom>
+          <a:noFill/>
+        </p:spPr>
+        <p:txBody>
+          <a:bodyPr wrap="square" lIns="0" tIns="0" rIns="0" bIns="0" rtlCol="0">
+            <a:noAutofit/>
+          </a:bodyPr>
+          <a:lstStyle/>
+          <a:p>
+            <a:r>
+              <a:rPr lang="de-CH" sz="850" dirty="0" smtClean="0">
+                <a:solidFill>
+                  <a:schemeClr val="accent1"/>
+                </a:solidFill>
+              </a:rPr>
+              <a:t>Fig. 5: Convolution; Source: Udacity [4]</a:t>
+            </a:r>
+            <a:endParaRPr lang="de-CH" sz="850" dirty="0">
+              <a:solidFill>
+                <a:schemeClr val="accent1"/>
+              </a:solidFill>
+            </a:endParaRPr>
+          </a:p>
+        </p:txBody>
+      </p:sp>
     </p:spTree>
     <p:extLst>
       <p:ext uri="{BB962C8B-B14F-4D97-AF65-F5344CB8AC3E}">

--- a/poster/poster.pptx
+++ b/poster/poster.pptx
@@ -48459,8 +48459,8 @@
         </p:nvSpPr>
         <p:spPr>
           <a:xfrm>
-            <a:off x="501370" y="4785526"/>
-            <a:ext cx="4715073" cy="9829091"/>
+            <a:off x="501370" y="4785527"/>
+            <a:ext cx="4715073" cy="9616494"/>
           </a:xfrm>
           <a:prstGeom prst="rect">
             <a:avLst/>
@@ -48931,11 +48931,7 @@
             </a:r>
             <a:r>
               <a:rPr lang="en-GB" sz="1100" dirty="0" smtClean="0"/>
-              <a:t>map (Fig. </a:t>
-            </a:r>
-            <a:r>
-              <a:rPr lang="en-GB" sz="1100" smtClean="0"/>
-              <a:t>5)</a:t>
+              <a:t>map (Fig. 5)</a:t>
             </a:r>
             <a:endParaRPr lang="en-GB" sz="1100" dirty="0"/>
           </a:p>
@@ -48960,8 +48956,8 @@
         </p:nvSpPr>
         <p:spPr>
           <a:xfrm>
-            <a:off x="5526720" y="8389354"/>
-            <a:ext cx="4716463" cy="3034114"/>
+            <a:off x="5526720" y="8577746"/>
+            <a:ext cx="4716463" cy="4195366"/>
           </a:xfrm>
           <a:prstGeom prst="rect">
             <a:avLst/>
@@ -49129,7 +49125,7 @@
           </a:lstStyle>
           <a:p>
             <a:r>
-              <a:rPr lang="en-US" b="1" dirty="0" smtClean="0"/>
+              <a:rPr lang="en-US" sz="1200" b="1" dirty="0" smtClean="0"/>
               <a:t>Training</a:t>
             </a:r>
           </a:p>
@@ -49139,7 +49135,7 @@
                 <a:spcPct val="50000"/>
               </a:lnSpc>
             </a:pPr>
-            <a:endParaRPr lang="en-US" b="1" dirty="0"/>
+            <a:endParaRPr lang="en-US" sz="1100" b="1" dirty="0"/>
           </a:p>
           <a:p>
             <a:pPr marL="171450" indent="-171450">
@@ -49147,29 +49143,40 @@
               <a:buChar char="•"/>
             </a:pPr>
             <a:r>
-              <a:rPr lang="de-CH" dirty="0" smtClean="0"/>
+              <a:rPr lang="de-CH" sz="1100" dirty="0" smtClean="0"/>
               <a:t>The </a:t>
             </a:r>
             <a:r>
-              <a:rPr lang="de-CH" dirty="0"/>
+              <a:rPr lang="de-CH" sz="1100" dirty="0"/>
               <a:t>training process takes around </a:t>
             </a:r>
             <a:r>
-              <a:rPr lang="de-CH" dirty="0" smtClean="0"/>
+              <a:rPr lang="de-CH" sz="1100" dirty="0" smtClean="0"/>
               <a:t>9 </a:t>
             </a:r>
             <a:r>
-              <a:rPr lang="de-CH" dirty="0"/>
+              <a:rPr lang="de-CH" sz="1100" dirty="0"/>
               <a:t>to </a:t>
             </a:r>
             <a:r>
-              <a:rPr lang="de-CH" dirty="0" smtClean="0"/>
+              <a:rPr lang="de-CH" sz="1100" dirty="0" smtClean="0"/>
               <a:t>20 </a:t>
             </a:r>
             <a:r>
-              <a:rPr lang="de-CH" dirty="0"/>
-              <a:t>hours on a NVIDIA GTX 980TI (6GB) GPU depending on the size of the dataset</a:t>
-            </a:r>
+              <a:rPr lang="de-CH" sz="1100" dirty="0"/>
+              <a:t>hours on a NVIDIA GTX 980TI (6GB) GPU depending on the size of the </a:t>
+            </a:r>
+            <a:r>
+              <a:rPr lang="de-CH" sz="1100" dirty="0" smtClean="0"/>
+              <a:t>dataset</a:t>
+            </a:r>
+          </a:p>
+          <a:p>
+            <a:pPr marL="171450" indent="-171450">
+              <a:buFont typeface="Arial"/>
+              <a:buChar char="•"/>
+            </a:pPr>
+            <a:endParaRPr lang="de-CH" sz="1100" dirty="0"/>
           </a:p>
           <a:p>
             <a:pPr>
@@ -49177,38 +49184,21 @@
                 <a:spcPct val="50000"/>
               </a:lnSpc>
             </a:pPr>
-            <a:endParaRPr lang="en-US" dirty="0"/>
+            <a:endParaRPr lang="en-US" sz="1100" dirty="0"/>
           </a:p>
           <a:p>
             <a:r>
-              <a:rPr lang="de-CH" b="1" dirty="0" err="1" smtClean="0"/>
+              <a:rPr lang="de-CH" sz="1200" b="1" dirty="0" err="1" smtClean="0"/>
               <a:t>Results</a:t>
             </a:r>
-            <a:endParaRPr lang="de-CH" b="1" dirty="0" smtClean="0"/>
-          </a:p>
-          <a:p>
-            <a:endParaRPr lang="de-CH" b="1" dirty="0"/>
+            <a:endParaRPr lang="de-CH" sz="1200" b="1" dirty="0" smtClean="0"/>
           </a:p>
           <a:p>
             <a:pPr marL="171450" indent="-171450">
               <a:buFont typeface="Arial"/>
               <a:buChar char="•"/>
             </a:pPr>
-            <a:r>
-              <a:rPr lang="en-GB" i="1" dirty="0"/>
-              <a:t>Contribution </a:t>
-            </a:r>
-            <a:r>
-              <a:rPr lang="en-GB" i="1" dirty="0" smtClean="0"/>
-              <a:t>: </a:t>
-            </a:r>
-            <a:r>
-              <a:rPr lang="de-CH" dirty="0" smtClean="0"/>
-              <a:t>The Keras framework with Theano backend in Python were used to implement the neural network. </a:t>
-            </a:r>
-          </a:p>
-          <a:p>
-            <a:endParaRPr lang="de-CH" dirty="0" smtClean="0"/>
+            <a:endParaRPr lang="de-CH" sz="1100" dirty="0" smtClean="0"/>
           </a:p>
           <a:p>
             <a:pPr marL="171450" indent="-171450">
@@ -49216,14 +49206,80 @@
               <a:buChar char="•"/>
             </a:pPr>
             <a:r>
-              <a:rPr lang="de-CH" dirty="0" smtClean="0"/>
-              <a:t>ETH </a:t>
-            </a:r>
-            <a:r>
-              <a:rPr lang="de-CH" dirty="0" smtClean="0"/>
-              <a:t>VoxNet: reimplemented method achieves same result as orignal</a:t>
-            </a:r>
-            <a:endParaRPr lang="de-CH" dirty="0"/>
+              <a:rPr lang="en-US" sz="1100" dirty="0"/>
+              <a:t>Our implementation (ETH </a:t>
+            </a:r>
+            <a:r>
+              <a:rPr lang="en-US" sz="1100" dirty="0" err="1"/>
+              <a:t>VoxNet</a:t>
+            </a:r>
+            <a:r>
+              <a:rPr lang="en-US" sz="1100" dirty="0"/>
+              <a:t>) achieves similar result as the original </a:t>
+            </a:r>
+            <a:r>
+              <a:rPr lang="en-US" sz="1100" dirty="0" err="1"/>
+              <a:t>VoxNet</a:t>
+            </a:r>
+            <a:r>
+              <a:rPr lang="en-US" sz="1100" dirty="0"/>
+              <a:t>[1</a:t>
+            </a:r>
+            <a:r>
+              <a:rPr lang="en-US" sz="1100" dirty="0" smtClean="0"/>
+              <a:t>] (Table 1). </a:t>
+            </a:r>
+          </a:p>
+          <a:p>
+            <a:pPr marL="171450" indent="-171450">
+              <a:buFont typeface="Arial"/>
+              <a:buChar char="•"/>
+            </a:pPr>
+            <a:endParaRPr lang="en-US" sz="1100" dirty="0"/>
+          </a:p>
+          <a:p>
+            <a:pPr marL="171450" indent="-171450">
+              <a:buFont typeface="Arial"/>
+              <a:buChar char="•"/>
+            </a:pPr>
+            <a:r>
+              <a:rPr lang="en-US" sz="1100" dirty="0" smtClean="0"/>
+              <a:t>Classification </a:t>
+            </a:r>
+            <a:r>
+              <a:rPr lang="en-US" sz="1100" dirty="0"/>
+              <a:t>accuracy coincide with the original authors approach for ModelNet10, but for Modelnet40 a significant overfitting was </a:t>
+            </a:r>
+            <a:r>
+              <a:rPr lang="en-US" sz="1100" dirty="0" smtClean="0"/>
+              <a:t>observed.</a:t>
+            </a:r>
+          </a:p>
+          <a:p>
+            <a:pPr marL="171450" indent="-171450">
+              <a:buFont typeface="Arial"/>
+              <a:buChar char="•"/>
+            </a:pPr>
+            <a:endParaRPr lang="en-US" sz="1100" dirty="0"/>
+          </a:p>
+          <a:p>
+            <a:pPr marL="171450" indent="-171450">
+              <a:buFont typeface="Arial"/>
+              <a:buChar char="•"/>
+            </a:pPr>
+            <a:r>
+              <a:rPr lang="en-US" sz="1100" dirty="0"/>
+              <a:t>A possible </a:t>
+            </a:r>
+            <a:r>
+              <a:rPr lang="en-US" sz="1100" dirty="0" smtClean="0"/>
+              <a:t>explanation </a:t>
+            </a:r>
+            <a:r>
+              <a:rPr lang="en-US" sz="1100" dirty="0"/>
+              <a:t>for the bad performance could be that the data was not augmented for multiresolution, since the training time was limited.</a:t>
+            </a:r>
+            <a:endParaRPr lang="de-CH" sz="1100" dirty="0"/>
           </a:p>
           <a:p>
             <a:pPr>
@@ -49327,8 +49383,8 @@
         </p:nvSpPr>
         <p:spPr>
           <a:xfrm>
-            <a:off x="5526720" y="7777286"/>
-            <a:ext cx="4716463" cy="468000"/>
+            <a:off x="5538571" y="8065318"/>
+            <a:ext cx="4716463" cy="512428"/>
           </a:xfrm>
           <a:prstGeom prst="rect">
             <a:avLst/>
@@ -49509,23 +49565,11 @@
                   <a:schemeClr val="tx2"/>
                 </a:solidFill>
               </a:rPr>
-              <a:t>Training &amp; </a:t>
-            </a:r>
-            <a:r>
-              <a:rPr lang="de-CH" dirty="0" err="1" smtClean="0">
-                <a:solidFill>
-                  <a:schemeClr val="tx2"/>
-                </a:solidFill>
-              </a:rPr>
-              <a:t>Results</a:t>
-            </a:r>
-            <a:r>
-              <a:rPr lang="de-CH" dirty="0" smtClean="0">
-                <a:solidFill>
-                  <a:schemeClr val="tx2"/>
-                </a:solidFill>
-              </a:rPr>
-              <a:t> </a:t>
+              <a:t>Results &amp; </a:t>
+            </a:r>
+            <a:r>
+              <a:rPr lang="de-CH" dirty="0"/>
+              <a:t>Conclusion</a:t>
             </a:r>
             <a:endParaRPr lang="de-CH" dirty="0">
               <a:solidFill>
@@ -49537,7 +49581,7 @@
       </p:sp>
       <p:sp>
         <p:nvSpPr>
-          <p:cNvPr id="50" name="Textplatzhalter 2"/>
+          <p:cNvPr id="52" name="Textplatzhalter 2"/>
           <p:cNvSpPr txBox="1">
             <a:spLocks/>
           </p:cNvSpPr>
@@ -49545,7 +49589,7 @@
         </p:nvSpPr>
         <p:spPr>
           <a:xfrm>
-            <a:off x="5526720" y="11413690"/>
+            <a:off x="5514237" y="12688596"/>
             <a:ext cx="4716463" cy="468052"/>
           </a:xfrm>
           <a:prstGeom prst="rect">
@@ -49715,197 +49759,15 @@
           <a:p>
             <a:r>
               <a:rPr lang="de-CH" dirty="0"/>
-              <a:t>5 	</a:t>
-            </a:r>
-            <a:r>
-              <a:rPr lang="de-CH" dirty="0" err="1"/>
-              <a:t>Conclusion</a:t>
-            </a:r>
-            <a:endParaRPr lang="de-CH" dirty="0"/>
-          </a:p>
-        </p:txBody>
-      </p:sp>
-      <p:sp>
-        <p:nvSpPr>
-          <p:cNvPr id="52" name="Textplatzhalter 2"/>
-          <p:cNvSpPr txBox="1">
-            <a:spLocks/>
-          </p:cNvSpPr>
-          <p:nvPr/>
-        </p:nvSpPr>
-        <p:spPr>
-          <a:xfrm>
-            <a:off x="5526087" y="12853850"/>
-            <a:ext cx="4716463" cy="468052"/>
-          </a:xfrm>
-          <a:prstGeom prst="rect">
-            <a:avLst/>
-          </a:prstGeom>
-        </p:spPr>
-        <p:txBody>
-          <a:bodyPr vert="horz" lIns="0" tIns="144000" rIns="0" bIns="0" rtlCol="0">
-            <a:noAutofit/>
-          </a:bodyPr>
-          <a:lstStyle>
-            <a:lvl1pPr marL="0" indent="0" algn="l" defTabSz="1475110" rtl="0" eaLnBrk="1" latinLnBrk="0" hangingPunct="1">
-              <a:lnSpc>
-                <a:spcPts val="2200"/>
-              </a:lnSpc>
-              <a:spcBef>
-                <a:spcPts val="0"/>
-              </a:spcBef>
-              <a:buFont typeface="+mj-lt"/>
-              <a:buNone/>
-              <a:tabLst>
-                <a:tab pos="309563" algn="l"/>
-              </a:tabLst>
-              <a:defRPr sz="1500" b="1" kern="1200">
-                <a:solidFill>
-                  <a:schemeClr val="tx2"/>
-                </a:solidFill>
-                <a:latin typeface="+mn-lt"/>
-                <a:ea typeface="+mn-ea"/>
-                <a:cs typeface="+mn-cs"/>
-              </a:defRPr>
-            </a:lvl1pPr>
-            <a:lvl2pPr marL="180975" indent="-180975" algn="l" defTabSz="1475110" rtl="0" eaLnBrk="1" latinLnBrk="0" hangingPunct="1">
-              <a:lnSpc>
-                <a:spcPts val="1200"/>
-              </a:lnSpc>
-              <a:spcBef>
-                <a:spcPts val="0"/>
-              </a:spcBef>
-              <a:buFont typeface="Arial" panose="020B0604020202020204" pitchFamily="34" charset="0"/>
-              <a:buChar char="–"/>
-              <a:defRPr sz="1000" kern="1200">
-                <a:solidFill>
-                  <a:schemeClr val="tx1"/>
-                </a:solidFill>
-                <a:latin typeface="+mn-lt"/>
-                <a:ea typeface="+mn-ea"/>
-                <a:cs typeface="+mn-cs"/>
-              </a:defRPr>
-            </a:lvl2pPr>
-            <a:lvl3pPr marL="357188" indent="-180975" algn="l" defTabSz="1475110" rtl="0" eaLnBrk="1" latinLnBrk="0" hangingPunct="1">
-              <a:lnSpc>
-                <a:spcPts val="1200"/>
-              </a:lnSpc>
-              <a:spcBef>
-                <a:spcPts val="0"/>
-              </a:spcBef>
-              <a:buFont typeface="Symbol" panose="05050102010706020507" pitchFamily="18" charset="2"/>
-              <a:buChar char="-"/>
-              <a:defRPr sz="1000" kern="1200">
-                <a:solidFill>
-                  <a:schemeClr val="tx1"/>
-                </a:solidFill>
-                <a:latin typeface="+mn-lt"/>
-                <a:ea typeface="+mn-ea"/>
-                <a:cs typeface="+mn-cs"/>
-              </a:defRPr>
-            </a:lvl3pPr>
-            <a:lvl4pPr marL="541338" indent="-182563" algn="l" defTabSz="1475110" rtl="0" eaLnBrk="1" latinLnBrk="0" hangingPunct="1">
-              <a:lnSpc>
-                <a:spcPts val="1200"/>
-              </a:lnSpc>
-              <a:spcBef>
-                <a:spcPts val="0"/>
-              </a:spcBef>
-              <a:buFont typeface="Arial" panose="020B0604020202020204" pitchFamily="34" charset="0"/>
-              <a:buChar char="–"/>
-              <a:defRPr sz="1000" kern="1200">
-                <a:solidFill>
-                  <a:schemeClr val="tx1"/>
-                </a:solidFill>
-                <a:latin typeface="+mn-lt"/>
-                <a:ea typeface="+mn-ea"/>
-                <a:cs typeface="+mn-cs"/>
-              </a:defRPr>
-            </a:lvl4pPr>
-            <a:lvl5pPr marL="714375" indent="-180975" algn="l" defTabSz="1475110" rtl="0" eaLnBrk="1" latinLnBrk="0" hangingPunct="1">
-              <a:lnSpc>
-                <a:spcPts val="1200"/>
-              </a:lnSpc>
-              <a:spcBef>
-                <a:spcPts val="0"/>
-              </a:spcBef>
-              <a:buFont typeface="Symbol" panose="05050102010706020507" pitchFamily="18" charset="2"/>
-              <a:buChar char="-"/>
-              <a:tabLst/>
-              <a:defRPr sz="1000" kern="1200">
-                <a:solidFill>
-                  <a:schemeClr val="tx1"/>
-                </a:solidFill>
-                <a:latin typeface="+mn-lt"/>
-                <a:ea typeface="+mn-ea"/>
-                <a:cs typeface="+mn-cs"/>
-              </a:defRPr>
-            </a:lvl5pPr>
-            <a:lvl6pPr marL="4056553" indent="-368778" algn="l" defTabSz="1475110" rtl="0" eaLnBrk="1" latinLnBrk="0" hangingPunct="1">
-              <a:spcBef>
-                <a:spcPct val="20000"/>
-              </a:spcBef>
-              <a:buFont typeface="Arial" panose="020B0604020202020204" pitchFamily="34" charset="0"/>
-              <a:buChar char="•"/>
-              <a:defRPr sz="3200" kern="1200">
-                <a:solidFill>
-                  <a:schemeClr val="tx1"/>
-                </a:solidFill>
-                <a:latin typeface="+mn-lt"/>
-                <a:ea typeface="+mn-ea"/>
-                <a:cs typeface="+mn-cs"/>
-              </a:defRPr>
-            </a:lvl6pPr>
-            <a:lvl7pPr marL="4794108" indent="-368778" algn="l" defTabSz="1475110" rtl="0" eaLnBrk="1" latinLnBrk="0" hangingPunct="1">
-              <a:spcBef>
-                <a:spcPct val="20000"/>
-              </a:spcBef>
-              <a:buFont typeface="Arial" panose="020B0604020202020204" pitchFamily="34" charset="0"/>
-              <a:buChar char="•"/>
-              <a:defRPr sz="3200" kern="1200">
-                <a:solidFill>
-                  <a:schemeClr val="tx1"/>
-                </a:solidFill>
-                <a:latin typeface="+mn-lt"/>
-                <a:ea typeface="+mn-ea"/>
-                <a:cs typeface="+mn-cs"/>
-              </a:defRPr>
-            </a:lvl7pPr>
-            <a:lvl8pPr marL="5531663" indent="-368778" algn="l" defTabSz="1475110" rtl="0" eaLnBrk="1" latinLnBrk="0" hangingPunct="1">
-              <a:spcBef>
-                <a:spcPct val="20000"/>
-              </a:spcBef>
-              <a:buFont typeface="Arial" panose="020B0604020202020204" pitchFamily="34" charset="0"/>
-              <a:buChar char="•"/>
-              <a:defRPr sz="3200" kern="1200">
-                <a:solidFill>
-                  <a:schemeClr val="tx1"/>
-                </a:solidFill>
-                <a:latin typeface="+mn-lt"/>
-                <a:ea typeface="+mn-ea"/>
-                <a:cs typeface="+mn-cs"/>
-              </a:defRPr>
-            </a:lvl8pPr>
-            <a:lvl9pPr marL="6269218" indent="-368778" algn="l" defTabSz="1475110" rtl="0" eaLnBrk="1" latinLnBrk="0" hangingPunct="1">
-              <a:spcBef>
-                <a:spcPct val="20000"/>
-              </a:spcBef>
-              <a:buFont typeface="Arial" panose="020B0604020202020204" pitchFamily="34" charset="0"/>
-              <a:buChar char="•"/>
-              <a:defRPr sz="3200" kern="1200">
-                <a:solidFill>
-                  <a:schemeClr val="tx1"/>
-                </a:solidFill>
-                <a:latin typeface="+mn-lt"/>
-                <a:ea typeface="+mn-ea"/>
-                <a:cs typeface="+mn-cs"/>
-              </a:defRPr>
-            </a:lvl9pPr>
-          </a:lstStyle>
-          <a:p>
+              <a:t>5</a:t>
+            </a:r>
+            <a:r>
+              <a:rPr lang="de-CH" dirty="0" smtClean="0"/>
+              <a:t> </a:t>
+            </a:r>
             <a:r>
               <a:rPr lang="de-CH" dirty="0"/>
-              <a:t>6 	References</a:t>
+              <a:t>	References</a:t>
             </a:r>
           </a:p>
         </p:txBody>
@@ -49920,8 +49782,8 @@
         </p:nvSpPr>
         <p:spPr>
           <a:xfrm>
-            <a:off x="5526088" y="13391105"/>
-            <a:ext cx="4716462" cy="1226941"/>
+            <a:off x="5526088" y="13205160"/>
+            <a:ext cx="4716462" cy="1196861"/>
           </a:xfrm>
           <a:prstGeom prst="rect">
             <a:avLst/>
@@ -50588,8 +50450,12 @@
           </a:lstStyle>
           <a:p>
             <a:r>
+              <a:rPr lang="de-CH" smtClean="0"/>
+              <a:t>3 Voxnet &amp; </a:t>
+            </a:r>
+            <a:r>
               <a:rPr lang="de-CH" dirty="0" smtClean="0"/>
-              <a:t>Voxnet and Implementation</a:t>
+              <a:t>Implementation</a:t>
             </a:r>
             <a:endParaRPr lang="de-CH" dirty="0"/>
           </a:p>
@@ -50606,7 +50472,7 @@
         <p:spPr>
           <a:xfrm>
             <a:off x="5528110" y="4788954"/>
-            <a:ext cx="4715073" cy="3024336"/>
+            <a:ext cx="4715073" cy="3289524"/>
           </a:xfrm>
           <a:prstGeom prst="rect">
             <a:avLst/>
@@ -50774,12 +50640,8 @@
           </a:lstStyle>
           <a:p>
             <a:r>
-              <a:rPr lang="en-GB" sz="1100" dirty="0" smtClean="0"/>
-              <a:t>Sequence </a:t>
-            </a:r>
-            <a:r>
               <a:rPr lang="en-GB" sz="1100" dirty="0"/>
-              <a:t>of Multiple Convolutional Layer, Max Pooling Layers, followed by Fully Connected Layers</a:t>
+              <a:t>Sequence of Multiple Convolutional Layer, Max Pooling Layers, followed by Fully Connected Layers</a:t>
             </a:r>
           </a:p>
           <a:p>
@@ -50872,12 +50734,17 @@
           <a:p>
             <a:r>
               <a:rPr lang="en-GB" sz="1100" dirty="0"/>
-              <a:t>     views of same </a:t>
-            </a:r>
-            <a:r>
-              <a:rPr lang="en-GB" sz="1100" dirty="0" smtClean="0"/>
-              <a:t>object</a:t>
-            </a:r>
+              <a:t>     views of same object</a:t>
+            </a:r>
+          </a:p>
+          <a:p>
+            <a:endParaRPr lang="de-CH" sz="1100" b="1" dirty="0"/>
+          </a:p>
+          <a:p>
+            <a:endParaRPr lang="de-CH" sz="1100" b="1" dirty="0"/>
+          </a:p>
+          <a:p>
+            <a:endParaRPr lang="de-CH" sz="1100" b="1" dirty="0"/>
           </a:p>
           <a:p>
             <a:endParaRPr lang="de-CH" sz="1100" b="1" dirty="0"/>
@@ -51648,32 +51515,6 @@
           </a:p>
         </p:txBody>
       </p:sp>
-      <p:sp>
-        <p:nvSpPr>
-          <p:cNvPr id="6" name="Textfeld 5"/>
-          <p:cNvSpPr txBox="1"/>
-          <p:nvPr/>
-        </p:nvSpPr>
-        <p:spPr>
-          <a:xfrm>
-            <a:off x="4940300" y="14452600"/>
-            <a:ext cx="914400" cy="914400"/>
-          </a:xfrm>
-          <a:prstGeom prst="rect">
-            <a:avLst/>
-          </a:prstGeom>
-          <a:noFill/>
-        </p:spPr>
-        <p:txBody>
-          <a:bodyPr wrap="none" lIns="0" tIns="0" rIns="0" bIns="0" rtlCol="0">
-            <a:noAutofit/>
-          </a:bodyPr>
-          <a:lstStyle/>
-          <a:p>
-            <a:endParaRPr lang="de-DE" sz="600" dirty="0"/>
-          </a:p>
-        </p:txBody>
-      </p:sp>
       <p:graphicFrame>
         <p:nvGraphicFramePr>
           <p:cNvPr id="11" name="Tabelle 10"/>
@@ -51683,14 +51524,14 @@
           <p:nvPr>
             <p:extLst>
               <p:ext uri="{D42A27DB-BD31-4B8C-83A1-F6EECF244321}">
-                <p14:modId xmlns:p14="http://schemas.microsoft.com/office/powerpoint/2010/main" val="545030033"/>
+                <p14:modId xmlns:p14="http://schemas.microsoft.com/office/powerpoint/2010/main" val="3149008719"/>
               </p:ext>
             </p:extLst>
           </p:nvPr>
         </p:nvGraphicFramePr>
         <p:xfrm>
-          <a:off x="6282803" y="10273470"/>
-          <a:ext cx="3204357" cy="1219200"/>
+          <a:off x="6184208" y="11455836"/>
+          <a:ext cx="3204357" cy="966122"/>
         </p:xfrm>
         <a:graphic>
           <a:graphicData uri="http://schemas.openxmlformats.org/drawingml/2006/table">
@@ -51721,7 +51562,7 @@
                   </a:extLst>
                 </a:gridCol>
               </a:tblGrid>
-              <a:tr h="574598">
+              <a:tr h="265280">
                 <a:tc>
                   <a:txBody>
                     <a:bodyPr/>
@@ -51770,23 +51611,7 @@
                       <a:pPr algn="ctr"/>
                       <a:r>
                         <a:rPr lang="de-DE" sz="800" dirty="0" smtClean="0"/>
-                        <a:t>ModelNet10 </a:t>
-                      </a:r>
-                      <a:r>
-                        <a:rPr lang="de-DE" sz="800" dirty="0" err="1" smtClean="0"/>
-                        <a:t>Classification</a:t>
-                      </a:r>
-                      <a:r>
-                        <a:rPr lang="de-DE" sz="800" dirty="0" smtClean="0"/>
-                        <a:t> (</a:t>
-                      </a:r>
-                      <a:r>
-                        <a:rPr lang="de-DE" sz="800" dirty="0" err="1" smtClean="0"/>
-                        <a:t>Accuracy</a:t>
-                      </a:r>
-                      <a:r>
-                        <a:rPr lang="de-DE" sz="800" dirty="0" smtClean="0"/>
-                        <a:t>)</a:t>
+                        <a:t>ModelNet10</a:t>
                       </a:r>
                       <a:endParaRPr lang="de-DE" sz="800" b="0" dirty="0">
                         <a:solidFill>
@@ -51826,47 +51651,8 @@
                       <a:pPr algn="ctr"/>
                       <a:r>
                         <a:rPr lang="de-DE" sz="800" dirty="0" smtClean="0"/>
-                        <a:t>Modelnet40 </a:t>
+                        <a:t>Modelnet40</a:t>
                       </a:r>
-                      <a:r>
-                        <a:rPr lang="de-DE" sz="800" dirty="0" err="1" smtClean="0"/>
-                        <a:t>Classification</a:t>
-                      </a:r>
-                      <a:endParaRPr lang="de-DE" sz="800" dirty="0" smtClean="0"/>
-                    </a:p>
-                    <a:p>
-                      <a:pPr marL="0" marR="0" indent="0" algn="ctr" defTabSz="1475110" rtl="0" eaLnBrk="1" fontAlgn="auto" latinLnBrk="0" hangingPunct="1">
-                        <a:lnSpc>
-                          <a:spcPct val="100000"/>
-                        </a:lnSpc>
-                        <a:spcBef>
-                          <a:spcPts val="0"/>
-                        </a:spcBef>
-                        <a:spcAft>
-                          <a:spcPts val="0"/>
-                        </a:spcAft>
-                        <a:buClrTx/>
-                        <a:buSzTx/>
-                        <a:buFontTx/>
-                        <a:buNone/>
-                        <a:tabLst/>
-                        <a:defRPr/>
-                      </a:pPr>
-                      <a:r>
-                        <a:rPr lang="de-DE" sz="800" dirty="0" smtClean="0"/>
-                        <a:t>(</a:t>
-                      </a:r>
-                      <a:r>
-                        <a:rPr lang="de-DE" sz="800" dirty="0" err="1" smtClean="0"/>
-                        <a:t>Accuracy</a:t>
-                      </a:r>
-                      <a:r>
-                        <a:rPr lang="de-DE" sz="800" dirty="0" smtClean="0"/>
-                        <a:t>)</a:t>
-                      </a:r>
-                    </a:p>
-                    <a:p>
-                      <a:pPr algn="ctr"/>
                       <a:endParaRPr lang="de-DE" sz="800" b="0" dirty="0">
                         <a:solidFill>
                           <a:srgbClr val="000000"/>
@@ -51903,7 +51689,7 @@
                   </a:ext>
                 </a:extLst>
               </a:tr>
-              <a:tr h="211693">
+              <a:tr h="233614">
                 <a:tc>
                   <a:txBody>
                     <a:bodyPr/>
@@ -52064,7 +51850,7 @@
                   </a:ext>
                 </a:extLst>
               </a:tr>
-              <a:tr h="211693">
+              <a:tr h="233614">
                 <a:tc>
                   <a:txBody>
                     <a:bodyPr/>
@@ -52217,7 +52003,7 @@
                   </a:ext>
                 </a:extLst>
               </a:tr>
-              <a:tr h="211693">
+              <a:tr h="233614">
                 <a:tc>
                   <a:txBody>
                     <a:bodyPr/>
@@ -52305,7 +52091,7 @@
                             <a:srgbClr val="000000"/>
                           </a:solidFill>
                         </a:rPr>
-                        <a:t>?%</a:t>
+                        <a:t>81.8%</a:t>
                       </a:r>
                       <a:endParaRPr lang="de-DE" sz="800" b="1" dirty="0">
                         <a:solidFill>
@@ -52365,8 +52151,13 @@
                             <a:srgbClr val="000000"/>
                           </a:solidFill>
                         </a:rPr>
-                        <a:t>?%</a:t>
+                        <a:t>82.4%</a:t>
                       </a:r>
+                      <a:endParaRPr lang="de-DE" sz="800" b="1" dirty="0" smtClean="0">
+                        <a:solidFill>
+                          <a:srgbClr val="000000"/>
+                        </a:solidFill>
+                      </a:endParaRPr>
                     </a:p>
                   </a:txBody>
                   <a:tcPr>
@@ -52431,333 +52222,6 @@
           </a:prstGeom>
         </p:spPr>
       </p:pic>
-      <p:sp>
-        <p:nvSpPr>
-          <p:cNvPr id="24" name="Textplatzhalter 3"/>
-          <p:cNvSpPr txBox="1">
-            <a:spLocks/>
-          </p:cNvSpPr>
-          <p:nvPr/>
-        </p:nvSpPr>
-        <p:spPr>
-          <a:xfrm>
-            <a:off x="5526782" y="12061762"/>
-            <a:ext cx="4716462" cy="866901"/>
-          </a:xfrm>
-          <a:prstGeom prst="rect">
-            <a:avLst/>
-          </a:prstGeom>
-          <a:solidFill>
-            <a:schemeClr val="accent2"/>
-          </a:solidFill>
-        </p:spPr>
-        <p:txBody>
-          <a:bodyPr vert="horz" lIns="324000" tIns="144000" rIns="324000" bIns="324000" rtlCol="0">
-            <a:noAutofit/>
-          </a:bodyPr>
-          <a:lstStyle>
-            <a:lvl1pPr marL="0" indent="0" algn="l" defTabSz="1475110" rtl="0" eaLnBrk="1" latinLnBrk="0" hangingPunct="1">
-              <a:lnSpc>
-                <a:spcPts val="1200"/>
-              </a:lnSpc>
-              <a:spcBef>
-                <a:spcPts val="0"/>
-              </a:spcBef>
-              <a:buFont typeface="Arial" panose="020B0604020202020204" pitchFamily="34" charset="0"/>
-              <a:buNone/>
-              <a:defRPr sz="1000" kern="1200">
-                <a:solidFill>
-                  <a:schemeClr val="accent1"/>
-                </a:solidFill>
-                <a:latin typeface="+mn-lt"/>
-                <a:ea typeface="+mn-ea"/>
-                <a:cs typeface="+mn-cs"/>
-              </a:defRPr>
-            </a:lvl1pPr>
-            <a:lvl2pPr marL="180975" indent="-180975" algn="l" defTabSz="1475110" rtl="0" eaLnBrk="1" latinLnBrk="0" hangingPunct="1">
-              <a:lnSpc>
-                <a:spcPts val="1200"/>
-              </a:lnSpc>
-              <a:spcBef>
-                <a:spcPts val="0"/>
-              </a:spcBef>
-              <a:buFont typeface="Arial" panose="020B0604020202020204" pitchFamily="34" charset="0"/>
-              <a:buChar char="–"/>
-              <a:defRPr sz="1000" kern="1200">
-                <a:solidFill>
-                  <a:schemeClr val="accent1"/>
-                </a:solidFill>
-                <a:latin typeface="+mn-lt"/>
-                <a:ea typeface="+mn-ea"/>
-                <a:cs typeface="+mn-cs"/>
-              </a:defRPr>
-            </a:lvl2pPr>
-            <a:lvl3pPr marL="357188" indent="-180975" algn="l" defTabSz="1475110" rtl="0" eaLnBrk="1" latinLnBrk="0" hangingPunct="1">
-              <a:lnSpc>
-                <a:spcPts val="1200"/>
-              </a:lnSpc>
-              <a:spcBef>
-                <a:spcPts val="0"/>
-              </a:spcBef>
-              <a:buFont typeface="Symbol" panose="05050102010706020507" pitchFamily="18" charset="2"/>
-              <a:buChar char="-"/>
-              <a:defRPr sz="1000" kern="1200">
-                <a:solidFill>
-                  <a:schemeClr val="accent1"/>
-                </a:solidFill>
-                <a:latin typeface="+mn-lt"/>
-                <a:ea typeface="+mn-ea"/>
-                <a:cs typeface="+mn-cs"/>
-              </a:defRPr>
-            </a:lvl3pPr>
-            <a:lvl4pPr marL="541338" indent="-182563" algn="l" defTabSz="1475110" rtl="0" eaLnBrk="1" latinLnBrk="0" hangingPunct="1">
-              <a:lnSpc>
-                <a:spcPts val="1200"/>
-              </a:lnSpc>
-              <a:spcBef>
-                <a:spcPts val="0"/>
-              </a:spcBef>
-              <a:buFont typeface="Arial" panose="020B0604020202020204" pitchFamily="34" charset="0"/>
-              <a:buChar char="–"/>
-              <a:defRPr sz="1000" kern="1200">
-                <a:solidFill>
-                  <a:schemeClr val="accent1"/>
-                </a:solidFill>
-                <a:latin typeface="+mn-lt"/>
-                <a:ea typeface="+mn-ea"/>
-                <a:cs typeface="+mn-cs"/>
-              </a:defRPr>
-            </a:lvl4pPr>
-            <a:lvl5pPr marL="714375" indent="-180975" algn="l" defTabSz="1475110" rtl="0" eaLnBrk="1" latinLnBrk="0" hangingPunct="1">
-              <a:lnSpc>
-                <a:spcPts val="1200"/>
-              </a:lnSpc>
-              <a:spcBef>
-                <a:spcPts val="0"/>
-              </a:spcBef>
-              <a:buFont typeface="Symbol" panose="05050102010706020507" pitchFamily="18" charset="2"/>
-              <a:buChar char="-"/>
-              <a:tabLst/>
-              <a:defRPr sz="1000" kern="1200">
-                <a:solidFill>
-                  <a:schemeClr val="accent1"/>
-                </a:solidFill>
-                <a:latin typeface="+mn-lt"/>
-                <a:ea typeface="+mn-ea"/>
-                <a:cs typeface="+mn-cs"/>
-              </a:defRPr>
-            </a:lvl5pPr>
-            <a:lvl6pPr marL="4056553" indent="-368778" algn="l" defTabSz="1475110" rtl="0" eaLnBrk="1" latinLnBrk="0" hangingPunct="1">
-              <a:spcBef>
-                <a:spcPct val="20000"/>
-              </a:spcBef>
-              <a:buFont typeface="Arial" panose="020B0604020202020204" pitchFamily="34" charset="0"/>
-              <a:buChar char="•"/>
-              <a:defRPr sz="3200" kern="1200">
-                <a:solidFill>
-                  <a:schemeClr val="tx1"/>
-                </a:solidFill>
-                <a:latin typeface="+mn-lt"/>
-                <a:ea typeface="+mn-ea"/>
-                <a:cs typeface="+mn-cs"/>
-              </a:defRPr>
-            </a:lvl6pPr>
-            <a:lvl7pPr marL="4794108" indent="-368778" algn="l" defTabSz="1475110" rtl="0" eaLnBrk="1" latinLnBrk="0" hangingPunct="1">
-              <a:spcBef>
-                <a:spcPct val="20000"/>
-              </a:spcBef>
-              <a:buFont typeface="Arial" panose="020B0604020202020204" pitchFamily="34" charset="0"/>
-              <a:buChar char="•"/>
-              <a:defRPr sz="3200" kern="1200">
-                <a:solidFill>
-                  <a:schemeClr val="tx1"/>
-                </a:solidFill>
-                <a:latin typeface="+mn-lt"/>
-                <a:ea typeface="+mn-ea"/>
-                <a:cs typeface="+mn-cs"/>
-              </a:defRPr>
-            </a:lvl7pPr>
-            <a:lvl8pPr marL="5531663" indent="-368778" algn="l" defTabSz="1475110" rtl="0" eaLnBrk="1" latinLnBrk="0" hangingPunct="1">
-              <a:spcBef>
-                <a:spcPct val="20000"/>
-              </a:spcBef>
-              <a:buFont typeface="Arial" panose="020B0604020202020204" pitchFamily="34" charset="0"/>
-              <a:buChar char="•"/>
-              <a:defRPr sz="3200" kern="1200">
-                <a:solidFill>
-                  <a:schemeClr val="tx1"/>
-                </a:solidFill>
-                <a:latin typeface="+mn-lt"/>
-                <a:ea typeface="+mn-ea"/>
-                <a:cs typeface="+mn-cs"/>
-              </a:defRPr>
-            </a:lvl8pPr>
-            <a:lvl9pPr marL="6269218" indent="-368778" algn="l" defTabSz="1475110" rtl="0" eaLnBrk="1" latinLnBrk="0" hangingPunct="1">
-              <a:spcBef>
-                <a:spcPct val="20000"/>
-              </a:spcBef>
-              <a:buFont typeface="Arial" panose="020B0604020202020204" pitchFamily="34" charset="0"/>
-              <a:buChar char="•"/>
-              <a:defRPr sz="3200" kern="1200">
-                <a:solidFill>
-                  <a:schemeClr val="tx1"/>
-                </a:solidFill>
-                <a:latin typeface="+mn-lt"/>
-                <a:ea typeface="+mn-ea"/>
-                <a:cs typeface="+mn-cs"/>
-              </a:defRPr>
-            </a:lvl9pPr>
-          </a:lstStyle>
-          <a:p>
-            <a:pPr marL="171450" indent="-171450">
-              <a:buFont typeface="Arial"/>
-              <a:buChar char="•"/>
-            </a:pPr>
-            <a:r>
-              <a:rPr lang="de-CH" dirty="0" err="1"/>
-              <a:t>Succesfully</a:t>
-            </a:r>
-            <a:r>
-              <a:rPr lang="de-CH" dirty="0"/>
-              <a:t> </a:t>
-            </a:r>
-            <a:r>
-              <a:rPr lang="de-CH" dirty="0" err="1"/>
-              <a:t>reimplemention</a:t>
-            </a:r>
-            <a:r>
-              <a:rPr lang="de-CH" dirty="0"/>
-              <a:t> </a:t>
-            </a:r>
-            <a:r>
-              <a:rPr lang="de-CH" dirty="0" err="1"/>
-              <a:t>of</a:t>
-            </a:r>
-            <a:r>
-              <a:rPr lang="de-CH" dirty="0"/>
-              <a:t> </a:t>
-            </a:r>
-            <a:r>
-              <a:rPr lang="de-CH" dirty="0" err="1"/>
-              <a:t>Voxnet</a:t>
-            </a:r>
-            <a:r>
-              <a:rPr lang="de-CH" dirty="0"/>
-              <a:t> [1] in Python </a:t>
-            </a:r>
-            <a:r>
-              <a:rPr lang="de-CH" dirty="0" err="1"/>
-              <a:t>with</a:t>
-            </a:r>
-            <a:r>
-              <a:rPr lang="de-CH" dirty="0"/>
-              <a:t> </a:t>
-            </a:r>
-            <a:r>
-              <a:rPr lang="de-CH" dirty="0" err="1"/>
-              <a:t>Deep</a:t>
-            </a:r>
-            <a:r>
-              <a:rPr lang="de-CH" dirty="0"/>
-              <a:t> Learning Library </a:t>
-            </a:r>
-            <a:r>
-              <a:rPr lang="de-CH" dirty="0" err="1"/>
-              <a:t>Keras</a:t>
-            </a:r>
-            <a:r>
-              <a:rPr lang="de-CH" dirty="0"/>
-              <a:t> </a:t>
-            </a:r>
-            <a:r>
-              <a:rPr lang="de-CH" dirty="0" err="1" smtClean="0"/>
-              <a:t>for</a:t>
-            </a:r>
-            <a:r>
-              <a:rPr lang="de-CH" dirty="0" smtClean="0"/>
-              <a:t> </a:t>
-            </a:r>
-            <a:r>
-              <a:rPr lang="de-CH" dirty="0"/>
-              <a:t>Theano </a:t>
-            </a:r>
-            <a:r>
-              <a:rPr lang="de-CH" dirty="0" err="1"/>
-              <a:t>and</a:t>
-            </a:r>
-            <a:r>
-              <a:rPr lang="de-CH" dirty="0"/>
-              <a:t> </a:t>
-            </a:r>
-            <a:r>
-              <a:rPr lang="de-CH" dirty="0" err="1"/>
-              <a:t>Tensorflow</a:t>
-            </a:r>
-            <a:endParaRPr lang="de-CH" dirty="0"/>
-          </a:p>
-          <a:p>
-            <a:pPr marL="171450" indent="-171450">
-              <a:lnSpc>
-                <a:spcPct val="50000"/>
-              </a:lnSpc>
-              <a:buFont typeface="Arial"/>
-              <a:buChar char="•"/>
-            </a:pPr>
-            <a:endParaRPr lang="de-CH" dirty="0"/>
-          </a:p>
-          <a:p>
-            <a:pPr marL="171450" indent="-171450">
-              <a:buFont typeface="Arial"/>
-              <a:buChar char="•"/>
-            </a:pPr>
-            <a:r>
-              <a:rPr lang="de-CH" dirty="0" err="1"/>
-              <a:t>Accuracy</a:t>
-            </a:r>
-            <a:r>
-              <a:rPr lang="de-CH" dirty="0"/>
-              <a:t> </a:t>
-            </a:r>
-            <a:r>
-              <a:rPr lang="de-CH" dirty="0" err="1"/>
-              <a:t>results</a:t>
-            </a:r>
-            <a:r>
-              <a:rPr lang="de-CH" dirty="0"/>
-              <a:t> </a:t>
-            </a:r>
-            <a:r>
-              <a:rPr lang="de-CH" dirty="0" err="1"/>
-              <a:t>coincide</a:t>
-            </a:r>
-            <a:r>
-              <a:rPr lang="de-CH" dirty="0"/>
-              <a:t> </a:t>
-            </a:r>
-            <a:r>
-              <a:rPr lang="de-CH" dirty="0" err="1"/>
-              <a:t>with</a:t>
-            </a:r>
-            <a:r>
-              <a:rPr lang="de-CH" dirty="0"/>
-              <a:t> original </a:t>
-            </a:r>
-            <a:r>
-              <a:rPr lang="de-CH" dirty="0" err="1"/>
-              <a:t>authors</a:t>
-            </a:r>
-            <a:r>
-              <a:rPr lang="de-CH" dirty="0"/>
-              <a:t> </a:t>
-            </a:r>
-            <a:r>
-              <a:rPr lang="de-CH" dirty="0" err="1"/>
-              <a:t>approach</a:t>
-            </a:r>
-            <a:endParaRPr lang="de-CH" dirty="0"/>
-          </a:p>
-        </p:txBody>
-      </p:sp>
       <p:grpSp>
         <p:nvGrpSpPr>
           <p:cNvPr id="17" name="Gruppierung 16"/>
@@ -52878,36 +52342,6 @@
           </a:prstGeom>
         </p:spPr>
       </p:pic>
-      <p:pic>
-        <p:nvPicPr>
-          <p:cNvPr id="32" name="Inhaltsplatzhalter 1"/>
-          <p:cNvPicPr>
-            <a:picLocks noChangeAspect="1"/>
-          </p:cNvPicPr>
-          <p:nvPr/>
-        </p:nvPicPr>
-        <p:blipFill>
-          <a:blip r:embed="rId7" cstate="print">
-            <a:extLst>
-              <a:ext uri="{28A0092B-C50C-407E-A947-70E740481C1C}">
-                <a14:useLocalDpi xmlns:a14="http://schemas.microsoft.com/office/drawing/2010/main" val="0"/>
-              </a:ext>
-            </a:extLst>
-          </a:blip>
-          <a:stretch>
-            <a:fillRect/>
-          </a:stretch>
-        </p:blipFill>
-        <p:spPr>
-          <a:xfrm>
-            <a:off x="8120981" y="5516263"/>
-            <a:ext cx="2448272" cy="3256439"/>
-          </a:xfrm>
-          <a:prstGeom prst="rect">
-            <a:avLst/>
-          </a:prstGeom>
-        </p:spPr>
-      </p:pic>
       <p:grpSp>
         <p:nvGrpSpPr>
           <p:cNvPr id="33" name="Group 32"/>
@@ -52931,7 +52365,7 @@
             <p:nvPr/>
           </p:nvPicPr>
           <p:blipFill>
-            <a:blip r:embed="rId8" cstate="print">
+            <a:blip r:embed="rId7" cstate="print">
               <a:extLst>
                 <a:ext uri="{28A0092B-C50C-407E-A947-70E740481C1C}">
                   <a14:useLocalDpi xmlns:a14="http://schemas.microsoft.com/office/drawing/2010/main" val="0"/>
@@ -52961,7 +52395,7 @@
             <p:nvPr/>
           </p:nvPicPr>
           <p:blipFill>
-            <a:blip r:embed="rId9" cstate="print">
+            <a:blip r:embed="rId8" cstate="print">
               <a:extLst>
                 <a:ext uri="{28A0092B-C50C-407E-A947-70E740481C1C}">
                   <a14:useLocalDpi xmlns:a14="http://schemas.microsoft.com/office/drawing/2010/main" val="0"/>
@@ -52991,7 +52425,7 @@
             <p:nvPr/>
           </p:nvPicPr>
           <p:blipFill>
-            <a:blip r:embed="rId10" cstate="print">
+            <a:blip r:embed="rId9" cstate="print">
               <a:extLst>
                 <a:ext uri="{28A0092B-C50C-407E-A947-70E740481C1C}">
                   <a14:useLocalDpi xmlns:a14="http://schemas.microsoft.com/office/drawing/2010/main" val="0"/>
@@ -53021,7 +52455,7 @@
             <p:nvPr/>
           </p:nvPicPr>
           <p:blipFill>
-            <a:blip r:embed="rId10" cstate="print">
+            <a:blip r:embed="rId9" cstate="print">
               <a:extLst>
                 <a:ext uri="{28A0092B-C50C-407E-A947-70E740481C1C}">
                   <a14:useLocalDpi xmlns:a14="http://schemas.microsoft.com/office/drawing/2010/main" val="0"/>
@@ -53233,6 +52667,143 @@
                 </a:solidFill>
               </a:rPr>
               <a:t>Fig. 5: Convolution; Source: Udacity [4]</a:t>
+            </a:r>
+            <a:endParaRPr lang="de-CH" sz="850" dirty="0">
+              <a:solidFill>
+                <a:schemeClr val="accent1"/>
+              </a:solidFill>
+            </a:endParaRPr>
+          </a:p>
+        </p:txBody>
+      </p:sp>
+      <p:pic>
+        <p:nvPicPr>
+          <p:cNvPr id="46" name="Inhaltsplatzhalter 1"/>
+          <p:cNvPicPr>
+            <a:picLocks noChangeAspect="1"/>
+          </p:cNvPicPr>
+          <p:nvPr/>
+        </p:nvPicPr>
+        <p:blipFill rotWithShape="1">
+          <a:blip r:embed="rId10" cstate="print">
+            <a:extLst>
+              <a:ext uri="{28A0092B-C50C-407E-A947-70E740481C1C}">
+                <a14:useLocalDpi xmlns:a14="http://schemas.microsoft.com/office/drawing/2010/main" val="0"/>
+              </a:ext>
+            </a:extLst>
+          </a:blip>
+          <a:srcRect t="33313"/>
+          <a:stretch/>
+        </p:blipFill>
+        <p:spPr>
+          <a:xfrm>
+            <a:off x="8171318" y="5143204"/>
+            <a:ext cx="2448272" cy="2171640"/>
+          </a:xfrm>
+          <a:prstGeom prst="rect">
+            <a:avLst/>
+          </a:prstGeom>
+        </p:spPr>
+      </p:pic>
+      <p:sp>
+        <p:nvSpPr>
+          <p:cNvPr id="47" name="TextBox 46"/>
+          <p:cNvSpPr txBox="1"/>
+          <p:nvPr/>
+        </p:nvSpPr>
+        <p:spPr>
+          <a:xfrm>
+            <a:off x="6193128" y="12493810"/>
+            <a:ext cx="2265206" cy="216024"/>
+          </a:xfrm>
+          <a:prstGeom prst="rect">
+            <a:avLst/>
+          </a:prstGeom>
+          <a:noFill/>
+        </p:spPr>
+        <p:txBody>
+          <a:bodyPr wrap="square" lIns="0" tIns="0" rIns="0" bIns="0" rtlCol="0">
+            <a:noAutofit/>
+          </a:bodyPr>
+          <a:lstStyle/>
+          <a:p>
+            <a:r>
+              <a:rPr lang="de-CH" sz="850" dirty="0" smtClean="0">
+                <a:solidFill>
+                  <a:schemeClr val="accent1"/>
+                </a:solidFill>
+              </a:rPr>
+              <a:t>Table 1</a:t>
+            </a:r>
+            <a:r>
+              <a:rPr lang="de-CH" sz="850" dirty="0">
+                <a:solidFill>
+                  <a:schemeClr val="accent1"/>
+                </a:solidFill>
+              </a:rPr>
+              <a:t>: </a:t>
+            </a:r>
+            <a:r>
+              <a:rPr lang="de-CH" sz="850" dirty="0" smtClean="0">
+                <a:solidFill>
+                  <a:schemeClr val="accent1"/>
+                </a:solidFill>
+              </a:rPr>
+              <a:t>Classifation accuracy</a:t>
+            </a:r>
+            <a:endParaRPr lang="de-CH" sz="850" dirty="0">
+              <a:solidFill>
+                <a:schemeClr val="accent1"/>
+              </a:solidFill>
+            </a:endParaRPr>
+          </a:p>
+        </p:txBody>
+      </p:sp>
+      <p:sp>
+        <p:nvSpPr>
+          <p:cNvPr id="48" name="TextBox 47"/>
+          <p:cNvSpPr txBox="1"/>
+          <p:nvPr/>
+        </p:nvSpPr>
+        <p:spPr>
+          <a:xfrm>
+            <a:off x="7898102" y="7862454"/>
+            <a:ext cx="2957210" cy="216024"/>
+          </a:xfrm>
+          <a:prstGeom prst="rect">
+            <a:avLst/>
+          </a:prstGeom>
+          <a:noFill/>
+        </p:spPr>
+        <p:txBody>
+          <a:bodyPr wrap="square" lIns="0" tIns="0" rIns="0" bIns="0" rtlCol="0">
+            <a:noAutofit/>
+          </a:bodyPr>
+          <a:lstStyle/>
+          <a:p>
+            <a:r>
+              <a:rPr lang="de-CH" sz="850" dirty="0" smtClean="0">
+                <a:solidFill>
+                  <a:schemeClr val="accent1"/>
+                </a:solidFill>
+              </a:rPr>
+              <a:t>Fig. </a:t>
+            </a:r>
+            <a:r>
+              <a:rPr lang="de-CH" sz="850" dirty="0">
+                <a:solidFill>
+                  <a:schemeClr val="accent1"/>
+                </a:solidFill>
+              </a:rPr>
+              <a:t>6</a:t>
+            </a:r>
+            <a:r>
+              <a:rPr lang="de-CH" sz="850" dirty="0" smtClean="0">
+                <a:solidFill>
+                  <a:schemeClr val="accent1"/>
+                </a:solidFill>
+              </a:rPr>
+              <a:t>: VoxNet layers; Source: VoxNet paper [1]</a:t>
             </a:r>
             <a:endParaRPr lang="de-CH" sz="850" dirty="0">
               <a:solidFill>

--- a/poster/poster.pptx
+++ b/poster/poster.pptx
@@ -48933,6 +48933,109 @@
               <a:rPr lang="en-GB" sz="1100" dirty="0" smtClean="0"/>
               <a:t>map (Fig. 5)</a:t>
             </a:r>
+          </a:p>
+          <a:p>
+            <a:pPr marL="171450" indent="-171450">
+              <a:buFont typeface="Arial" panose="020B0604020202020204" pitchFamily="34" charset="0"/>
+              <a:buChar char="•"/>
+            </a:pPr>
+            <a:endParaRPr lang="en-GB" sz="1100" dirty="0"/>
+          </a:p>
+          <a:p>
+            <a:pPr marL="171450" indent="-171450">
+              <a:buFont typeface="Arial" panose="020B0604020202020204" pitchFamily="34" charset="0"/>
+              <a:buChar char="•"/>
+            </a:pPr>
+            <a:endParaRPr lang="en-GB" sz="1100" dirty="0" smtClean="0"/>
+          </a:p>
+          <a:p>
+            <a:pPr marL="171450" indent="-171450">
+              <a:buFont typeface="Arial" panose="020B0604020202020204" pitchFamily="34" charset="0"/>
+              <a:buChar char="•"/>
+            </a:pPr>
+            <a:endParaRPr lang="en-GB" sz="1100" dirty="0"/>
+          </a:p>
+          <a:p>
+            <a:pPr marL="171450" indent="-171450">
+              <a:buFont typeface="Arial" panose="020B0604020202020204" pitchFamily="34" charset="0"/>
+              <a:buChar char="•"/>
+            </a:pPr>
+            <a:endParaRPr lang="en-GB" sz="1100" dirty="0" smtClean="0"/>
+          </a:p>
+          <a:p>
+            <a:pPr marL="171450" indent="-171450">
+              <a:buFont typeface="Arial" panose="020B0604020202020204" pitchFamily="34" charset="0"/>
+              <a:buChar char="•"/>
+            </a:pPr>
+            <a:endParaRPr lang="en-GB" sz="1100" dirty="0"/>
+          </a:p>
+          <a:p>
+            <a:pPr marL="171450" indent="-171450">
+              <a:buFont typeface="Arial" panose="020B0604020202020204" pitchFamily="34" charset="0"/>
+              <a:buChar char="•"/>
+            </a:pPr>
+            <a:endParaRPr lang="en-GB" sz="1100" dirty="0" smtClean="0"/>
+          </a:p>
+          <a:p>
+            <a:pPr marL="171450" indent="-171450">
+              <a:buFont typeface="Arial" panose="020B0604020202020204" pitchFamily="34" charset="0"/>
+              <a:buChar char="•"/>
+            </a:pPr>
+            <a:endParaRPr lang="en-GB" sz="1100" dirty="0"/>
+          </a:p>
+          <a:p>
+            <a:pPr marL="171450" indent="-171450">
+              <a:buFont typeface="Arial" panose="020B0604020202020204" pitchFamily="34" charset="0"/>
+              <a:buChar char="•"/>
+            </a:pPr>
+            <a:endParaRPr lang="en-GB" sz="1100" dirty="0" smtClean="0"/>
+          </a:p>
+          <a:p>
+            <a:pPr marL="171450" indent="-171450">
+              <a:buFont typeface="Arial" panose="020B0604020202020204" pitchFamily="34" charset="0"/>
+              <a:buChar char="•"/>
+            </a:pPr>
+            <a:endParaRPr lang="en-GB" sz="1100" dirty="0"/>
+          </a:p>
+          <a:p>
+            <a:pPr marL="171450" indent="-171450">
+              <a:buFont typeface="Arial" panose="020B0604020202020204" pitchFamily="34" charset="0"/>
+              <a:buChar char="•"/>
+            </a:pPr>
+            <a:endParaRPr lang="en-GB" sz="1100" dirty="0" smtClean="0"/>
+          </a:p>
+          <a:p>
+            <a:pPr marL="171450" indent="-171450">
+              <a:buFont typeface="Arial" panose="020B0604020202020204" pitchFamily="34" charset="0"/>
+              <a:buChar char="•"/>
+            </a:pPr>
+            <a:endParaRPr lang="en-GB" sz="1100" dirty="0"/>
+          </a:p>
+          <a:p>
+            <a:pPr marL="171450" indent="-171450">
+              <a:buFont typeface="Arial" panose="020B0604020202020204" pitchFamily="34" charset="0"/>
+              <a:buChar char="•"/>
+            </a:pPr>
+            <a:endParaRPr lang="en-GB" sz="1100" dirty="0" smtClean="0"/>
+          </a:p>
+          <a:p>
+            <a:endParaRPr lang="en-GB" sz="1100" dirty="0"/>
+          </a:p>
+          <a:p>
+            <a:pPr marL="171450" indent="-171450">
+              <a:buFont typeface="Arial" panose="020B0604020202020204" pitchFamily="34" charset="0"/>
+              <a:buChar char="•"/>
+            </a:pPr>
+            <a:r>
+              <a:rPr lang="en-GB" sz="1100" dirty="0"/>
+              <a:t>Max-Pooling:  Non-linear down sampling by choosing maximum values of rectangles created from segmenting the volume</a:t>
+            </a:r>
+          </a:p>
+          <a:p>
+            <a:pPr marL="171450" indent="-171450">
+              <a:buFont typeface="Arial" panose="020B0604020202020204" pitchFamily="34" charset="0"/>
+              <a:buChar char="•"/>
+            </a:pPr>
             <a:endParaRPr lang="en-GB" sz="1100" dirty="0"/>
           </a:p>
           <a:p>
@@ -49188,16 +49291,11 @@
           </a:p>
           <a:p>
             <a:r>
-              <a:rPr lang="de-CH" sz="1200" b="1" dirty="0" err="1" smtClean="0"/>
+              <a:rPr lang="de-CH" sz="1200" b="1" dirty="0" smtClean="0"/>
               <a:t>Results</a:t>
             </a:r>
-            <a:endParaRPr lang="de-CH" sz="1200" b="1" dirty="0" smtClean="0"/>
           </a:p>
           <a:p>
-            <a:pPr marL="171450" indent="-171450">
-              <a:buFont typeface="Arial"/>
-              <a:buChar char="•"/>
-            </a:pPr>
             <a:endParaRPr lang="de-CH" sz="1100" dirty="0" smtClean="0"/>
           </a:p>
           <a:p>
@@ -50450,12 +50548,8 @@
           </a:lstStyle>
           <a:p>
             <a:r>
-              <a:rPr lang="de-CH" smtClean="0"/>
-              <a:t>3 Voxnet &amp; </a:t>
-            </a:r>
-            <a:r>
               <a:rPr lang="de-CH" dirty="0" smtClean="0"/>
-              <a:t>Implementation</a:t>
+              <a:t>3 Voxnet &amp; Implementation</a:t>
             </a:r>
             <a:endParaRPr lang="de-CH" dirty="0"/>
           </a:p>
@@ -50641,14 +50735,60 @@
           <a:p>
             <a:r>
               <a:rPr lang="en-GB" sz="1100" dirty="0"/>
-              <a:t>Sequence of Multiple Convolutional Layer, Max Pooling Layers, followed by Fully Connected Layers</a:t>
-            </a:r>
+              <a:t>Sequence of </a:t>
+            </a:r>
+            <a:r>
+              <a:rPr lang="en-GB" sz="1100" dirty="0" smtClean="0"/>
+              <a:t>multiple </a:t>
+            </a:r>
+            <a:endParaRPr lang="en-GB" sz="1100" dirty="0"/>
           </a:p>
           <a:p>
-            <a:pPr>
+            <a:r>
+              <a:rPr lang="en-GB" sz="1100" dirty="0"/>
+              <a:t>Convolutional </a:t>
+            </a:r>
+            <a:r>
+              <a:rPr lang="en-GB" sz="1100" dirty="0" smtClean="0"/>
+              <a:t>layers, </a:t>
+            </a:r>
+            <a:endParaRPr lang="en-GB" sz="1100" dirty="0"/>
+          </a:p>
+          <a:p>
+            <a:r>
+              <a:rPr lang="en-GB" sz="1100" dirty="0"/>
+              <a:t>Max Pooling </a:t>
+            </a:r>
+            <a:r>
+              <a:rPr lang="en-GB" sz="1100" dirty="0" smtClean="0"/>
+              <a:t>layers </a:t>
+            </a:r>
+            <a:r>
+              <a:rPr lang="en-GB" sz="1100" dirty="0"/>
+              <a:t>followed </a:t>
+            </a:r>
+          </a:p>
+          <a:p>
+            <a:r>
+              <a:rPr lang="en-GB" sz="1100" dirty="0"/>
+              <a:t>by Fully Connected l</a:t>
+            </a:r>
+            <a:r>
+              <a:rPr lang="en-GB" sz="1100" dirty="0" smtClean="0"/>
+              <a:t>ayer</a:t>
+            </a:r>
+            <a:endParaRPr lang="en-GB" sz="1100" dirty="0"/>
+          </a:p>
+          <a:p>
+            <a:endParaRPr lang="en-GB" sz="1100" dirty="0"/>
+          </a:p>
+          <a:p>
+            <a:pPr marL="171450" indent="-171450">
               <a:lnSpc>
                 <a:spcPct val="50000"/>
               </a:lnSpc>
+              <a:buFont typeface="Arial" panose="020B0604020202020204" pitchFamily="34" charset="0"/>
+              <a:buChar char="•"/>
             </a:pPr>
             <a:endParaRPr lang="en-GB" sz="1100" dirty="0"/>
           </a:p>
@@ -50657,25 +50797,30 @@
               <a:lnSpc>
                 <a:spcPct val="50000"/>
               </a:lnSpc>
-              <a:buFont typeface="Wingdings" panose="05000000000000000000" pitchFamily="2" charset="2"/>
-              <a:buChar char="Ø"/>
+              <a:buFont typeface="Arial" panose="020B0604020202020204" pitchFamily="34" charset="0"/>
+              <a:buChar char="•"/>
             </a:pPr>
             <a:r>
               <a:rPr lang="en-GB" sz="1100" dirty="0"/>
-              <a:t> CNN more then 900k Parameter</a:t>
-            </a:r>
+              <a:t> CNN ~ 900k </a:t>
+            </a:r>
+            <a:r>
+              <a:rPr lang="en-GB" sz="1100" dirty="0" smtClean="0"/>
+              <a:t>parameters</a:t>
+            </a:r>
+            <a:endParaRPr lang="en-GB" sz="1100" dirty="0"/>
           </a:p>
           <a:p>
             <a:pPr marL="171450" indent="-171450">
               <a:lnSpc>
                 <a:spcPct val="100000"/>
               </a:lnSpc>
-              <a:buFont typeface="Wingdings" panose="05000000000000000000" pitchFamily="2" charset="2"/>
-              <a:buChar char="Ø"/>
+              <a:buFont typeface="Arial" panose="020B0604020202020204" pitchFamily="34" charset="0"/>
+              <a:buChar char="•"/>
             </a:pPr>
             <a:r>
               <a:rPr lang="en-GB" sz="1100" dirty="0"/>
-              <a:t>Activation: Leaky </a:t>
+              <a:t> Activation: Leaky </a:t>
             </a:r>
             <a:r>
               <a:rPr lang="en-GB" sz="1100" dirty="0" err="1"/>
@@ -50687,64 +50832,26 @@
             <a:endParaRPr lang="en-GB" sz="1100" b="1" dirty="0"/>
           </a:p>
           <a:p>
-            <a:r>
-              <a:rPr lang="en-GB" sz="1100" i="1" dirty="0"/>
-              <a:t>Contributed:</a:t>
-            </a:r>
+            <a:endParaRPr lang="en-GB" sz="1100" b="1" dirty="0" smtClean="0"/>
           </a:p>
           <a:p>
-            <a:endParaRPr lang="en-GB" sz="1100" dirty="0"/>
+            <a:endParaRPr lang="en-GB" sz="1100" b="1" dirty="0"/>
           </a:p>
           <a:p>
-            <a:pPr marL="171450" indent="-171450">
-              <a:buFont typeface="Arial"/>
-              <a:buChar char="•"/>
-            </a:pPr>
-            <a:r>
-              <a:rPr lang="en-GB" sz="1100" dirty="0"/>
-              <a:t>Reimplementation of  </a:t>
-            </a:r>
+            <a:endParaRPr lang="en-GB" sz="1100" b="1" dirty="0" smtClean="0"/>
           </a:p>
           <a:p>
-            <a:r>
-              <a:rPr lang="en-GB" sz="1100" dirty="0"/>
-              <a:t>     Convolutional Neural Network </a:t>
-            </a:r>
+            <a:endParaRPr lang="en-GB" sz="1100" b="1" dirty="0"/>
           </a:p>
           <a:p>
-            <a:r>
-              <a:rPr lang="en-GB" sz="1100" dirty="0"/>
-              <a:t>     Model with </a:t>
-            </a:r>
-            <a:r>
-              <a:rPr lang="en-GB" sz="1100" dirty="0" err="1"/>
-              <a:t>Keras</a:t>
-            </a:r>
-            <a:r>
-              <a:rPr lang="en-GB" sz="1100" dirty="0"/>
-              <a:t> in Python,</a:t>
-            </a:r>
+            <a:endParaRPr lang="en-GB" sz="1100" b="1" dirty="0"/>
           </a:p>
           <a:p>
             <a:r>
-              <a:rPr lang="en-GB" sz="1100" dirty="0"/>
-              <a:t>     supports rotation e.g. different</a:t>
-            </a:r>
-          </a:p>
-          <a:p>
-            <a:r>
-              <a:rPr lang="en-GB" sz="1100" dirty="0"/>
-              <a:t>     views of same object</a:t>
-            </a:r>
-          </a:p>
-          <a:p>
-            <a:endParaRPr lang="de-CH" sz="1100" b="1" dirty="0"/>
-          </a:p>
-          <a:p>
-            <a:endParaRPr lang="de-CH" sz="1100" b="1" dirty="0"/>
-          </a:p>
-          <a:p>
-            <a:endParaRPr lang="de-CH" sz="1100" b="1" dirty="0"/>
+              <a:rPr lang="en-GB" sz="1100" i="1" dirty="0" smtClean="0"/>
+              <a:t>Contribution:</a:t>
+            </a:r>
+            <a:endParaRPr lang="en-GB" sz="1100" dirty="0"/>
           </a:p>
           <a:p>
             <a:endParaRPr lang="de-CH" sz="1100" b="1" dirty="0"/>
@@ -50755,13 +50862,26 @@
               <a:buChar char="•"/>
             </a:pPr>
             <a:r>
-              <a:rPr lang="en-GB" sz="1100" i="1" dirty="0"/>
-              <a:t>Contribution : </a:t>
-            </a:r>
-            <a:r>
               <a:rPr lang="de-CH" sz="1100" dirty="0"/>
-              <a:t>The Keras framework with Theano backend in Python were used to implement the neural network. </a:t>
-            </a:r>
+              <a:t>The </a:t>
+            </a:r>
+            <a:r>
+              <a:rPr lang="en-GB" sz="1100" dirty="0"/>
+              <a:t>Convolutional Neural Network was re-implemented in </a:t>
+            </a:r>
+            <a:r>
+              <a:rPr lang="de-CH" sz="1100" dirty="0" smtClean="0"/>
+              <a:t>Python </a:t>
+            </a:r>
+            <a:r>
+              <a:rPr lang="de-CH" sz="1100" dirty="0"/>
+              <a:t>using the Keras framework with Theano </a:t>
+            </a:r>
+            <a:r>
+              <a:rPr lang="de-CH" sz="1100" dirty="0" smtClean="0"/>
+              <a:t>backend.</a:t>
+            </a:r>
+            <a:endParaRPr lang="en-GB" sz="1100" dirty="0"/>
           </a:p>
           <a:p>
             <a:endParaRPr lang="en-GB" sz="1100" dirty="0"/>
@@ -52193,35 +52313,6 @@
           </a:graphicData>
         </a:graphic>
       </p:graphicFrame>
-      <p:pic>
-        <p:nvPicPr>
-          <p:cNvPr id="56" name="Inhaltsplatzhalter 1"/>
-          <p:cNvPicPr>
-            <a:picLocks noChangeAspect="1"/>
-          </p:cNvPicPr>
-          <p:nvPr/>
-        </p:nvPicPr>
-        <p:blipFill rotWithShape="1">
-          <a:blip r:embed="rId4" cstate="print">
-            <a:extLst>
-              <a:ext uri="{28A0092B-C50C-407E-A947-70E740481C1C}">
-                <a14:useLocalDpi xmlns:a14="http://schemas.microsoft.com/office/drawing/2010/main" val="0"/>
-              </a:ext>
-            </a:extLst>
-          </a:blip>
-          <a:srcRect l="19490" r="19489"/>
-          <a:stretch/>
-        </p:blipFill>
-        <p:spPr>
-          <a:xfrm>
-            <a:off x="1278248" y="7368535"/>
-            <a:ext cx="2664295" cy="1536997"/>
-          </a:xfrm>
-          <a:prstGeom prst="rect">
-            <a:avLst/>
-          </a:prstGeom>
-        </p:spPr>
-      </p:pic>
       <p:grpSp>
         <p:nvGrpSpPr>
           <p:cNvPr id="17" name="Gruppierung 16"/>
@@ -52245,7 +52336,7 @@
             <p:nvPr/>
           </p:nvPicPr>
           <p:blipFill>
-            <a:blip r:embed="rId5" cstate="print">
+            <a:blip r:embed="rId4" cstate="print">
               <a:extLst>
                 <a:ext uri="{28A0092B-C50C-407E-A947-70E740481C1C}">
                   <a14:useLocalDpi xmlns:a14="http://schemas.microsoft.com/office/drawing/2010/main" val="0"/>
@@ -52321,7 +52412,7 @@
           <p:nvPr/>
         </p:nvPicPr>
         <p:blipFill>
-          <a:blip r:embed="rId6" cstate="print">
+          <a:blip r:embed="rId5" cstate="print">
             <a:extLst>
               <a:ext uri="{28A0092B-C50C-407E-A947-70E740481C1C}">
                 <a14:useLocalDpi xmlns:a14="http://schemas.microsoft.com/office/drawing/2010/main" val="0"/>
@@ -52365,7 +52456,7 @@
             <p:nvPr/>
           </p:nvPicPr>
           <p:blipFill>
-            <a:blip r:embed="rId7" cstate="print">
+            <a:blip r:embed="rId6" cstate="print">
               <a:extLst>
                 <a:ext uri="{28A0092B-C50C-407E-A947-70E740481C1C}">
                   <a14:useLocalDpi xmlns:a14="http://schemas.microsoft.com/office/drawing/2010/main" val="0"/>
@@ -52395,7 +52486,7 @@
             <p:nvPr/>
           </p:nvPicPr>
           <p:blipFill>
-            <a:blip r:embed="rId8" cstate="print">
+            <a:blip r:embed="rId7" cstate="print">
               <a:extLst>
                 <a:ext uri="{28A0092B-C50C-407E-A947-70E740481C1C}">
                   <a14:useLocalDpi xmlns:a14="http://schemas.microsoft.com/office/drawing/2010/main" val="0"/>
@@ -52425,7 +52516,7 @@
             <p:nvPr/>
           </p:nvPicPr>
           <p:blipFill>
-            <a:blip r:embed="rId9" cstate="print">
+            <a:blip r:embed="rId8" cstate="print">
               <a:extLst>
                 <a:ext uri="{28A0092B-C50C-407E-A947-70E740481C1C}">
                   <a14:useLocalDpi xmlns:a14="http://schemas.microsoft.com/office/drawing/2010/main" val="0"/>
@@ -52455,7 +52546,7 @@
             <p:nvPr/>
           </p:nvPicPr>
           <p:blipFill>
-            <a:blip r:embed="rId9" cstate="print">
+            <a:blip r:embed="rId8" cstate="print">
               <a:extLst>
                 <a:ext uri="{28A0092B-C50C-407E-A947-70E740481C1C}">
                   <a14:useLocalDpi xmlns:a14="http://schemas.microsoft.com/office/drawing/2010/main" val="0"/>
@@ -52676,35 +52767,6 @@
           </a:p>
         </p:txBody>
       </p:sp>
-      <p:pic>
-        <p:nvPicPr>
-          <p:cNvPr id="46" name="Inhaltsplatzhalter 1"/>
-          <p:cNvPicPr>
-            <a:picLocks noChangeAspect="1"/>
-          </p:cNvPicPr>
-          <p:nvPr/>
-        </p:nvPicPr>
-        <p:blipFill rotWithShape="1">
-          <a:blip r:embed="rId10" cstate="print">
-            <a:extLst>
-              <a:ext uri="{28A0092B-C50C-407E-A947-70E740481C1C}">
-                <a14:useLocalDpi xmlns:a14="http://schemas.microsoft.com/office/drawing/2010/main" val="0"/>
-              </a:ext>
-            </a:extLst>
-          </a:blip>
-          <a:srcRect t="33313"/>
-          <a:stretch/>
-        </p:blipFill>
-        <p:spPr>
-          <a:xfrm>
-            <a:off x="8171318" y="5143204"/>
-            <a:ext cx="2448272" cy="2171640"/>
-          </a:xfrm>
-          <a:prstGeom prst="rect">
-            <a:avLst/>
-          </a:prstGeom>
-        </p:spPr>
-      </p:pic>
       <p:sp>
         <p:nvSpPr>
           <p:cNvPr id="47" name="TextBox 46"/>
@@ -52759,15 +52821,44 @@
           </a:p>
         </p:txBody>
       </p:sp>
+      <p:pic>
+        <p:nvPicPr>
+          <p:cNvPr id="49" name="Inhaltsplatzhalter 1"/>
+          <p:cNvPicPr>
+            <a:picLocks noChangeAspect="1"/>
+          </p:cNvPicPr>
+          <p:nvPr/>
+        </p:nvPicPr>
+        <p:blipFill rotWithShape="1">
+          <a:blip r:embed="rId9" cstate="print">
+            <a:extLst>
+              <a:ext uri="{28A0092B-C50C-407E-A947-70E740481C1C}">
+                <a14:useLocalDpi xmlns:a14="http://schemas.microsoft.com/office/drawing/2010/main" val="0"/>
+              </a:ext>
+            </a:extLst>
+          </a:blip>
+          <a:srcRect t="33313"/>
+          <a:stretch/>
+        </p:blipFill>
+        <p:spPr>
+          <a:xfrm>
+            <a:off x="7866980" y="4896966"/>
+            <a:ext cx="2304256" cy="2171640"/>
+          </a:xfrm>
+          <a:prstGeom prst="rect">
+            <a:avLst/>
+          </a:prstGeom>
+        </p:spPr>
+      </p:pic>
       <p:sp>
         <p:nvSpPr>
-          <p:cNvPr id="48" name="TextBox 47"/>
+          <p:cNvPr id="51" name="TextBox 50"/>
           <p:cNvSpPr txBox="1"/>
           <p:nvPr/>
         </p:nvSpPr>
         <p:spPr>
           <a:xfrm>
-            <a:off x="7898102" y="7862454"/>
+            <a:off x="7866980" y="7057206"/>
             <a:ext cx="2957210" cy="216024"/>
           </a:xfrm>
           <a:prstGeom prst="rect">
@@ -52813,6 +52904,36 @@
           </a:p>
         </p:txBody>
       </p:sp>
+      <p:pic>
+        <p:nvPicPr>
+          <p:cNvPr id="18" name="Picture 17"/>
+          <p:cNvPicPr>
+            <a:picLocks noChangeAspect="1"/>
+          </p:cNvPicPr>
+          <p:nvPr/>
+        </p:nvPicPr>
+        <p:blipFill>
+          <a:blip r:embed="rId10" cstate="print">
+            <a:extLst>
+              <a:ext uri="{28A0092B-C50C-407E-A947-70E740481C1C}">
+                <a14:useLocalDpi xmlns:a14="http://schemas.microsoft.com/office/drawing/2010/main" val="0"/>
+              </a:ext>
+            </a:extLst>
+          </a:blip>
+          <a:stretch>
+            <a:fillRect/>
+          </a:stretch>
+        </p:blipFill>
+        <p:spPr>
+          <a:xfrm>
+            <a:off x="1602284" y="7391917"/>
+            <a:ext cx="2680629" cy="1507854"/>
+          </a:xfrm>
+          <a:prstGeom prst="rect">
+            <a:avLst/>
+          </a:prstGeom>
+        </p:spPr>
+      </p:pic>
     </p:spTree>
     <p:extLst>
       <p:ext uri="{BB962C8B-B14F-4D97-AF65-F5344CB8AC3E}">

--- a/poster/poster.pptx
+++ b/poster/poster.pptx
@@ -48931,7 +48931,7 @@
             </a:r>
             <a:r>
               <a:rPr lang="en-GB" sz="1100" dirty="0" smtClean="0"/>
-              <a:t>map (Fig. 5)</a:t>
+              <a:t>map (Fig. 5a)</a:t>
             </a:r>
           </a:p>
           <a:p>
@@ -49028,8 +49028,13 @@
             </a:pPr>
             <a:r>
               <a:rPr lang="en-GB" sz="1100" dirty="0"/>
-              <a:t>Max-Pooling:  Non-linear down sampling by choosing maximum values of rectangles created from segmenting the volume</a:t>
-            </a:r>
+              <a:t>Max-Pooling:  Non-linear down sampling by choosing maximum values of rectangles created from segmenting the </a:t>
+            </a:r>
+            <a:r>
+              <a:rPr lang="en-GB" sz="1100" dirty="0" smtClean="0"/>
+              <a:t>volume (Fig. 5b)</a:t>
+            </a:r>
+            <a:endParaRPr lang="en-GB" sz="1100" dirty="0"/>
           </a:p>
           <a:p>
             <a:pPr marL="171450" indent="-171450">
@@ -52315,126 +52320,6 @@
       </p:graphicFrame>
       <p:grpSp>
         <p:nvGrpSpPr>
-          <p:cNvPr id="17" name="Gruppierung 16"/>
-          <p:cNvGrpSpPr/>
-          <p:nvPr/>
-        </p:nvGrpSpPr>
-        <p:grpSpPr>
-          <a:xfrm>
-            <a:off x="767410" y="11981141"/>
-            <a:ext cx="1994260" cy="1225751"/>
-            <a:chOff x="3546500" y="8702515"/>
-            <a:chExt cx="6854800" cy="4394103"/>
-          </a:xfrm>
-        </p:grpSpPr>
-        <p:pic>
-          <p:nvPicPr>
-            <p:cNvPr id="15" name="Bild 14" descr="Screen Shot 2016-05-24 at 18.59.26.png"/>
-            <p:cNvPicPr>
-              <a:picLocks noChangeAspect="1"/>
-            </p:cNvPicPr>
-            <p:nvPr/>
-          </p:nvPicPr>
-          <p:blipFill>
-            <a:blip r:embed="rId4" cstate="print">
-              <a:extLst>
-                <a:ext uri="{28A0092B-C50C-407E-A947-70E740481C1C}">
-                  <a14:useLocalDpi xmlns:a14="http://schemas.microsoft.com/office/drawing/2010/main" val="0"/>
-                </a:ext>
-              </a:extLst>
-            </a:blip>
-            <a:stretch>
-              <a:fillRect/>
-            </a:stretch>
-          </p:blipFill>
-          <p:spPr>
-            <a:xfrm>
-              <a:off x="3546500" y="8702515"/>
-              <a:ext cx="6854800" cy="4394103"/>
-            </a:xfrm>
-            <a:prstGeom prst="rect">
-              <a:avLst/>
-            </a:prstGeom>
-          </p:spPr>
-        </p:pic>
-        <p:sp>
-          <p:nvSpPr>
-            <p:cNvPr id="16" name="Rechteck 15"/>
-            <p:cNvSpPr/>
-            <p:nvPr/>
-          </p:nvSpPr>
-          <p:spPr>
-            <a:xfrm>
-              <a:off x="3546500" y="8749394"/>
-              <a:ext cx="756084" cy="540060"/>
-            </a:xfrm>
-            <a:prstGeom prst="rect">
-              <a:avLst/>
-            </a:prstGeom>
-            <a:solidFill>
-              <a:schemeClr val="tx1"/>
-            </a:solidFill>
-            <a:ln>
-              <a:noFill/>
-            </a:ln>
-            <a:effectLst/>
-          </p:spPr>
-          <p:style>
-            <a:lnRef idx="1">
-              <a:schemeClr val="accent1"/>
-            </a:lnRef>
-            <a:fillRef idx="3">
-              <a:schemeClr val="accent1"/>
-            </a:fillRef>
-            <a:effectRef idx="2">
-              <a:schemeClr val="accent1"/>
-            </a:effectRef>
-            <a:fontRef idx="minor">
-              <a:schemeClr val="lt1"/>
-            </a:fontRef>
-          </p:style>
-          <p:txBody>
-            <a:bodyPr rtlCol="0" anchor="ctr"/>
-            <a:lstStyle/>
-            <a:p>
-              <a:pPr algn="ctr"/>
-              <a:endParaRPr lang="de-DE"/>
-            </a:p>
-          </p:txBody>
-        </p:sp>
-      </p:grpSp>
-      <p:pic>
-        <p:nvPicPr>
-          <p:cNvPr id="21" name="Bild 20" descr="Screen Shot 2016-05-24 at 19.05.44.png"/>
-          <p:cNvPicPr>
-            <a:picLocks noChangeAspect="1"/>
-          </p:cNvPicPr>
-          <p:nvPr/>
-        </p:nvPicPr>
-        <p:blipFill>
-          <a:blip r:embed="rId5" cstate="print">
-            <a:extLst>
-              <a:ext uri="{28A0092B-C50C-407E-A947-70E740481C1C}">
-                <a14:useLocalDpi xmlns:a14="http://schemas.microsoft.com/office/drawing/2010/main" val="0"/>
-              </a:ext>
-            </a:extLst>
-          </a:blip>
-          <a:stretch>
-            <a:fillRect/>
-          </a:stretch>
-        </p:blipFill>
-        <p:spPr>
-          <a:xfrm>
-            <a:off x="3071314" y="11857743"/>
-            <a:ext cx="1861602" cy="1475520"/>
-          </a:xfrm>
-          <a:prstGeom prst="rect">
-            <a:avLst/>
-          </a:prstGeom>
-        </p:spPr>
-      </p:pic>
-      <p:grpSp>
-        <p:nvGrpSpPr>
           <p:cNvPr id="33" name="Group 32"/>
           <p:cNvGrpSpPr/>
           <p:nvPr/>
@@ -52456,7 +52341,7 @@
             <p:nvPr/>
           </p:nvPicPr>
           <p:blipFill>
-            <a:blip r:embed="rId6" cstate="print">
+            <a:blip r:embed="rId4" cstate="print">
               <a:extLst>
                 <a:ext uri="{28A0092B-C50C-407E-A947-70E740481C1C}">
                   <a14:useLocalDpi xmlns:a14="http://schemas.microsoft.com/office/drawing/2010/main" val="0"/>
@@ -52486,7 +52371,7 @@
             <p:nvPr/>
           </p:nvPicPr>
           <p:blipFill>
-            <a:blip r:embed="rId7" cstate="print">
+            <a:blip r:embed="rId5" cstate="print">
               <a:extLst>
                 <a:ext uri="{28A0092B-C50C-407E-A947-70E740481C1C}">
                   <a14:useLocalDpi xmlns:a14="http://schemas.microsoft.com/office/drawing/2010/main" val="0"/>
@@ -52516,7 +52401,7 @@
             <p:nvPr/>
           </p:nvPicPr>
           <p:blipFill>
-            <a:blip r:embed="rId8" cstate="print">
+            <a:blip r:embed="rId6" cstate="print">
               <a:extLst>
                 <a:ext uri="{28A0092B-C50C-407E-A947-70E740481C1C}">
                   <a14:useLocalDpi xmlns:a14="http://schemas.microsoft.com/office/drawing/2010/main" val="0"/>
@@ -52546,7 +52431,7 @@
             <p:nvPr/>
           </p:nvPicPr>
           <p:blipFill>
-            <a:blip r:embed="rId8" cstate="print">
+            <a:blip r:embed="rId6" cstate="print">
               <a:extLst>
                 <a:ext uri="{28A0092B-C50C-407E-A947-70E740481C1C}">
                   <a14:useLocalDpi xmlns:a14="http://schemas.microsoft.com/office/drawing/2010/main" val="0"/>
@@ -52738,7 +52623,7 @@
         <p:spPr>
           <a:xfrm>
             <a:off x="1048852" y="13404585"/>
-            <a:ext cx="2265206" cy="216024"/>
+            <a:ext cx="3073712" cy="216024"/>
           </a:xfrm>
           <a:prstGeom prst="rect">
             <a:avLst/>
@@ -52757,7 +52642,7 @@
                   <a:schemeClr val="accent1"/>
                 </a:solidFill>
               </a:rPr>
-              <a:t>Fig. 5: Convolution; Source: Udacity [4]</a:t>
+              <a:t>Fig. 5: (a) Convolution, (b) Max-Pooling; Source: Udacity [4]</a:t>
             </a:r>
             <a:endParaRPr lang="de-CH" sz="850" dirty="0">
               <a:solidFill>
@@ -52830,7 +52715,7 @@
           <p:nvPr/>
         </p:nvPicPr>
         <p:blipFill rotWithShape="1">
-          <a:blip r:embed="rId9" cstate="print">
+          <a:blip r:embed="rId7" cstate="print">
             <a:extLst>
               <a:ext uri="{28A0092B-C50C-407E-A947-70E740481C1C}">
                 <a14:useLocalDpi xmlns:a14="http://schemas.microsoft.com/office/drawing/2010/main" val="0"/>
@@ -52913,7 +52798,7 @@
           <p:nvPr/>
         </p:nvPicPr>
         <p:blipFill>
-          <a:blip r:embed="rId10" cstate="print">
+          <a:blip r:embed="rId8" cstate="print">
             <a:extLst>
               <a:ext uri="{28A0092B-C50C-407E-A947-70E740481C1C}">
                 <a14:useLocalDpi xmlns:a14="http://schemas.microsoft.com/office/drawing/2010/main" val="0"/>
@@ -52934,6 +52819,142 @@
           </a:prstGeom>
         </p:spPr>
       </p:pic>
+      <p:pic>
+        <p:nvPicPr>
+          <p:cNvPr id="23" name="Picture 22"/>
+          <p:cNvPicPr>
+            <a:picLocks noChangeAspect="1"/>
+          </p:cNvPicPr>
+          <p:nvPr/>
+        </p:nvPicPr>
+        <p:blipFill>
+          <a:blip r:embed="rId9" cstate="print">
+            <a:extLst>
+              <a:ext uri="{28A0092B-C50C-407E-A947-70E740481C1C}">
+                <a14:useLocalDpi xmlns:a14="http://schemas.microsoft.com/office/drawing/2010/main" val="0"/>
+              </a:ext>
+            </a:extLst>
+          </a:blip>
+          <a:stretch>
+            <a:fillRect/>
+          </a:stretch>
+        </p:blipFill>
+        <p:spPr>
+          <a:xfrm>
+            <a:off x="3114452" y="11856153"/>
+            <a:ext cx="1889619" cy="1465749"/>
+          </a:xfrm>
+          <a:prstGeom prst="rect">
+            <a:avLst/>
+          </a:prstGeom>
+        </p:spPr>
+      </p:pic>
+      <p:sp>
+        <p:nvSpPr>
+          <p:cNvPr id="58" name="TextBox 57"/>
+          <p:cNvSpPr txBox="1"/>
+          <p:nvPr/>
+        </p:nvSpPr>
+        <p:spPr>
+          <a:xfrm>
+            <a:off x="4733597" y="13016446"/>
+            <a:ext cx="276716" cy="216024"/>
+          </a:xfrm>
+          <a:prstGeom prst="rect">
+            <a:avLst/>
+          </a:prstGeom>
+          <a:noFill/>
+        </p:spPr>
+        <p:txBody>
+          <a:bodyPr wrap="square" lIns="0" tIns="0" rIns="0" bIns="0" rtlCol="0">
+            <a:noAutofit/>
+          </a:bodyPr>
+          <a:lstStyle/>
+          <a:p>
+            <a:r>
+              <a:rPr lang="de-CH" sz="850" dirty="0" smtClean="0">
+                <a:solidFill>
+                  <a:schemeClr val="accent1"/>
+                </a:solidFill>
+              </a:rPr>
+              <a:t>(b)</a:t>
+            </a:r>
+            <a:endParaRPr lang="de-CH" sz="850" dirty="0">
+              <a:solidFill>
+                <a:schemeClr val="accent1"/>
+              </a:solidFill>
+            </a:endParaRPr>
+          </a:p>
+        </p:txBody>
+      </p:sp>
+      <p:pic>
+        <p:nvPicPr>
+          <p:cNvPr id="25" name="Picture 24"/>
+          <p:cNvPicPr>
+            <a:picLocks noChangeAspect="1"/>
+          </p:cNvPicPr>
+          <p:nvPr/>
+        </p:nvPicPr>
+        <p:blipFill>
+          <a:blip r:embed="rId10" cstate="print">
+            <a:extLst>
+              <a:ext uri="{28A0092B-C50C-407E-A947-70E740481C1C}">
+                <a14:useLocalDpi xmlns:a14="http://schemas.microsoft.com/office/drawing/2010/main" val="0"/>
+              </a:ext>
+            </a:extLst>
+          </a:blip>
+          <a:stretch>
+            <a:fillRect/>
+          </a:stretch>
+        </p:blipFill>
+        <p:spPr>
+          <a:xfrm>
+            <a:off x="814304" y="11997178"/>
+            <a:ext cx="2073147" cy="1300406"/>
+          </a:xfrm>
+          <a:prstGeom prst="rect">
+            <a:avLst/>
+          </a:prstGeom>
+        </p:spPr>
+      </p:pic>
+      <p:sp>
+        <p:nvSpPr>
+          <p:cNvPr id="57" name="TextBox 56"/>
+          <p:cNvSpPr txBox="1"/>
+          <p:nvPr/>
+        </p:nvSpPr>
+        <p:spPr>
+          <a:xfrm>
+            <a:off x="2585244" y="12967762"/>
+            <a:ext cx="276716" cy="216024"/>
+          </a:xfrm>
+          <a:prstGeom prst="rect">
+            <a:avLst/>
+          </a:prstGeom>
+          <a:noFill/>
+        </p:spPr>
+        <p:txBody>
+          <a:bodyPr wrap="square" lIns="0" tIns="0" rIns="0" bIns="0" rtlCol="0">
+            <a:noAutofit/>
+          </a:bodyPr>
+          <a:lstStyle/>
+          <a:p>
+            <a:r>
+              <a:rPr lang="de-CH" sz="850" dirty="0" smtClean="0">
+                <a:solidFill>
+                  <a:schemeClr val="accent1"/>
+                </a:solidFill>
+              </a:rPr>
+              <a:t>(a)</a:t>
+            </a:r>
+            <a:endParaRPr lang="de-CH" sz="850" dirty="0">
+              <a:solidFill>
+                <a:schemeClr val="accent1"/>
+              </a:solidFill>
+            </a:endParaRPr>
+          </a:p>
+        </p:txBody>
+      </p:sp>
     </p:spTree>
     <p:extLst>
       <p:ext uri="{BB962C8B-B14F-4D97-AF65-F5344CB8AC3E}">

--- a/poster/poster.pptx
+++ b/poster/poster.pptx
@@ -49064,7 +49064,7 @@
         </p:nvSpPr>
         <p:spPr>
           <a:xfrm>
-            <a:off x="5526720" y="8577746"/>
+            <a:off x="5549032" y="8577746"/>
             <a:ext cx="4716463" cy="4195366"/>
           </a:xfrm>
           <a:prstGeom prst="rect">
@@ -50813,6 +50813,15 @@
               <a:rPr lang="en-GB" sz="1100" dirty="0" smtClean="0"/>
               <a:t>parameters</a:t>
             </a:r>
+          </a:p>
+          <a:p>
+            <a:pPr marL="171450" indent="-171450">
+              <a:lnSpc>
+                <a:spcPct val="50000"/>
+              </a:lnSpc>
+              <a:buFont typeface="Arial" panose="020B0604020202020204" pitchFamily="34" charset="0"/>
+              <a:buChar char="•"/>
+            </a:pPr>
             <a:endParaRPr lang="en-GB" sz="1100" dirty="0"/>
           </a:p>
           <a:p>
@@ -50837,10 +50846,10 @@
             <a:endParaRPr lang="en-GB" sz="1100" b="1" dirty="0"/>
           </a:p>
           <a:p>
-            <a:endParaRPr lang="en-GB" sz="1100" b="1" dirty="0" smtClean="0"/>
+            <a:endParaRPr lang="en-GB" sz="1100" b="1" dirty="0"/>
           </a:p>
           <a:p>
-            <a:endParaRPr lang="en-GB" sz="1100" b="1" dirty="0"/>
+            <a:endParaRPr lang="en-GB" sz="1100" b="1" dirty="0" smtClean="0"/>
           </a:p>
           <a:p>
             <a:endParaRPr lang="en-GB" sz="1100" b="1" dirty="0" smtClean="0"/>
